--- a/Ch1/Ch1-basic.pptx
+++ b/Ch1/Ch1-basic.pptx
@@ -5,7 +5,7 @@
     <p:sldMasterId id="2147483660" r:id="rId1"/>
   </p:sldMasterIdLst>
   <p:notesMasterIdLst>
-    <p:notesMasterId r:id="rId47"/>
+    <p:notesMasterId r:id="rId50"/>
   </p:notesMasterIdLst>
   <p:sldIdLst>
     <p:sldId id="256" r:id="rId2"/>
@@ -29,30 +29,33 @@
     <p:sldId id="289" r:id="rId20"/>
     <p:sldId id="290" r:id="rId21"/>
     <p:sldId id="291" r:id="rId22"/>
-    <p:sldId id="265" r:id="rId23"/>
-    <p:sldId id="292" r:id="rId24"/>
-    <p:sldId id="293" r:id="rId25"/>
-    <p:sldId id="267" r:id="rId26"/>
-    <p:sldId id="271" r:id="rId27"/>
-    <p:sldId id="272" r:id="rId28"/>
-    <p:sldId id="273" r:id="rId29"/>
-    <p:sldId id="296" r:id="rId30"/>
-    <p:sldId id="297" r:id="rId31"/>
-    <p:sldId id="298" r:id="rId32"/>
-    <p:sldId id="301" r:id="rId33"/>
-    <p:sldId id="299" r:id="rId34"/>
-    <p:sldId id="300" r:id="rId35"/>
-    <p:sldId id="275" r:id="rId36"/>
-    <p:sldId id="276" r:id="rId37"/>
-    <p:sldId id="278" r:id="rId38"/>
-    <p:sldId id="280" r:id="rId39"/>
-    <p:sldId id="281" r:id="rId40"/>
-    <p:sldId id="282" r:id="rId41"/>
-    <p:sldId id="279" r:id="rId42"/>
-    <p:sldId id="295" r:id="rId43"/>
-    <p:sldId id="305" r:id="rId44"/>
-    <p:sldId id="306" r:id="rId45"/>
-    <p:sldId id="294" r:id="rId46"/>
+    <p:sldId id="307" r:id="rId23"/>
+    <p:sldId id="265" r:id="rId24"/>
+    <p:sldId id="292" r:id="rId25"/>
+    <p:sldId id="293" r:id="rId26"/>
+    <p:sldId id="267" r:id="rId27"/>
+    <p:sldId id="271" r:id="rId28"/>
+    <p:sldId id="272" r:id="rId29"/>
+    <p:sldId id="273" r:id="rId30"/>
+    <p:sldId id="296" r:id="rId31"/>
+    <p:sldId id="297" r:id="rId32"/>
+    <p:sldId id="298" r:id="rId33"/>
+    <p:sldId id="301" r:id="rId34"/>
+    <p:sldId id="299" r:id="rId35"/>
+    <p:sldId id="300" r:id="rId36"/>
+    <p:sldId id="275" r:id="rId37"/>
+    <p:sldId id="276" r:id="rId38"/>
+    <p:sldId id="278" r:id="rId39"/>
+    <p:sldId id="280" r:id="rId40"/>
+    <p:sldId id="281" r:id="rId41"/>
+    <p:sldId id="282" r:id="rId42"/>
+    <p:sldId id="279" r:id="rId43"/>
+    <p:sldId id="308" r:id="rId44"/>
+    <p:sldId id="309" r:id="rId45"/>
+    <p:sldId id="295" r:id="rId46"/>
+    <p:sldId id="305" r:id="rId47"/>
+    <p:sldId id="306" r:id="rId48"/>
+    <p:sldId id="294" r:id="rId49"/>
   </p:sldIdLst>
   <p:sldSz cx="12192000" cy="6858000"/>
   <p:notesSz cx="6858000" cy="9144000"/>
@@ -409,7 +412,7 @@
           <a:p>
             <a:fld id="{5CA1DE25-5FDD-4627-8F1B-8C59CC04B9FE}" type="datetimeFigureOut">
               <a:rPr lang="zh-TW" altLang="en-US" smtClean="0"/>
-              <a:t>2022/11/7</a:t>
+              <a:t>2022/11/8</a:t>
             </a:fld>
             <a:endParaRPr lang="zh-TW" altLang="en-US"/>
           </a:p>
@@ -1290,7 +1293,7 @@
           <a:p>
             <a:fld id="{87ADF86C-EF33-4B2D-AB8D-9458098BBA93}" type="slidenum">
               <a:rPr lang="zh-TW" altLang="en-US" smtClean="0"/>
-              <a:t>22</a:t>
+              <a:t>23</a:t>
             </a:fld>
             <a:endParaRPr lang="zh-TW" altLang="en-US"/>
           </a:p>
@@ -1377,7 +1380,7 @@
           <a:p>
             <a:fld id="{87ADF86C-EF33-4B2D-AB8D-9458098BBA93}" type="slidenum">
               <a:rPr lang="zh-TW" altLang="en-US" smtClean="0"/>
-              <a:t>25</a:t>
+              <a:t>26</a:t>
             </a:fld>
             <a:endParaRPr lang="zh-TW" altLang="en-US"/>
           </a:p>
@@ -1527,7 +1530,7 @@
           <a:p>
             <a:fld id="{ABB345C4-D81E-4C8D-86A1-B639E123A710}" type="datetimeFigureOut">
               <a:rPr lang="zh-TW" altLang="en-US" smtClean="0"/>
-              <a:t>2022/11/7</a:t>
+              <a:t>2022/11/8</a:t>
             </a:fld>
             <a:endParaRPr lang="zh-TW" altLang="en-US"/>
           </a:p>
@@ -1697,7 +1700,7 @@
           <a:p>
             <a:fld id="{ABB345C4-D81E-4C8D-86A1-B639E123A710}" type="datetimeFigureOut">
               <a:rPr lang="zh-TW" altLang="en-US" smtClean="0"/>
-              <a:t>2022/11/7</a:t>
+              <a:t>2022/11/8</a:t>
             </a:fld>
             <a:endParaRPr lang="zh-TW" altLang="en-US"/>
           </a:p>
@@ -1877,7 +1880,7 @@
           <a:p>
             <a:fld id="{ABB345C4-D81E-4C8D-86A1-B639E123A710}" type="datetimeFigureOut">
               <a:rPr lang="zh-TW" altLang="en-US" smtClean="0"/>
-              <a:t>2022/11/7</a:t>
+              <a:t>2022/11/8</a:t>
             </a:fld>
             <a:endParaRPr lang="zh-TW" altLang="en-US"/>
           </a:p>
@@ -2047,7 +2050,7 @@
           <a:p>
             <a:fld id="{ABB345C4-D81E-4C8D-86A1-B639E123A710}" type="datetimeFigureOut">
               <a:rPr lang="zh-TW" altLang="en-US" smtClean="0"/>
-              <a:t>2022/11/7</a:t>
+              <a:t>2022/11/8</a:t>
             </a:fld>
             <a:endParaRPr lang="zh-TW" altLang="en-US"/>
           </a:p>
@@ -2293,7 +2296,7 @@
           <a:p>
             <a:fld id="{ABB345C4-D81E-4C8D-86A1-B639E123A710}" type="datetimeFigureOut">
               <a:rPr lang="zh-TW" altLang="en-US" smtClean="0"/>
-              <a:t>2022/11/7</a:t>
+              <a:t>2022/11/8</a:t>
             </a:fld>
             <a:endParaRPr lang="zh-TW" altLang="en-US"/>
           </a:p>
@@ -2525,7 +2528,7 @@
           <a:p>
             <a:fld id="{ABB345C4-D81E-4C8D-86A1-B639E123A710}" type="datetimeFigureOut">
               <a:rPr lang="zh-TW" altLang="en-US" smtClean="0"/>
-              <a:t>2022/11/7</a:t>
+              <a:t>2022/11/8</a:t>
             </a:fld>
             <a:endParaRPr lang="zh-TW" altLang="en-US"/>
           </a:p>
@@ -2892,7 +2895,7 @@
           <a:p>
             <a:fld id="{ABB345C4-D81E-4C8D-86A1-B639E123A710}" type="datetimeFigureOut">
               <a:rPr lang="zh-TW" altLang="en-US" smtClean="0"/>
-              <a:t>2022/11/7</a:t>
+              <a:t>2022/11/8</a:t>
             </a:fld>
             <a:endParaRPr lang="zh-TW" altLang="en-US"/>
           </a:p>
@@ -3010,7 +3013,7 @@
           <a:p>
             <a:fld id="{ABB345C4-D81E-4C8D-86A1-B639E123A710}" type="datetimeFigureOut">
               <a:rPr lang="zh-TW" altLang="en-US" smtClean="0"/>
-              <a:t>2022/11/7</a:t>
+              <a:t>2022/11/8</a:t>
             </a:fld>
             <a:endParaRPr lang="zh-TW" altLang="en-US"/>
           </a:p>
@@ -3105,7 +3108,7 @@
           <a:p>
             <a:fld id="{ABB345C4-D81E-4C8D-86A1-B639E123A710}" type="datetimeFigureOut">
               <a:rPr lang="zh-TW" altLang="en-US" smtClean="0"/>
-              <a:t>2022/11/7</a:t>
+              <a:t>2022/11/8</a:t>
             </a:fld>
             <a:endParaRPr lang="zh-TW" altLang="en-US"/>
           </a:p>
@@ -3382,7 +3385,7 @@
           <a:p>
             <a:fld id="{ABB345C4-D81E-4C8D-86A1-B639E123A710}" type="datetimeFigureOut">
               <a:rPr lang="zh-TW" altLang="en-US" smtClean="0"/>
-              <a:t>2022/11/7</a:t>
+              <a:t>2022/11/8</a:t>
             </a:fld>
             <a:endParaRPr lang="zh-TW" altLang="en-US"/>
           </a:p>
@@ -3639,7 +3642,7 @@
           <a:p>
             <a:fld id="{ABB345C4-D81E-4C8D-86A1-B639E123A710}" type="datetimeFigureOut">
               <a:rPr lang="zh-TW" altLang="en-US" smtClean="0"/>
-              <a:t>2022/11/7</a:t>
+              <a:t>2022/11/8</a:t>
             </a:fld>
             <a:endParaRPr lang="zh-TW" altLang="en-US"/>
           </a:p>
@@ -3852,7 +3855,7 @@
           <a:p>
             <a:fld id="{ABB345C4-D81E-4C8D-86A1-B639E123A710}" type="datetimeFigureOut">
               <a:rPr lang="zh-TW" altLang="en-US" smtClean="0"/>
-              <a:t>2022/11/7</a:t>
+              <a:t>2022/11/8</a:t>
             </a:fld>
             <a:endParaRPr lang="zh-TW" altLang="en-US"/>
           </a:p>
@@ -5584,7 +5587,21 @@
                 <a:latin typeface="Consolas" panose="020B0609020204030204" pitchFamily="49" charset="0"/>
                 <a:ea typeface="微軟正黑體" panose="020B0604030504040204" pitchFamily="34" charset="-120"/>
               </a:rPr>
-              <a:t>。</a:t>
+              <a:t>。而且在</a:t>
+            </a:r>
+            <a:r>
+              <a:rPr lang="en-US" altLang="zh-TW" dirty="0">
+                <a:latin typeface="Consolas" panose="020B0609020204030204" pitchFamily="49" charset="0"/>
+                <a:ea typeface="微軟正黑體" panose="020B0604030504040204" pitchFamily="34" charset="-120"/>
+              </a:rPr>
+              <a:t>C11</a:t>
+            </a:r>
+            <a:r>
+              <a:rPr lang="zh-TW" altLang="en-US" dirty="0">
+                <a:latin typeface="Consolas" panose="020B0609020204030204" pitchFamily="49" charset="0"/>
+                <a:ea typeface="微軟正黑體" panose="020B0604030504040204" pitchFamily="34" charset="-120"/>
+              </a:rPr>
+              <a:t>已經被刪掉了。</a:t>
             </a:r>
             <a:endParaRPr lang="en-US" altLang="zh-TW" dirty="0">
               <a:latin typeface="Consolas" panose="020B0609020204030204" pitchFamily="49" charset="0"/>
@@ -7396,7 +7413,7 @@
                 <a:latin typeface="Consolas" panose="020B0609020204030204" pitchFamily="49" charset="0"/>
                 <a:ea typeface="微軟正黑體" panose="020B0604030504040204" pitchFamily="34" charset="-120"/>
               </a:rPr>
-              <a:t>那還是乖乖手寫一個</a:t>
+              <a:t>手寫一個</a:t>
             </a:r>
             <a:r>
               <a:rPr lang="en-US" altLang="zh-TW" dirty="0">
@@ -7410,7 +7427,21 @@
                 <a:latin typeface="Consolas" panose="020B0609020204030204" pitchFamily="49" charset="0"/>
                 <a:ea typeface="微軟正黑體" panose="020B0604030504040204" pitchFamily="34" charset="-120"/>
               </a:rPr>
-              <a:t>比較快。</a:t>
+              <a:t>、或是再用</a:t>
+            </a:r>
+            <a:r>
+              <a:rPr lang="en-US" altLang="zh-TW" dirty="0" err="1">
+                <a:latin typeface="Consolas" panose="020B0609020204030204" pitchFamily="49" charset="0"/>
+                <a:ea typeface="微軟正黑體" panose="020B0604030504040204" pitchFamily="34" charset="-120"/>
+              </a:rPr>
+              <a:t>sscanf</a:t>
+            </a:r>
+            <a:r>
+              <a:rPr lang="zh-TW" altLang="en-US" dirty="0">
+                <a:latin typeface="Consolas" panose="020B0609020204030204" pitchFamily="49" charset="0"/>
+                <a:ea typeface="微軟正黑體" panose="020B0604030504040204" pitchFamily="34" charset="-120"/>
+              </a:rPr>
+              <a:t>。</a:t>
             </a:r>
             <a:br>
               <a:rPr lang="en-US" altLang="zh-TW" dirty="0">
@@ -7584,91 +7615,26 @@
                 <a:latin typeface="Consolas" panose="020B0609020204030204" pitchFamily="49" charset="0"/>
                 <a:ea typeface="微軟正黑體" panose="020B0604030504040204" pitchFamily="34" charset="-120"/>
               </a:rPr>
-              <a:t>拯救資工系同學於</a:t>
+              <a:t>提升資工系同學的綜合能力</a:t>
             </a:r>
             <a:r>
               <a:rPr lang="en-US" altLang="zh-TW" dirty="0">
                 <a:latin typeface="Consolas" panose="020B0609020204030204" pitchFamily="49" charset="0"/>
                 <a:ea typeface="微軟正黑體" panose="020B0604030504040204" pitchFamily="34" charset="-120"/>
               </a:rPr>
-              <a:t>915</a:t>
+              <a:t>/</a:t>
             </a:r>
             <a:r>
               <a:rPr lang="zh-TW" altLang="en-US" dirty="0">
                 <a:latin typeface="Consolas" panose="020B0609020204030204" pitchFamily="49" charset="0"/>
                 <a:ea typeface="微軟正黑體" panose="020B0604030504040204" pitchFamily="34" charset="-120"/>
               </a:rPr>
-              <a:t>的魔爪</a:t>
-            </a:r>
-            <a:r>
-              <a:rPr lang="en-US" altLang="zh-TW" dirty="0">
-                <a:latin typeface="Consolas" panose="020B0609020204030204" pitchFamily="49" charset="0"/>
-                <a:ea typeface="微軟正黑體" panose="020B0604030504040204" pitchFamily="34" charset="-120"/>
-              </a:rPr>
-              <a:t>(</a:t>
-            </a:r>
-            <a:r>
-              <a:rPr lang="zh-TW" altLang="en-US" dirty="0">
-                <a:latin typeface="Consolas" panose="020B0609020204030204" pitchFamily="49" charset="0"/>
-                <a:ea typeface="微軟正黑體" panose="020B0604030504040204" pitchFamily="34" charset="-120"/>
-              </a:rPr>
-              <a:t>我不保證能</a:t>
-            </a:r>
-            <a:r>
-              <a:rPr lang="en-US" altLang="zh-TW" dirty="0">
-                <a:latin typeface="Consolas" panose="020B0609020204030204" pitchFamily="49" charset="0"/>
-                <a:ea typeface="微軟正黑體" panose="020B0604030504040204" pitchFamily="34" charset="-120"/>
-              </a:rPr>
-              <a:t>)</a:t>
-            </a:r>
-          </a:p>
-          <a:p>
+              <a:t>基礎知識</a:t>
+            </a:r>
             <a:endParaRPr lang="en-US" altLang="zh-TW" dirty="0">
               <a:latin typeface="Consolas" panose="020B0609020204030204" pitchFamily="49" charset="0"/>
               <a:ea typeface="微軟正黑體" panose="020B0604030504040204" pitchFamily="34" charset="-120"/>
             </a:endParaRPr>
-          </a:p>
-          <a:p>
-            <a:r>
-              <a:rPr lang="zh-TW" altLang="en-US" dirty="0">
-                <a:latin typeface="Consolas" panose="020B0609020204030204" pitchFamily="49" charset="0"/>
-                <a:ea typeface="微軟正黑體" panose="020B0604030504040204" pitchFamily="34" charset="-120"/>
-              </a:rPr>
-              <a:t>提升資工系同學的能力</a:t>
-            </a:r>
-            <a:r>
-              <a:rPr lang="en-US" altLang="zh-TW" dirty="0">
-                <a:latin typeface="Consolas" panose="020B0609020204030204" pitchFamily="49" charset="0"/>
-                <a:ea typeface="微軟正黑體" panose="020B0604030504040204" pitchFamily="34" charset="-120"/>
-              </a:rPr>
-              <a:t>/</a:t>
-            </a:r>
-            <a:r>
-              <a:rPr lang="zh-TW" altLang="en-US" dirty="0">
-                <a:latin typeface="Consolas" panose="020B0609020204030204" pitchFamily="49" charset="0"/>
-                <a:ea typeface="微軟正黑體" panose="020B0604030504040204" pitchFamily="34" charset="-120"/>
-              </a:rPr>
-              <a:t>基礎知識</a:t>
-            </a:r>
-            <a:endParaRPr lang="en-US" altLang="zh-TW" dirty="0">
-              <a:latin typeface="Consolas" panose="020B0609020204030204" pitchFamily="49" charset="0"/>
-              <a:ea typeface="微軟正黑體" panose="020B0604030504040204" pitchFamily="34" charset="-120"/>
-            </a:endParaRPr>
-          </a:p>
-          <a:p>
-            <a:endParaRPr lang="en-US" altLang="zh-TW" dirty="0">
-              <a:latin typeface="Consolas" panose="020B0609020204030204" pitchFamily="49" charset="0"/>
-              <a:ea typeface="微軟正黑體" panose="020B0604030504040204" pitchFamily="34" charset="-120"/>
-            </a:endParaRPr>
-          </a:p>
-          <a:p>
-            <a:r>
-              <a:rPr lang="zh-TW" altLang="en-US" dirty="0">
-                <a:latin typeface="Consolas" panose="020B0609020204030204" pitchFamily="49" charset="0"/>
-                <a:ea typeface="微軟正黑體" panose="020B0604030504040204" pitchFamily="34" charset="-120"/>
-              </a:rPr>
-              <a:t>順便校正資工系同學不正確的觀念</a:t>
-            </a:r>
           </a:p>
         </p:txBody>
       </p:sp>
@@ -8369,7 +8335,9 @@
           </a:xfrm>
         </p:spPr>
         <p:txBody>
-          <a:bodyPr/>
+          <a:bodyPr>
+            <a:normAutofit/>
+          </a:bodyPr>
           <a:lstStyle/>
           <a:p>
             <a:r>
@@ -8377,43 +8345,19 @@
                 <a:latin typeface="Consolas" panose="020B0609020204030204" pitchFamily="49" charset="0"/>
                 <a:ea typeface="微軟正黑體" panose="020B0604030504040204" pitchFamily="34" charset="-120"/>
               </a:rPr>
-              <a:t>要怎麼輸入整行資料</a:t>
+              <a:t>手寫</a:t>
             </a:r>
             <a:r>
               <a:rPr lang="en-US" altLang="zh-TW" dirty="0">
                 <a:latin typeface="Consolas" panose="020B0609020204030204" pitchFamily="49" charset="0"/>
                 <a:ea typeface="微軟正黑體" panose="020B0604030504040204" pitchFamily="34" charset="-120"/>
               </a:rPr>
-              <a:t>?</a:t>
-            </a:r>
-            <a:r>
-              <a:rPr lang="zh-TW" altLang="en-US" dirty="0">
-                <a:latin typeface="Consolas" panose="020B0609020204030204" pitchFamily="49" charset="0"/>
-                <a:ea typeface="微軟正黑體" panose="020B0604030504040204" pitchFamily="34" charset="-120"/>
-              </a:rPr>
-              <a:t> </a:t>
-            </a:r>
-            <a:r>
-              <a:rPr lang="zh-TW" altLang="en-US" sz="2800" dirty="0">
-                <a:latin typeface="Consolas" panose="020B0609020204030204" pitchFamily="49" charset="0"/>
-                <a:ea typeface="微軟正黑體" panose="020B0604030504040204" pitchFamily="34" charset="-120"/>
-              </a:rPr>
-              <a:t>字串</a:t>
-            </a:r>
-            <a:r>
-              <a:rPr lang="en-US" altLang="zh-TW" sz="2800" dirty="0">
-                <a:latin typeface="Consolas" panose="020B0609020204030204" pitchFamily="49" charset="0"/>
-                <a:ea typeface="微軟正黑體" panose="020B0604030504040204" pitchFamily="34" charset="-120"/>
-              </a:rPr>
-              <a:t>+</a:t>
-            </a:r>
-            <a:r>
-              <a:rPr lang="zh-TW" altLang="en-US" sz="2800" dirty="0">
-                <a:latin typeface="Consolas" panose="020B0609020204030204" pitchFamily="49" charset="0"/>
-                <a:ea typeface="微軟正黑體" panose="020B0604030504040204" pitchFamily="34" charset="-120"/>
-              </a:rPr>
-              <a:t>數字</a:t>
-            </a:r>
+              <a:t>parse</a:t>
+            </a:r>
+            <a:endParaRPr lang="zh-TW" altLang="en-US" dirty="0">
+              <a:latin typeface="Consolas" panose="020B0609020204030204" pitchFamily="49" charset="0"/>
+              <a:ea typeface="微軟正黑體" panose="020B0604030504040204" pitchFamily="34" charset="-120"/>
+            </a:endParaRPr>
           </a:p>
         </p:txBody>
       </p:sp>
@@ -10063,43 +10007,19 @@
                 <a:latin typeface="Consolas" panose="020B0609020204030204" pitchFamily="49" charset="0"/>
                 <a:ea typeface="微軟正黑體" panose="020B0604030504040204" pitchFamily="34" charset="-120"/>
               </a:rPr>
-              <a:t>要怎麼輸入整行資料</a:t>
+              <a:t>手寫</a:t>
             </a:r>
             <a:r>
               <a:rPr lang="en-US" altLang="zh-TW" dirty="0">
                 <a:latin typeface="Consolas" panose="020B0609020204030204" pitchFamily="49" charset="0"/>
                 <a:ea typeface="微軟正黑體" panose="020B0604030504040204" pitchFamily="34" charset="-120"/>
               </a:rPr>
-              <a:t>?</a:t>
-            </a:r>
-            <a:r>
-              <a:rPr lang="zh-TW" altLang="en-US" dirty="0">
-                <a:latin typeface="Consolas" panose="020B0609020204030204" pitchFamily="49" charset="0"/>
-                <a:ea typeface="微軟正黑體" panose="020B0604030504040204" pitchFamily="34" charset="-120"/>
-              </a:rPr>
-              <a:t> </a:t>
-            </a:r>
-            <a:r>
-              <a:rPr lang="zh-TW" altLang="en-US" sz="2800" dirty="0">
-                <a:latin typeface="Consolas" panose="020B0609020204030204" pitchFamily="49" charset="0"/>
-                <a:ea typeface="微軟正黑體" panose="020B0604030504040204" pitchFamily="34" charset="-120"/>
-              </a:rPr>
-              <a:t>字串</a:t>
-            </a:r>
-            <a:r>
-              <a:rPr lang="en-US" altLang="zh-TW" sz="2800" dirty="0">
-                <a:latin typeface="Consolas" panose="020B0609020204030204" pitchFamily="49" charset="0"/>
-                <a:ea typeface="微軟正黑體" panose="020B0604030504040204" pitchFamily="34" charset="-120"/>
-              </a:rPr>
-              <a:t>+</a:t>
-            </a:r>
-            <a:r>
-              <a:rPr lang="zh-TW" altLang="en-US" sz="2800" dirty="0">
-                <a:latin typeface="Consolas" panose="020B0609020204030204" pitchFamily="49" charset="0"/>
-                <a:ea typeface="微軟正黑體" panose="020B0604030504040204" pitchFamily="34" charset="-120"/>
-              </a:rPr>
-              <a:t>數字</a:t>
-            </a:r>
+              <a:t>parse</a:t>
+            </a:r>
+            <a:endParaRPr lang="zh-TW" altLang="en-US" sz="2800" dirty="0">
+              <a:latin typeface="Consolas" panose="020B0609020204030204" pitchFamily="49" charset="0"/>
+              <a:ea typeface="微軟正黑體" panose="020B0604030504040204" pitchFamily="34" charset="-120"/>
+            </a:endParaRPr>
           </a:p>
         </p:txBody>
       </p:sp>
@@ -10138,6 +10058,1429 @@
           <p:cNvPr id="2" name="標題 1">
             <a:extLst>
               <a:ext uri="{FF2B5EF4-FFF2-40B4-BE49-F238E27FC236}">
+                <a16:creationId xmlns:a16="http://schemas.microsoft.com/office/drawing/2014/main" id="{27DC32B5-FCD7-E11C-5BA4-268962816D3B}"/>
+              </a:ext>
+            </a:extLst>
+          </p:cNvPr>
+          <p:cNvSpPr>
+            <a:spLocks noGrp="1"/>
+          </p:cNvSpPr>
+          <p:nvPr>
+            <p:ph type="title"/>
+          </p:nvPr>
+        </p:nvSpPr>
+        <p:spPr/>
+        <p:txBody>
+          <a:bodyPr/>
+          <a:lstStyle/>
+          <a:p>
+            <a:r>
+              <a:rPr lang="en-US" altLang="zh-TW" dirty="0" err="1">
+                <a:latin typeface="Consolas" panose="020B0609020204030204" pitchFamily="49" charset="0"/>
+              </a:rPr>
+              <a:t>sscanf</a:t>
+            </a:r>
+            <a:endParaRPr lang="zh-TW" altLang="en-US" dirty="0">
+              <a:latin typeface="Consolas" panose="020B0609020204030204" pitchFamily="49" charset="0"/>
+            </a:endParaRPr>
+          </a:p>
+        </p:txBody>
+      </p:sp>
+      <p:sp>
+        <p:nvSpPr>
+          <p:cNvPr id="4" name="文字方塊 3">
+            <a:extLst>
+              <a:ext uri="{FF2B5EF4-FFF2-40B4-BE49-F238E27FC236}">
+                <a16:creationId xmlns:a16="http://schemas.microsoft.com/office/drawing/2014/main" id="{714A1D84-50D8-E347-6C78-A0F78D238FFF}"/>
+              </a:ext>
+            </a:extLst>
+          </p:cNvPr>
+          <p:cNvSpPr txBox="1"/>
+          <p:nvPr/>
+        </p:nvSpPr>
+        <p:spPr>
+          <a:xfrm>
+            <a:off x="838199" y="1691561"/>
+            <a:ext cx="10515599" cy="5016758"/>
+          </a:xfrm>
+          <a:prstGeom prst="rect">
+            <a:avLst/>
+          </a:prstGeom>
+          <a:noFill/>
+        </p:spPr>
+        <p:txBody>
+          <a:bodyPr wrap="square">
+            <a:spAutoFit/>
+          </a:bodyPr>
+          <a:lstStyle/>
+          <a:p>
+            <a:r>
+              <a:rPr lang="en-US" altLang="zh-TW" sz="2000" b="1" dirty="0">
+                <a:solidFill>
+                  <a:srgbClr val="DFC47D"/>
+                </a:solidFill>
+                <a:latin typeface="Consolas" panose="020B0609020204030204" pitchFamily="49" charset="0"/>
+              </a:rPr>
+              <a:t>while</a:t>
+            </a:r>
+            <a:r>
+              <a:rPr lang="en-US" altLang="zh-TW" sz="2000" b="1" dirty="0">
+                <a:solidFill>
+                  <a:srgbClr val="9F9D6D"/>
+                </a:solidFill>
+                <a:latin typeface="Consolas" panose="020B0609020204030204" pitchFamily="49" charset="0"/>
+              </a:rPr>
+              <a:t>(~</a:t>
+            </a:r>
+            <a:r>
+              <a:rPr lang="en-US" altLang="zh-TW" sz="2000" b="0" dirty="0" err="1">
+                <a:solidFill>
+                  <a:srgbClr val="DCDCCC"/>
+                </a:solidFill>
+                <a:latin typeface="Consolas" panose="020B0609020204030204" pitchFamily="49" charset="0"/>
+              </a:rPr>
+              <a:t>scanf</a:t>
+            </a:r>
+            <a:r>
+              <a:rPr lang="en-US" altLang="zh-TW" sz="2000" b="1" dirty="0">
+                <a:solidFill>
+                  <a:srgbClr val="9F9D6D"/>
+                </a:solidFill>
+                <a:latin typeface="Consolas" panose="020B0609020204030204" pitchFamily="49" charset="0"/>
+              </a:rPr>
+              <a:t>(</a:t>
+            </a:r>
+            <a:r>
+              <a:rPr lang="en-US" altLang="zh-TW" sz="2000" b="0" dirty="0">
+                <a:solidFill>
+                  <a:srgbClr val="CC9393"/>
+                </a:solidFill>
+                <a:latin typeface="Consolas" panose="020B0609020204030204" pitchFamily="49" charset="0"/>
+              </a:rPr>
+              <a:t>"%[^\n]s"</a:t>
+            </a:r>
+            <a:r>
+              <a:rPr lang="en-US" altLang="zh-TW" sz="2000" b="1" dirty="0">
+                <a:solidFill>
+                  <a:srgbClr val="9F9D6D"/>
+                </a:solidFill>
+                <a:latin typeface="Consolas" panose="020B0609020204030204" pitchFamily="49" charset="0"/>
+              </a:rPr>
+              <a:t>,</a:t>
+            </a:r>
+            <a:r>
+              <a:rPr lang="en-US" altLang="zh-TW" sz="2000" b="0" dirty="0">
+                <a:solidFill>
+                  <a:srgbClr val="DCDCCC"/>
+                </a:solidFill>
+                <a:latin typeface="Consolas" panose="020B0609020204030204" pitchFamily="49" charset="0"/>
+              </a:rPr>
+              <a:t> s</a:t>
+            </a:r>
+            <a:r>
+              <a:rPr lang="en-US" altLang="zh-TW" sz="2000" b="1" dirty="0">
+                <a:solidFill>
+                  <a:srgbClr val="9F9D6D"/>
+                </a:solidFill>
+                <a:latin typeface="Consolas" panose="020B0609020204030204" pitchFamily="49" charset="0"/>
+              </a:rPr>
+              <a:t>)</a:t>
+            </a:r>
+            <a:r>
+              <a:rPr lang="en-US" altLang="zh-TW" sz="2000" b="0" dirty="0">
+                <a:solidFill>
+                  <a:srgbClr val="DCDCCC"/>
+                </a:solidFill>
+                <a:latin typeface="Consolas" panose="020B0609020204030204" pitchFamily="49" charset="0"/>
+              </a:rPr>
+              <a:t> </a:t>
+            </a:r>
+            <a:r>
+              <a:rPr lang="en-US" altLang="zh-TW" sz="2000" b="1" dirty="0">
+                <a:solidFill>
+                  <a:srgbClr val="9F9D6D"/>
+                </a:solidFill>
+                <a:latin typeface="Consolas" panose="020B0609020204030204" pitchFamily="49" charset="0"/>
+              </a:rPr>
+              <a:t>&amp;&amp;</a:t>
+            </a:r>
+            <a:r>
+              <a:rPr lang="en-US" altLang="zh-TW" sz="2000" b="0" dirty="0">
+                <a:solidFill>
+                  <a:srgbClr val="DCDCCC"/>
+                </a:solidFill>
+                <a:latin typeface="Consolas" panose="020B0609020204030204" pitchFamily="49" charset="0"/>
+              </a:rPr>
+              <a:t> </a:t>
+            </a:r>
+            <a:r>
+              <a:rPr lang="en-US" altLang="zh-TW" sz="2000" b="0" dirty="0" err="1">
+                <a:solidFill>
+                  <a:srgbClr val="DCDCCC"/>
+                </a:solidFill>
+                <a:latin typeface="Consolas" panose="020B0609020204030204" pitchFamily="49" charset="0"/>
+              </a:rPr>
+              <a:t>getchar</a:t>
+            </a:r>
+            <a:r>
+              <a:rPr lang="en-US" altLang="zh-TW" sz="2000" b="1" dirty="0">
+                <a:solidFill>
+                  <a:srgbClr val="9F9D6D"/>
+                </a:solidFill>
+                <a:latin typeface="Consolas" panose="020B0609020204030204" pitchFamily="49" charset="0"/>
+              </a:rPr>
+              <a:t>())</a:t>
+            </a:r>
+            <a:endParaRPr lang="en-US" altLang="zh-TW" sz="2000" b="0" dirty="0">
+              <a:solidFill>
+                <a:srgbClr val="DCDCCC"/>
+              </a:solidFill>
+              <a:latin typeface="Consolas" panose="020B0609020204030204" pitchFamily="49" charset="0"/>
+            </a:endParaRPr>
+          </a:p>
+          <a:p>
+            <a:r>
+              <a:rPr lang="en-US" altLang="zh-TW" sz="2000" b="1" dirty="0">
+                <a:solidFill>
+                  <a:srgbClr val="9F9D6D"/>
+                </a:solidFill>
+                <a:latin typeface="Consolas" panose="020B0609020204030204" pitchFamily="49" charset="0"/>
+              </a:rPr>
+              <a:t>{</a:t>
+            </a:r>
+            <a:endParaRPr lang="zh-TW" altLang="en-US" sz="2000" b="0" dirty="0">
+              <a:solidFill>
+                <a:srgbClr val="DCDCCC"/>
+              </a:solidFill>
+              <a:latin typeface="Consolas" panose="020B0609020204030204" pitchFamily="49" charset="0"/>
+            </a:endParaRPr>
+          </a:p>
+          <a:p>
+            <a:r>
+              <a:rPr lang="en-US" altLang="zh-TW" sz="2000" b="0" dirty="0">
+                <a:solidFill>
+                  <a:srgbClr val="DCDCCC"/>
+                </a:solidFill>
+                <a:latin typeface="Consolas" panose="020B0609020204030204" pitchFamily="49" charset="0"/>
+              </a:rPr>
+              <a:t>	</a:t>
+            </a:r>
+            <a:r>
+              <a:rPr lang="en-US" altLang="zh-TW" sz="2000" b="1" dirty="0">
+                <a:solidFill>
+                  <a:srgbClr val="CEDF99"/>
+                </a:solidFill>
+                <a:latin typeface="Consolas" panose="020B0609020204030204" pitchFamily="49" charset="0"/>
+              </a:rPr>
+              <a:t>int</a:t>
+            </a:r>
+            <a:r>
+              <a:rPr lang="en-US" altLang="zh-TW" sz="2000" b="0" dirty="0">
+                <a:solidFill>
+                  <a:srgbClr val="DCDCCC"/>
+                </a:solidFill>
+                <a:latin typeface="Consolas" panose="020B0609020204030204" pitchFamily="49" charset="0"/>
+              </a:rPr>
+              <a:t> n </a:t>
+            </a:r>
+            <a:r>
+              <a:rPr lang="en-US" altLang="zh-TW" sz="2000" b="1" dirty="0">
+                <a:solidFill>
+                  <a:srgbClr val="9F9D6D"/>
+                </a:solidFill>
+                <a:latin typeface="Consolas" panose="020B0609020204030204" pitchFamily="49" charset="0"/>
+              </a:rPr>
+              <a:t>=</a:t>
+            </a:r>
+            <a:r>
+              <a:rPr lang="en-US" altLang="zh-TW" sz="2000" b="0" dirty="0">
+                <a:solidFill>
+                  <a:srgbClr val="DCDCCC"/>
+                </a:solidFill>
+                <a:latin typeface="Consolas" panose="020B0609020204030204" pitchFamily="49" charset="0"/>
+              </a:rPr>
+              <a:t> </a:t>
+            </a:r>
+            <a:r>
+              <a:rPr lang="en-US" altLang="zh-TW" sz="2000" b="0" dirty="0">
+                <a:solidFill>
+                  <a:srgbClr val="8CD0D3"/>
+                </a:solidFill>
+                <a:latin typeface="Consolas" panose="020B0609020204030204" pitchFamily="49" charset="0"/>
+              </a:rPr>
+              <a:t>0</a:t>
+            </a:r>
+            <a:r>
+              <a:rPr lang="en-US" altLang="zh-TW" sz="2000" b="1" dirty="0">
+                <a:solidFill>
+                  <a:srgbClr val="9F9D6D"/>
+                </a:solidFill>
+                <a:latin typeface="Consolas" panose="020B0609020204030204" pitchFamily="49" charset="0"/>
+              </a:rPr>
+              <a:t>,</a:t>
+            </a:r>
+            <a:r>
+              <a:rPr lang="en-US" altLang="zh-TW" sz="2000" b="0" dirty="0">
+                <a:solidFill>
+                  <a:srgbClr val="DCDCCC"/>
+                </a:solidFill>
+                <a:latin typeface="Consolas" panose="020B0609020204030204" pitchFamily="49" charset="0"/>
+              </a:rPr>
+              <a:t> offset </a:t>
+            </a:r>
+            <a:r>
+              <a:rPr lang="en-US" altLang="zh-TW" sz="2000" b="1" dirty="0">
+                <a:solidFill>
+                  <a:srgbClr val="9F9D6D"/>
+                </a:solidFill>
+                <a:latin typeface="Consolas" panose="020B0609020204030204" pitchFamily="49" charset="0"/>
+              </a:rPr>
+              <a:t>=</a:t>
+            </a:r>
+            <a:r>
+              <a:rPr lang="en-US" altLang="zh-TW" sz="2000" b="0" dirty="0">
+                <a:solidFill>
+                  <a:srgbClr val="DCDCCC"/>
+                </a:solidFill>
+                <a:latin typeface="Consolas" panose="020B0609020204030204" pitchFamily="49" charset="0"/>
+              </a:rPr>
+              <a:t> </a:t>
+            </a:r>
+            <a:r>
+              <a:rPr lang="en-US" altLang="zh-TW" sz="2000" b="0" dirty="0">
+                <a:solidFill>
+                  <a:srgbClr val="8CD0D3"/>
+                </a:solidFill>
+                <a:latin typeface="Consolas" panose="020B0609020204030204" pitchFamily="49" charset="0"/>
+              </a:rPr>
+              <a:t>0</a:t>
+            </a:r>
+            <a:r>
+              <a:rPr lang="en-US" altLang="zh-TW" sz="2000" b="1" dirty="0">
+                <a:solidFill>
+                  <a:srgbClr val="9F9D6D"/>
+                </a:solidFill>
+                <a:latin typeface="Consolas" panose="020B0609020204030204" pitchFamily="49" charset="0"/>
+              </a:rPr>
+              <a:t>,</a:t>
+            </a:r>
+            <a:r>
+              <a:rPr lang="en-US" altLang="zh-TW" sz="2000" b="0" dirty="0">
+                <a:solidFill>
+                  <a:srgbClr val="DCDCCC"/>
+                </a:solidFill>
+                <a:latin typeface="Consolas" panose="020B0609020204030204" pitchFamily="49" charset="0"/>
+              </a:rPr>
+              <a:t> </a:t>
+            </a:r>
+            <a:r>
+              <a:rPr lang="en-US" altLang="zh-TW" sz="2000" b="0" dirty="0" err="1">
+                <a:solidFill>
+                  <a:srgbClr val="DCDCCC"/>
+                </a:solidFill>
+                <a:latin typeface="Consolas" panose="020B0609020204030204" pitchFamily="49" charset="0"/>
+              </a:rPr>
+              <a:t>val</a:t>
+            </a:r>
+            <a:r>
+              <a:rPr lang="en-US" altLang="zh-TW" sz="2000" b="0" dirty="0">
+                <a:solidFill>
+                  <a:srgbClr val="DCDCCC"/>
+                </a:solidFill>
+                <a:latin typeface="Consolas" panose="020B0609020204030204" pitchFamily="49" charset="0"/>
+              </a:rPr>
+              <a:t> </a:t>
+            </a:r>
+            <a:r>
+              <a:rPr lang="en-US" altLang="zh-TW" sz="2000" b="1" dirty="0">
+                <a:solidFill>
+                  <a:srgbClr val="9F9D6D"/>
+                </a:solidFill>
+                <a:latin typeface="Consolas" panose="020B0609020204030204" pitchFamily="49" charset="0"/>
+              </a:rPr>
+              <a:t>=</a:t>
+            </a:r>
+            <a:r>
+              <a:rPr lang="en-US" altLang="zh-TW" sz="2000" b="0" dirty="0">
+                <a:solidFill>
+                  <a:srgbClr val="DCDCCC"/>
+                </a:solidFill>
+                <a:latin typeface="Consolas" panose="020B0609020204030204" pitchFamily="49" charset="0"/>
+              </a:rPr>
+              <a:t> </a:t>
+            </a:r>
+            <a:r>
+              <a:rPr lang="en-US" altLang="zh-TW" sz="2000" b="1" dirty="0">
+                <a:solidFill>
+                  <a:srgbClr val="9F9D6D"/>
+                </a:solidFill>
+                <a:latin typeface="Consolas" panose="020B0609020204030204" pitchFamily="49" charset="0"/>
+              </a:rPr>
+              <a:t>-</a:t>
+            </a:r>
+            <a:r>
+              <a:rPr lang="en-US" altLang="zh-TW" sz="2000" b="0" dirty="0">
+                <a:solidFill>
+                  <a:srgbClr val="8CD0D3"/>
+                </a:solidFill>
+                <a:latin typeface="Consolas" panose="020B0609020204030204" pitchFamily="49" charset="0"/>
+              </a:rPr>
+              <a:t>1</a:t>
+            </a:r>
+            <a:r>
+              <a:rPr lang="en-US" altLang="zh-TW" sz="2000" b="1" dirty="0">
+                <a:solidFill>
+                  <a:srgbClr val="9F9D6D"/>
+                </a:solidFill>
+                <a:latin typeface="Consolas" panose="020B0609020204030204" pitchFamily="49" charset="0"/>
+              </a:rPr>
+              <a:t>,</a:t>
+            </a:r>
+            <a:r>
+              <a:rPr lang="en-US" altLang="zh-TW" sz="2000" b="0" dirty="0">
+                <a:solidFill>
+                  <a:srgbClr val="DCDCCC"/>
+                </a:solidFill>
+                <a:latin typeface="Consolas" panose="020B0609020204030204" pitchFamily="49" charset="0"/>
+              </a:rPr>
+              <a:t> </a:t>
+            </a:r>
+            <a:r>
+              <a:rPr lang="en-US" altLang="zh-TW" sz="2000" b="0" dirty="0" err="1">
+                <a:solidFill>
+                  <a:srgbClr val="DCDCCC"/>
+                </a:solidFill>
+                <a:latin typeface="Consolas" panose="020B0609020204030204" pitchFamily="49" charset="0"/>
+              </a:rPr>
+              <a:t>vaild_input</a:t>
+            </a:r>
+            <a:r>
+              <a:rPr lang="en-US" altLang="zh-TW" sz="2000" b="0" dirty="0">
+                <a:solidFill>
+                  <a:srgbClr val="DCDCCC"/>
+                </a:solidFill>
+                <a:latin typeface="Consolas" panose="020B0609020204030204" pitchFamily="49" charset="0"/>
+              </a:rPr>
+              <a:t> </a:t>
+            </a:r>
+            <a:r>
+              <a:rPr lang="en-US" altLang="zh-TW" sz="2000" b="1" dirty="0">
+                <a:solidFill>
+                  <a:srgbClr val="9F9D6D"/>
+                </a:solidFill>
+                <a:latin typeface="Consolas" panose="020B0609020204030204" pitchFamily="49" charset="0"/>
+              </a:rPr>
+              <a:t>=</a:t>
+            </a:r>
+            <a:r>
+              <a:rPr lang="en-US" altLang="zh-TW" sz="2000" b="0" dirty="0">
+                <a:solidFill>
+                  <a:srgbClr val="DCDCCC"/>
+                </a:solidFill>
+                <a:latin typeface="Consolas" panose="020B0609020204030204" pitchFamily="49" charset="0"/>
+              </a:rPr>
+              <a:t> </a:t>
+            </a:r>
+            <a:r>
+              <a:rPr lang="en-US" altLang="zh-TW" sz="2000" b="1" dirty="0">
+                <a:solidFill>
+                  <a:srgbClr val="9F9D6D"/>
+                </a:solidFill>
+                <a:latin typeface="Consolas" panose="020B0609020204030204" pitchFamily="49" charset="0"/>
+              </a:rPr>
+              <a:t>-</a:t>
+            </a:r>
+            <a:r>
+              <a:rPr lang="en-US" altLang="zh-TW" sz="2000" b="0" dirty="0">
+                <a:solidFill>
+                  <a:srgbClr val="8CD0D3"/>
+                </a:solidFill>
+                <a:latin typeface="Consolas" panose="020B0609020204030204" pitchFamily="49" charset="0"/>
+              </a:rPr>
+              <a:t>1</a:t>
+            </a:r>
+            <a:r>
+              <a:rPr lang="en-US" altLang="zh-TW" sz="2000" b="1" dirty="0">
+                <a:solidFill>
+                  <a:srgbClr val="9F9D6D"/>
+                </a:solidFill>
+                <a:latin typeface="Consolas" panose="020B0609020204030204" pitchFamily="49" charset="0"/>
+              </a:rPr>
+              <a:t>;</a:t>
+            </a:r>
+            <a:endParaRPr lang="en-US" altLang="zh-TW" sz="2000" b="0" dirty="0">
+              <a:solidFill>
+                <a:srgbClr val="DCDCCC"/>
+              </a:solidFill>
+              <a:latin typeface="Consolas" panose="020B0609020204030204" pitchFamily="49" charset="0"/>
+            </a:endParaRPr>
+          </a:p>
+          <a:p>
+            <a:r>
+              <a:rPr lang="en-US" altLang="zh-TW" sz="2000" b="0" dirty="0">
+                <a:solidFill>
+                  <a:srgbClr val="DCDCCC"/>
+                </a:solidFill>
+                <a:latin typeface="Consolas" panose="020B0609020204030204" pitchFamily="49" charset="0"/>
+              </a:rPr>
+              <a:t>	</a:t>
+            </a:r>
+            <a:r>
+              <a:rPr lang="en-US" altLang="zh-TW" sz="2000" b="1" dirty="0">
+                <a:solidFill>
+                  <a:srgbClr val="DFC47D"/>
+                </a:solidFill>
+                <a:latin typeface="Consolas" panose="020B0609020204030204" pitchFamily="49" charset="0"/>
+              </a:rPr>
+              <a:t>while</a:t>
+            </a:r>
+            <a:r>
+              <a:rPr lang="en-US" altLang="zh-TW" sz="2000" b="1" dirty="0">
+                <a:solidFill>
+                  <a:srgbClr val="9F9D6D"/>
+                </a:solidFill>
+                <a:latin typeface="Consolas" panose="020B0609020204030204" pitchFamily="49" charset="0"/>
+              </a:rPr>
+              <a:t>(~(</a:t>
+            </a:r>
+            <a:r>
+              <a:rPr lang="en-US" altLang="zh-TW" sz="2000" b="0" dirty="0" err="1">
+                <a:solidFill>
+                  <a:srgbClr val="DCDCCC"/>
+                </a:solidFill>
+                <a:latin typeface="Consolas" panose="020B0609020204030204" pitchFamily="49" charset="0"/>
+              </a:rPr>
+              <a:t>vaild_input</a:t>
+            </a:r>
+            <a:r>
+              <a:rPr lang="en-US" altLang="zh-TW" sz="2000" b="0" dirty="0">
+                <a:solidFill>
+                  <a:srgbClr val="DCDCCC"/>
+                </a:solidFill>
+                <a:latin typeface="Consolas" panose="020B0609020204030204" pitchFamily="49" charset="0"/>
+              </a:rPr>
+              <a:t> </a:t>
+            </a:r>
+            <a:r>
+              <a:rPr lang="en-US" altLang="zh-TW" sz="2000" b="1" dirty="0">
+                <a:solidFill>
+                  <a:srgbClr val="9F9D6D"/>
+                </a:solidFill>
+                <a:latin typeface="Consolas" panose="020B0609020204030204" pitchFamily="49" charset="0"/>
+              </a:rPr>
+              <a:t>=</a:t>
+            </a:r>
+            <a:r>
+              <a:rPr lang="en-US" altLang="zh-TW" sz="2000" b="0" dirty="0">
+                <a:solidFill>
+                  <a:srgbClr val="DCDCCC"/>
+                </a:solidFill>
+                <a:latin typeface="Consolas" panose="020B0609020204030204" pitchFamily="49" charset="0"/>
+              </a:rPr>
+              <a:t> </a:t>
+            </a:r>
+            <a:r>
+              <a:rPr lang="en-US" altLang="zh-TW" sz="2000" b="0" dirty="0" err="1">
+                <a:solidFill>
+                  <a:srgbClr val="DCDCCC"/>
+                </a:solidFill>
+                <a:latin typeface="Consolas" panose="020B0609020204030204" pitchFamily="49" charset="0"/>
+              </a:rPr>
+              <a:t>sscanf</a:t>
+            </a:r>
+            <a:r>
+              <a:rPr lang="en-US" altLang="zh-TW" sz="2000" b="1" dirty="0">
+                <a:solidFill>
+                  <a:srgbClr val="9F9D6D"/>
+                </a:solidFill>
+                <a:latin typeface="Consolas" panose="020B0609020204030204" pitchFamily="49" charset="0"/>
+              </a:rPr>
+              <a:t>(</a:t>
+            </a:r>
+            <a:r>
+              <a:rPr lang="en-US" altLang="zh-TW" sz="2000" b="0" dirty="0">
+                <a:solidFill>
+                  <a:srgbClr val="DCDCCC"/>
+                </a:solidFill>
+                <a:latin typeface="Consolas" panose="020B0609020204030204" pitchFamily="49" charset="0"/>
+              </a:rPr>
+              <a:t>s </a:t>
+            </a:r>
+            <a:r>
+              <a:rPr lang="en-US" altLang="zh-TW" sz="2000" b="1" dirty="0">
+                <a:solidFill>
+                  <a:srgbClr val="9F9D6D"/>
+                </a:solidFill>
+                <a:latin typeface="Consolas" panose="020B0609020204030204" pitchFamily="49" charset="0"/>
+              </a:rPr>
+              <a:t>+</a:t>
+            </a:r>
+            <a:r>
+              <a:rPr lang="en-US" altLang="zh-TW" sz="2000" b="0" dirty="0">
+                <a:solidFill>
+                  <a:srgbClr val="DCDCCC"/>
+                </a:solidFill>
+                <a:latin typeface="Consolas" panose="020B0609020204030204" pitchFamily="49" charset="0"/>
+              </a:rPr>
+              <a:t> offset</a:t>
+            </a:r>
+            <a:r>
+              <a:rPr lang="en-US" altLang="zh-TW" sz="2000" b="1" dirty="0">
+                <a:solidFill>
+                  <a:srgbClr val="9F9D6D"/>
+                </a:solidFill>
+                <a:latin typeface="Consolas" panose="020B0609020204030204" pitchFamily="49" charset="0"/>
+              </a:rPr>
+              <a:t>,</a:t>
+            </a:r>
+            <a:r>
+              <a:rPr lang="en-US" altLang="zh-TW" sz="2000" b="0" dirty="0">
+                <a:solidFill>
+                  <a:srgbClr val="DCDCCC"/>
+                </a:solidFill>
+                <a:latin typeface="Consolas" panose="020B0609020204030204" pitchFamily="49" charset="0"/>
+              </a:rPr>
+              <a:t> </a:t>
+            </a:r>
+            <a:r>
+              <a:rPr lang="en-US" altLang="zh-TW" sz="2000" b="0" dirty="0">
+                <a:solidFill>
+                  <a:srgbClr val="CC9393"/>
+                </a:solidFill>
+                <a:latin typeface="Consolas" panose="020B0609020204030204" pitchFamily="49" charset="0"/>
+              </a:rPr>
+              <a:t>"%</a:t>
+            </a:r>
+            <a:r>
+              <a:rPr lang="en-US" altLang="zh-TW" sz="2000" b="0" dirty="0" err="1">
+                <a:solidFill>
+                  <a:srgbClr val="CC9393"/>
+                </a:solidFill>
+                <a:latin typeface="Consolas" panose="020B0609020204030204" pitchFamily="49" charset="0"/>
+              </a:rPr>
+              <a:t>d%n</a:t>
+            </a:r>
+            <a:r>
+              <a:rPr lang="en-US" altLang="zh-TW" sz="2000" b="0" dirty="0">
+                <a:solidFill>
+                  <a:srgbClr val="CC9393"/>
+                </a:solidFill>
+                <a:latin typeface="Consolas" panose="020B0609020204030204" pitchFamily="49" charset="0"/>
+              </a:rPr>
+              <a:t>"</a:t>
+            </a:r>
+            <a:r>
+              <a:rPr lang="en-US" altLang="zh-TW" sz="2000" b="1" dirty="0">
+                <a:solidFill>
+                  <a:srgbClr val="9F9D6D"/>
+                </a:solidFill>
+                <a:latin typeface="Consolas" panose="020B0609020204030204" pitchFamily="49" charset="0"/>
+              </a:rPr>
+              <a:t>,</a:t>
+            </a:r>
+            <a:r>
+              <a:rPr lang="en-US" altLang="zh-TW" sz="2000" b="0" dirty="0">
+                <a:solidFill>
+                  <a:srgbClr val="DCDCCC"/>
+                </a:solidFill>
+                <a:latin typeface="Consolas" panose="020B0609020204030204" pitchFamily="49" charset="0"/>
+              </a:rPr>
+              <a:t> </a:t>
+            </a:r>
+            <a:r>
+              <a:rPr lang="en-US" altLang="zh-TW" sz="2000" b="1" dirty="0">
+                <a:solidFill>
+                  <a:srgbClr val="9F9D6D"/>
+                </a:solidFill>
+                <a:latin typeface="Consolas" panose="020B0609020204030204" pitchFamily="49" charset="0"/>
+              </a:rPr>
+              <a:t>&amp;</a:t>
+            </a:r>
+            <a:r>
+              <a:rPr lang="en-US" altLang="zh-TW" sz="2000" b="0" dirty="0" err="1">
+                <a:solidFill>
+                  <a:srgbClr val="DCDCCC"/>
+                </a:solidFill>
+                <a:latin typeface="Consolas" panose="020B0609020204030204" pitchFamily="49" charset="0"/>
+              </a:rPr>
+              <a:t>val</a:t>
+            </a:r>
+            <a:r>
+              <a:rPr lang="en-US" altLang="zh-TW" sz="2000" b="1" dirty="0">
+                <a:solidFill>
+                  <a:srgbClr val="9F9D6D"/>
+                </a:solidFill>
+                <a:latin typeface="Consolas" panose="020B0609020204030204" pitchFamily="49" charset="0"/>
+              </a:rPr>
+              <a:t>,</a:t>
+            </a:r>
+            <a:r>
+              <a:rPr lang="en-US" altLang="zh-TW" sz="2000" b="0" dirty="0">
+                <a:solidFill>
+                  <a:srgbClr val="DCDCCC"/>
+                </a:solidFill>
+                <a:latin typeface="Consolas" panose="020B0609020204030204" pitchFamily="49" charset="0"/>
+              </a:rPr>
+              <a:t> </a:t>
+            </a:r>
+            <a:r>
+              <a:rPr lang="en-US" altLang="zh-TW" sz="2000" b="1" dirty="0">
+                <a:solidFill>
+                  <a:srgbClr val="9F9D6D"/>
+                </a:solidFill>
+                <a:latin typeface="Consolas" panose="020B0609020204030204" pitchFamily="49" charset="0"/>
+              </a:rPr>
+              <a:t>&amp;</a:t>
+            </a:r>
+            <a:r>
+              <a:rPr lang="en-US" altLang="zh-TW" sz="2000" b="0" dirty="0">
+                <a:solidFill>
+                  <a:srgbClr val="DCDCCC"/>
+                </a:solidFill>
+                <a:latin typeface="Consolas" panose="020B0609020204030204" pitchFamily="49" charset="0"/>
+              </a:rPr>
+              <a:t>n</a:t>
+            </a:r>
+            <a:r>
+              <a:rPr lang="en-US" altLang="zh-TW" sz="2000" b="1" dirty="0">
+                <a:solidFill>
+                  <a:srgbClr val="9F9D6D"/>
+                </a:solidFill>
+                <a:latin typeface="Consolas" panose="020B0609020204030204" pitchFamily="49" charset="0"/>
+              </a:rPr>
+              <a:t>)))</a:t>
+            </a:r>
+            <a:endParaRPr lang="en-US" altLang="zh-TW" sz="2000" b="0" dirty="0">
+              <a:solidFill>
+                <a:srgbClr val="DCDCCC"/>
+              </a:solidFill>
+              <a:latin typeface="Consolas" panose="020B0609020204030204" pitchFamily="49" charset="0"/>
+            </a:endParaRPr>
+          </a:p>
+          <a:p>
+            <a:r>
+              <a:rPr lang="zh-TW" altLang="en-US" sz="2000" b="0" dirty="0">
+                <a:solidFill>
+                  <a:srgbClr val="DCDCCC"/>
+                </a:solidFill>
+                <a:latin typeface="Consolas" panose="020B0609020204030204" pitchFamily="49" charset="0"/>
+              </a:rPr>
+              <a:t>	</a:t>
+            </a:r>
+            <a:r>
+              <a:rPr lang="en-US" altLang="zh-TW" sz="2000" b="1" dirty="0">
+                <a:solidFill>
+                  <a:srgbClr val="9F9D6D"/>
+                </a:solidFill>
+                <a:latin typeface="Consolas" panose="020B0609020204030204" pitchFamily="49" charset="0"/>
+              </a:rPr>
+              <a:t>{</a:t>
+            </a:r>
+            <a:endParaRPr lang="zh-TW" altLang="en-US" sz="2000" b="0" dirty="0">
+              <a:solidFill>
+                <a:srgbClr val="DCDCCC"/>
+              </a:solidFill>
+              <a:latin typeface="Consolas" panose="020B0609020204030204" pitchFamily="49" charset="0"/>
+            </a:endParaRPr>
+          </a:p>
+          <a:p>
+            <a:r>
+              <a:rPr lang="en-US" altLang="zh-TW" sz="2000" b="0" dirty="0">
+                <a:solidFill>
+                  <a:srgbClr val="DCDCCC"/>
+                </a:solidFill>
+                <a:latin typeface="Consolas" panose="020B0609020204030204" pitchFamily="49" charset="0"/>
+              </a:rPr>
+              <a:t>		offset </a:t>
+            </a:r>
+            <a:r>
+              <a:rPr lang="en-US" altLang="zh-TW" sz="2000" b="1" dirty="0">
+                <a:solidFill>
+                  <a:srgbClr val="9F9D6D"/>
+                </a:solidFill>
+                <a:latin typeface="Consolas" panose="020B0609020204030204" pitchFamily="49" charset="0"/>
+              </a:rPr>
+              <a:t>+=</a:t>
+            </a:r>
+            <a:r>
+              <a:rPr lang="en-US" altLang="zh-TW" sz="2000" b="0" dirty="0">
+                <a:solidFill>
+                  <a:srgbClr val="DCDCCC"/>
+                </a:solidFill>
+                <a:latin typeface="Consolas" panose="020B0609020204030204" pitchFamily="49" charset="0"/>
+              </a:rPr>
+              <a:t> n</a:t>
+            </a:r>
+            <a:r>
+              <a:rPr lang="en-US" altLang="zh-TW" sz="2000" b="1" dirty="0">
+                <a:solidFill>
+                  <a:srgbClr val="9F9D6D"/>
+                </a:solidFill>
+                <a:latin typeface="Consolas" panose="020B0609020204030204" pitchFamily="49" charset="0"/>
+              </a:rPr>
+              <a:t>;</a:t>
+            </a:r>
+            <a:endParaRPr lang="en-US" altLang="zh-TW" sz="2000" b="0" dirty="0">
+              <a:solidFill>
+                <a:srgbClr val="DCDCCC"/>
+              </a:solidFill>
+              <a:latin typeface="Consolas" panose="020B0609020204030204" pitchFamily="49" charset="0"/>
+            </a:endParaRPr>
+          </a:p>
+          <a:p>
+            <a:r>
+              <a:rPr lang="en-US" altLang="zh-TW" sz="2000" b="0" dirty="0">
+                <a:solidFill>
+                  <a:srgbClr val="DCDCCC"/>
+                </a:solidFill>
+                <a:latin typeface="Consolas" panose="020B0609020204030204" pitchFamily="49" charset="0"/>
+              </a:rPr>
+              <a:t>		</a:t>
+            </a:r>
+            <a:r>
+              <a:rPr lang="en-US" altLang="zh-TW" sz="2000" b="1" dirty="0">
+                <a:solidFill>
+                  <a:srgbClr val="DFC47D"/>
+                </a:solidFill>
+                <a:latin typeface="Consolas" panose="020B0609020204030204" pitchFamily="49" charset="0"/>
+              </a:rPr>
+              <a:t>if</a:t>
+            </a:r>
+            <a:r>
+              <a:rPr lang="en-US" altLang="zh-TW" sz="2000" b="0" dirty="0">
+                <a:solidFill>
+                  <a:srgbClr val="DCDCCC"/>
+                </a:solidFill>
+                <a:latin typeface="Consolas" panose="020B0609020204030204" pitchFamily="49" charset="0"/>
+              </a:rPr>
+              <a:t> </a:t>
+            </a:r>
+            <a:r>
+              <a:rPr lang="en-US" altLang="zh-TW" sz="2000" b="1" dirty="0">
+                <a:solidFill>
+                  <a:srgbClr val="9F9D6D"/>
+                </a:solidFill>
+                <a:latin typeface="Consolas" panose="020B0609020204030204" pitchFamily="49" charset="0"/>
+              </a:rPr>
+              <a:t>(</a:t>
+            </a:r>
+            <a:r>
+              <a:rPr lang="en-US" altLang="zh-TW" sz="2000" b="0" dirty="0" err="1">
+                <a:solidFill>
+                  <a:srgbClr val="DCDCCC"/>
+                </a:solidFill>
+                <a:latin typeface="Consolas" panose="020B0609020204030204" pitchFamily="49" charset="0"/>
+              </a:rPr>
+              <a:t>vaild_input</a:t>
+            </a:r>
+            <a:r>
+              <a:rPr lang="en-US" altLang="zh-TW" sz="2000" b="0" dirty="0">
+                <a:solidFill>
+                  <a:srgbClr val="DCDCCC"/>
+                </a:solidFill>
+                <a:latin typeface="Consolas" panose="020B0609020204030204" pitchFamily="49" charset="0"/>
+              </a:rPr>
+              <a:t> </a:t>
+            </a:r>
+            <a:r>
+              <a:rPr lang="en-US" altLang="zh-TW" sz="2000" b="1" dirty="0">
+                <a:solidFill>
+                  <a:srgbClr val="9F9D6D"/>
+                </a:solidFill>
+                <a:latin typeface="Consolas" panose="020B0609020204030204" pitchFamily="49" charset="0"/>
+              </a:rPr>
+              <a:t>==</a:t>
+            </a:r>
+            <a:r>
+              <a:rPr lang="en-US" altLang="zh-TW" sz="2000" b="0" dirty="0">
+                <a:solidFill>
+                  <a:srgbClr val="DCDCCC"/>
+                </a:solidFill>
+                <a:latin typeface="Consolas" panose="020B0609020204030204" pitchFamily="49" charset="0"/>
+              </a:rPr>
+              <a:t> </a:t>
+            </a:r>
+            <a:r>
+              <a:rPr lang="en-US" altLang="zh-TW" sz="2000" b="0" dirty="0">
+                <a:solidFill>
+                  <a:srgbClr val="8CD0D3"/>
+                </a:solidFill>
+                <a:latin typeface="Consolas" panose="020B0609020204030204" pitchFamily="49" charset="0"/>
+              </a:rPr>
+              <a:t>1</a:t>
+            </a:r>
+            <a:r>
+              <a:rPr lang="en-US" altLang="zh-TW" sz="2000" b="1" dirty="0">
+                <a:solidFill>
+                  <a:srgbClr val="9F9D6D"/>
+                </a:solidFill>
+                <a:latin typeface="Consolas" panose="020B0609020204030204" pitchFamily="49" charset="0"/>
+              </a:rPr>
+              <a:t>)</a:t>
+            </a:r>
+            <a:endParaRPr lang="en-US" altLang="zh-TW" sz="2000" b="0" dirty="0">
+              <a:solidFill>
+                <a:srgbClr val="DCDCCC"/>
+              </a:solidFill>
+              <a:latin typeface="Consolas" panose="020B0609020204030204" pitchFamily="49" charset="0"/>
+            </a:endParaRPr>
+          </a:p>
+          <a:p>
+            <a:r>
+              <a:rPr lang="en-US" altLang="zh-TW" sz="2000" b="0" dirty="0">
+                <a:solidFill>
+                  <a:srgbClr val="DCDCCC"/>
+                </a:solidFill>
+                <a:latin typeface="Consolas" panose="020B0609020204030204" pitchFamily="49" charset="0"/>
+              </a:rPr>
+              <a:t>			</a:t>
+            </a:r>
+            <a:r>
+              <a:rPr lang="en-US" altLang="zh-TW" sz="2000" b="0" dirty="0" err="1">
+                <a:solidFill>
+                  <a:srgbClr val="DCDCCC"/>
+                </a:solidFill>
+                <a:latin typeface="Consolas" panose="020B0609020204030204" pitchFamily="49" charset="0"/>
+              </a:rPr>
+              <a:t>printf</a:t>
+            </a:r>
+            <a:r>
+              <a:rPr lang="en-US" altLang="zh-TW" sz="2000" b="1" dirty="0">
+                <a:solidFill>
+                  <a:srgbClr val="9F9D6D"/>
+                </a:solidFill>
+                <a:latin typeface="Consolas" panose="020B0609020204030204" pitchFamily="49" charset="0"/>
+              </a:rPr>
+              <a:t>(</a:t>
+            </a:r>
+            <a:r>
+              <a:rPr lang="en-US" altLang="zh-TW" sz="2000" b="0" dirty="0">
+                <a:solidFill>
+                  <a:srgbClr val="CC9393"/>
+                </a:solidFill>
+                <a:latin typeface="Consolas" panose="020B0609020204030204" pitchFamily="49" charset="0"/>
+              </a:rPr>
+              <a:t>"%d\n"</a:t>
+            </a:r>
+            <a:r>
+              <a:rPr lang="en-US" altLang="zh-TW" sz="2000" b="1" dirty="0">
+                <a:solidFill>
+                  <a:srgbClr val="9F9D6D"/>
+                </a:solidFill>
+                <a:latin typeface="Consolas" panose="020B0609020204030204" pitchFamily="49" charset="0"/>
+              </a:rPr>
+              <a:t>,</a:t>
+            </a:r>
+            <a:r>
+              <a:rPr lang="en-US" altLang="zh-TW" sz="2000" b="0" dirty="0">
+                <a:solidFill>
+                  <a:srgbClr val="DCDCCC"/>
+                </a:solidFill>
+                <a:latin typeface="Consolas" panose="020B0609020204030204" pitchFamily="49" charset="0"/>
+              </a:rPr>
+              <a:t> </a:t>
+            </a:r>
+            <a:r>
+              <a:rPr lang="en-US" altLang="zh-TW" sz="2000" b="0" dirty="0" err="1">
+                <a:solidFill>
+                  <a:srgbClr val="DCDCCC"/>
+                </a:solidFill>
+                <a:latin typeface="Consolas" panose="020B0609020204030204" pitchFamily="49" charset="0"/>
+              </a:rPr>
+              <a:t>val</a:t>
+            </a:r>
+            <a:r>
+              <a:rPr lang="en-US" altLang="zh-TW" sz="2000" b="1" dirty="0">
+                <a:solidFill>
+                  <a:srgbClr val="9F9D6D"/>
+                </a:solidFill>
+                <a:latin typeface="Consolas" panose="020B0609020204030204" pitchFamily="49" charset="0"/>
+              </a:rPr>
+              <a:t>);</a:t>
+            </a:r>
+            <a:endParaRPr lang="en-US" altLang="zh-TW" sz="2000" b="0" dirty="0">
+              <a:solidFill>
+                <a:srgbClr val="DCDCCC"/>
+              </a:solidFill>
+              <a:latin typeface="Consolas" panose="020B0609020204030204" pitchFamily="49" charset="0"/>
+            </a:endParaRPr>
+          </a:p>
+          <a:p>
+            <a:r>
+              <a:rPr lang="zh-TW" altLang="en-US" sz="2000" b="0" dirty="0">
+                <a:solidFill>
+                  <a:srgbClr val="DCDCCC"/>
+                </a:solidFill>
+                <a:latin typeface="Consolas" panose="020B0609020204030204" pitchFamily="49" charset="0"/>
+              </a:rPr>
+              <a:t>		</a:t>
+            </a:r>
+          </a:p>
+          <a:p>
+            <a:r>
+              <a:rPr lang="en-US" altLang="zh-TW" sz="2000" b="0" dirty="0">
+                <a:solidFill>
+                  <a:srgbClr val="DCDCCC"/>
+                </a:solidFill>
+                <a:latin typeface="Consolas" panose="020B0609020204030204" pitchFamily="49" charset="0"/>
+              </a:rPr>
+              <a:t>		</a:t>
+            </a:r>
+            <a:r>
+              <a:rPr lang="en-US" altLang="zh-TW" sz="2000" b="1" dirty="0">
+                <a:solidFill>
+                  <a:srgbClr val="CEDF99"/>
+                </a:solidFill>
+                <a:latin typeface="Consolas" panose="020B0609020204030204" pitchFamily="49" charset="0"/>
+              </a:rPr>
+              <a:t>char</a:t>
+            </a:r>
+            <a:r>
+              <a:rPr lang="en-US" altLang="zh-TW" sz="2000" b="0" dirty="0">
+                <a:solidFill>
+                  <a:srgbClr val="DCDCCC"/>
+                </a:solidFill>
+                <a:latin typeface="Consolas" panose="020B0609020204030204" pitchFamily="49" charset="0"/>
+              </a:rPr>
+              <a:t> </a:t>
+            </a:r>
+            <a:r>
+              <a:rPr lang="en-US" altLang="zh-TW" sz="2000" b="0" dirty="0" err="1">
+                <a:solidFill>
+                  <a:srgbClr val="DCDCCC"/>
+                </a:solidFill>
+                <a:latin typeface="Consolas" panose="020B0609020204030204" pitchFamily="49" charset="0"/>
+              </a:rPr>
+              <a:t>tmp</a:t>
+            </a:r>
+            <a:r>
+              <a:rPr lang="en-US" altLang="zh-TW" sz="2000" b="1" dirty="0">
+                <a:solidFill>
+                  <a:srgbClr val="9F9D6D"/>
+                </a:solidFill>
+                <a:latin typeface="Consolas" panose="020B0609020204030204" pitchFamily="49" charset="0"/>
+              </a:rPr>
+              <a:t>[</a:t>
+            </a:r>
+            <a:r>
+              <a:rPr lang="en-US" altLang="zh-TW" sz="2000" b="0" dirty="0">
+                <a:solidFill>
+                  <a:srgbClr val="8CD0D3"/>
+                </a:solidFill>
+                <a:latin typeface="Consolas" panose="020B0609020204030204" pitchFamily="49" charset="0"/>
+              </a:rPr>
+              <a:t>1000</a:t>
+            </a:r>
+            <a:r>
+              <a:rPr lang="en-US" altLang="zh-TW" sz="2000" b="1" dirty="0">
+                <a:solidFill>
+                  <a:srgbClr val="9F9D6D"/>
+                </a:solidFill>
+                <a:latin typeface="Consolas" panose="020B0609020204030204" pitchFamily="49" charset="0"/>
+              </a:rPr>
+              <a:t>];</a:t>
+            </a:r>
+            <a:endParaRPr lang="en-US" altLang="zh-TW" sz="2000" b="0" dirty="0">
+              <a:solidFill>
+                <a:srgbClr val="DCDCCC"/>
+              </a:solidFill>
+              <a:latin typeface="Consolas" panose="020B0609020204030204" pitchFamily="49" charset="0"/>
+            </a:endParaRPr>
+          </a:p>
+          <a:p>
+            <a:r>
+              <a:rPr lang="en-US" altLang="zh-TW" sz="2000" b="0" dirty="0">
+                <a:solidFill>
+                  <a:srgbClr val="DCDCCC"/>
+                </a:solidFill>
+                <a:latin typeface="Consolas" panose="020B0609020204030204" pitchFamily="49" charset="0"/>
+              </a:rPr>
+              <a:t>		</a:t>
+            </a:r>
+            <a:r>
+              <a:rPr lang="en-US" altLang="zh-TW" sz="2000" b="0" dirty="0" err="1">
+                <a:solidFill>
+                  <a:srgbClr val="DCDCCC"/>
+                </a:solidFill>
+                <a:latin typeface="Consolas" panose="020B0609020204030204" pitchFamily="49" charset="0"/>
+              </a:rPr>
+              <a:t>sscanf</a:t>
+            </a:r>
+            <a:r>
+              <a:rPr lang="en-US" altLang="zh-TW" sz="2000" b="1" dirty="0">
+                <a:solidFill>
+                  <a:srgbClr val="9F9D6D"/>
+                </a:solidFill>
+                <a:latin typeface="Consolas" panose="020B0609020204030204" pitchFamily="49" charset="0"/>
+              </a:rPr>
+              <a:t>(</a:t>
+            </a:r>
+            <a:r>
+              <a:rPr lang="en-US" altLang="zh-TW" sz="2000" b="0" dirty="0">
+                <a:solidFill>
+                  <a:srgbClr val="DCDCCC"/>
+                </a:solidFill>
+                <a:latin typeface="Consolas" panose="020B0609020204030204" pitchFamily="49" charset="0"/>
+              </a:rPr>
+              <a:t>s </a:t>
+            </a:r>
+            <a:r>
+              <a:rPr lang="en-US" altLang="zh-TW" sz="2000" b="1" dirty="0">
+                <a:solidFill>
+                  <a:srgbClr val="9F9D6D"/>
+                </a:solidFill>
+                <a:latin typeface="Consolas" panose="020B0609020204030204" pitchFamily="49" charset="0"/>
+              </a:rPr>
+              <a:t>+</a:t>
+            </a:r>
+            <a:r>
+              <a:rPr lang="en-US" altLang="zh-TW" sz="2000" b="0" dirty="0">
+                <a:solidFill>
+                  <a:srgbClr val="DCDCCC"/>
+                </a:solidFill>
+                <a:latin typeface="Consolas" panose="020B0609020204030204" pitchFamily="49" charset="0"/>
+              </a:rPr>
+              <a:t> offset</a:t>
+            </a:r>
+            <a:r>
+              <a:rPr lang="en-US" altLang="zh-TW" sz="2000" b="1" dirty="0">
+                <a:solidFill>
+                  <a:srgbClr val="9F9D6D"/>
+                </a:solidFill>
+                <a:latin typeface="Consolas" panose="020B0609020204030204" pitchFamily="49" charset="0"/>
+              </a:rPr>
+              <a:t>,</a:t>
+            </a:r>
+            <a:r>
+              <a:rPr lang="en-US" altLang="zh-TW" sz="2000" b="0" dirty="0">
+                <a:solidFill>
+                  <a:srgbClr val="DCDCCC"/>
+                </a:solidFill>
+                <a:latin typeface="Consolas" panose="020B0609020204030204" pitchFamily="49" charset="0"/>
+              </a:rPr>
+              <a:t> </a:t>
+            </a:r>
+            <a:r>
+              <a:rPr lang="en-US" altLang="zh-TW" sz="2000" b="0" dirty="0">
+                <a:solidFill>
+                  <a:srgbClr val="CC9393"/>
+                </a:solidFill>
+                <a:latin typeface="Consolas" panose="020B0609020204030204" pitchFamily="49" charset="0"/>
+              </a:rPr>
+              <a:t>"%[^0-9]s"</a:t>
+            </a:r>
+            <a:r>
+              <a:rPr lang="en-US" altLang="zh-TW" sz="2000" b="1" dirty="0">
+                <a:solidFill>
+                  <a:srgbClr val="9F9D6D"/>
+                </a:solidFill>
+                <a:latin typeface="Consolas" panose="020B0609020204030204" pitchFamily="49" charset="0"/>
+              </a:rPr>
+              <a:t>,</a:t>
+            </a:r>
+            <a:r>
+              <a:rPr lang="en-US" altLang="zh-TW" sz="2000" b="0" dirty="0">
+                <a:solidFill>
+                  <a:srgbClr val="DCDCCC"/>
+                </a:solidFill>
+                <a:latin typeface="Consolas" panose="020B0609020204030204" pitchFamily="49" charset="0"/>
+              </a:rPr>
+              <a:t> </a:t>
+            </a:r>
+            <a:r>
+              <a:rPr lang="en-US" altLang="zh-TW" sz="2000" b="0" dirty="0" err="1">
+                <a:solidFill>
+                  <a:srgbClr val="DCDCCC"/>
+                </a:solidFill>
+                <a:latin typeface="Consolas" panose="020B0609020204030204" pitchFamily="49" charset="0"/>
+              </a:rPr>
+              <a:t>tmp</a:t>
+            </a:r>
+            <a:r>
+              <a:rPr lang="en-US" altLang="zh-TW" sz="2000" b="1" dirty="0">
+                <a:solidFill>
+                  <a:srgbClr val="9F9D6D"/>
+                </a:solidFill>
+                <a:latin typeface="Consolas" panose="020B0609020204030204" pitchFamily="49" charset="0"/>
+              </a:rPr>
+              <a:t>);</a:t>
+            </a:r>
+            <a:endParaRPr lang="en-US" altLang="zh-TW" sz="2000" b="0" dirty="0">
+              <a:solidFill>
+                <a:srgbClr val="DCDCCC"/>
+              </a:solidFill>
+              <a:latin typeface="Consolas" panose="020B0609020204030204" pitchFamily="49" charset="0"/>
+            </a:endParaRPr>
+          </a:p>
+          <a:p>
+            <a:r>
+              <a:rPr lang="en-US" altLang="zh-TW" sz="2000" b="0" dirty="0">
+                <a:solidFill>
+                  <a:srgbClr val="DCDCCC"/>
+                </a:solidFill>
+                <a:latin typeface="Consolas" panose="020B0609020204030204" pitchFamily="49" charset="0"/>
+              </a:rPr>
+              <a:t>		</a:t>
+            </a:r>
+            <a:r>
+              <a:rPr lang="en-US" altLang="zh-TW" sz="2000" b="1" i="0" dirty="0">
+                <a:solidFill>
+                  <a:srgbClr val="7F9F7F"/>
+                </a:solidFill>
+                <a:latin typeface="Consolas" panose="020B0609020204030204" pitchFamily="49" charset="0"/>
+              </a:rPr>
+              <a:t>// </a:t>
+            </a:r>
+            <a:r>
+              <a:rPr lang="en-US" altLang="zh-TW" sz="2000" b="1" i="0" dirty="0" err="1">
+                <a:solidFill>
+                  <a:srgbClr val="7F9F7F"/>
+                </a:solidFill>
+                <a:latin typeface="Consolas" panose="020B0609020204030204" pitchFamily="49" charset="0"/>
+              </a:rPr>
+              <a:t>sscanf</a:t>
+            </a:r>
+            <a:r>
+              <a:rPr lang="en-US" altLang="zh-TW" sz="2000" b="1" i="0" dirty="0">
+                <a:solidFill>
+                  <a:srgbClr val="7F9F7F"/>
+                </a:solidFill>
+                <a:latin typeface="Consolas" panose="020B0609020204030204" pitchFamily="49" charset="0"/>
+              </a:rPr>
+              <a:t>(s + offset, "%[^0-9]</a:t>
+            </a:r>
+            <a:r>
+              <a:rPr lang="en-US" altLang="zh-TW" sz="2000" b="1" i="0" dirty="0" err="1">
+                <a:solidFill>
+                  <a:srgbClr val="7F9F7F"/>
+                </a:solidFill>
+                <a:latin typeface="Consolas" panose="020B0609020204030204" pitchFamily="49" charset="0"/>
+              </a:rPr>
+              <a:t>s%n</a:t>
+            </a:r>
+            <a:r>
+              <a:rPr lang="en-US" altLang="zh-TW" sz="2000" b="1" i="0" dirty="0">
+                <a:solidFill>
+                  <a:srgbClr val="7F9F7F"/>
+                </a:solidFill>
+                <a:latin typeface="Consolas" panose="020B0609020204030204" pitchFamily="49" charset="0"/>
+              </a:rPr>
+              <a:t>", </a:t>
+            </a:r>
+            <a:r>
+              <a:rPr lang="en-US" altLang="zh-TW" sz="2000" b="1" i="0" dirty="0" err="1">
+                <a:solidFill>
+                  <a:srgbClr val="7F9F7F"/>
+                </a:solidFill>
+                <a:latin typeface="Consolas" panose="020B0609020204030204" pitchFamily="49" charset="0"/>
+              </a:rPr>
+              <a:t>tmp</a:t>
+            </a:r>
+            <a:r>
+              <a:rPr lang="en-US" altLang="zh-TW" sz="2000" b="1" i="0" dirty="0">
+                <a:solidFill>
+                  <a:srgbClr val="7F9F7F"/>
+                </a:solidFill>
+                <a:latin typeface="Consolas" panose="020B0609020204030204" pitchFamily="49" charset="0"/>
+              </a:rPr>
+              <a:t>, &amp;n); // n won't be updated.</a:t>
+            </a:r>
+          </a:p>
+          <a:p>
+            <a:r>
+              <a:rPr lang="en-US" altLang="zh-TW" sz="2000" b="0" i="0" dirty="0">
+                <a:solidFill>
+                  <a:srgbClr val="DCDCCC"/>
+                </a:solidFill>
+                <a:latin typeface="Consolas" panose="020B0609020204030204" pitchFamily="49" charset="0"/>
+              </a:rPr>
+              <a:t>		n </a:t>
+            </a:r>
+            <a:r>
+              <a:rPr lang="en-US" altLang="zh-TW" sz="2000" b="1" i="0" dirty="0">
+                <a:solidFill>
+                  <a:srgbClr val="9F9D6D"/>
+                </a:solidFill>
+                <a:latin typeface="Consolas" panose="020B0609020204030204" pitchFamily="49" charset="0"/>
+              </a:rPr>
+              <a:t>=</a:t>
+            </a:r>
+            <a:r>
+              <a:rPr lang="en-US" altLang="zh-TW" sz="2000" b="0" i="0" dirty="0">
+                <a:solidFill>
+                  <a:srgbClr val="DCDCCC"/>
+                </a:solidFill>
+                <a:latin typeface="Consolas" panose="020B0609020204030204" pitchFamily="49" charset="0"/>
+              </a:rPr>
+              <a:t> </a:t>
+            </a:r>
+            <a:r>
+              <a:rPr lang="en-US" altLang="zh-TW" sz="2000" b="0" i="0" dirty="0" err="1">
+                <a:solidFill>
+                  <a:srgbClr val="DCDCCC"/>
+                </a:solidFill>
+                <a:latin typeface="Consolas" panose="020B0609020204030204" pitchFamily="49" charset="0"/>
+              </a:rPr>
+              <a:t>strlen</a:t>
+            </a:r>
+            <a:r>
+              <a:rPr lang="en-US" altLang="zh-TW" sz="2000" b="1" i="0" dirty="0">
+                <a:solidFill>
+                  <a:srgbClr val="9F9D6D"/>
+                </a:solidFill>
+                <a:latin typeface="Consolas" panose="020B0609020204030204" pitchFamily="49" charset="0"/>
+              </a:rPr>
+              <a:t>(</a:t>
+            </a:r>
+            <a:r>
+              <a:rPr lang="en-US" altLang="zh-TW" sz="2000" b="0" i="0" dirty="0" err="1">
+                <a:solidFill>
+                  <a:srgbClr val="DCDCCC"/>
+                </a:solidFill>
+                <a:latin typeface="Consolas" panose="020B0609020204030204" pitchFamily="49" charset="0"/>
+              </a:rPr>
+              <a:t>tmp</a:t>
+            </a:r>
+            <a:r>
+              <a:rPr lang="en-US" altLang="zh-TW" sz="2000" b="1" i="0" dirty="0">
+                <a:solidFill>
+                  <a:srgbClr val="9F9D6D"/>
+                </a:solidFill>
+                <a:latin typeface="Consolas" panose="020B0609020204030204" pitchFamily="49" charset="0"/>
+              </a:rPr>
+              <a:t>);</a:t>
+            </a:r>
+            <a:endParaRPr lang="en-US" altLang="zh-TW" sz="2000" b="0" i="0" dirty="0">
+              <a:solidFill>
+                <a:srgbClr val="DCDCCC"/>
+              </a:solidFill>
+              <a:latin typeface="Consolas" panose="020B0609020204030204" pitchFamily="49" charset="0"/>
+            </a:endParaRPr>
+          </a:p>
+          <a:p>
+            <a:r>
+              <a:rPr lang="en-US" altLang="zh-TW" sz="2000" b="0" i="0" dirty="0">
+                <a:solidFill>
+                  <a:srgbClr val="DCDCCC"/>
+                </a:solidFill>
+                <a:latin typeface="Consolas" panose="020B0609020204030204" pitchFamily="49" charset="0"/>
+              </a:rPr>
+              <a:t>		offset </a:t>
+            </a:r>
+            <a:r>
+              <a:rPr lang="en-US" altLang="zh-TW" sz="2000" b="1" i="0" dirty="0">
+                <a:solidFill>
+                  <a:srgbClr val="9F9D6D"/>
+                </a:solidFill>
+                <a:latin typeface="Consolas" panose="020B0609020204030204" pitchFamily="49" charset="0"/>
+              </a:rPr>
+              <a:t>+=</a:t>
+            </a:r>
+            <a:r>
+              <a:rPr lang="en-US" altLang="zh-TW" sz="2000" b="0" i="0" dirty="0">
+                <a:solidFill>
+                  <a:srgbClr val="DCDCCC"/>
+                </a:solidFill>
+                <a:latin typeface="Consolas" panose="020B0609020204030204" pitchFamily="49" charset="0"/>
+              </a:rPr>
+              <a:t> n</a:t>
+            </a:r>
+            <a:r>
+              <a:rPr lang="en-US" altLang="zh-TW" sz="2000" b="1" i="0" dirty="0">
+                <a:solidFill>
+                  <a:srgbClr val="9F9D6D"/>
+                </a:solidFill>
+                <a:latin typeface="Consolas" panose="020B0609020204030204" pitchFamily="49" charset="0"/>
+              </a:rPr>
+              <a:t>;</a:t>
+            </a:r>
+            <a:endParaRPr lang="en-US" altLang="zh-TW" sz="2000" b="0" i="0" dirty="0">
+              <a:solidFill>
+                <a:srgbClr val="DCDCCC"/>
+              </a:solidFill>
+              <a:latin typeface="Consolas" panose="020B0609020204030204" pitchFamily="49" charset="0"/>
+            </a:endParaRPr>
+          </a:p>
+          <a:p>
+            <a:r>
+              <a:rPr lang="zh-TW" altLang="en-US" sz="2000" b="0" i="0" dirty="0">
+                <a:solidFill>
+                  <a:srgbClr val="DCDCCC"/>
+                </a:solidFill>
+                <a:latin typeface="Consolas" panose="020B0609020204030204" pitchFamily="49" charset="0"/>
+              </a:rPr>
+              <a:t>	</a:t>
+            </a:r>
+            <a:r>
+              <a:rPr lang="en-US" altLang="zh-TW" sz="2000" b="1" i="0" dirty="0">
+                <a:solidFill>
+                  <a:srgbClr val="9F9D6D"/>
+                </a:solidFill>
+                <a:latin typeface="Consolas" panose="020B0609020204030204" pitchFamily="49" charset="0"/>
+              </a:rPr>
+              <a:t>}</a:t>
+            </a:r>
+            <a:endParaRPr lang="zh-TW" altLang="en-US" sz="2000" b="0" i="0" dirty="0">
+              <a:solidFill>
+                <a:srgbClr val="DCDCCC"/>
+              </a:solidFill>
+              <a:latin typeface="Consolas" panose="020B0609020204030204" pitchFamily="49" charset="0"/>
+            </a:endParaRPr>
+          </a:p>
+          <a:p>
+            <a:r>
+              <a:rPr lang="en-US" altLang="zh-TW" sz="2000" b="1" i="0" dirty="0">
+                <a:solidFill>
+                  <a:srgbClr val="9F9D6D"/>
+                </a:solidFill>
+                <a:latin typeface="Consolas" panose="020B0609020204030204" pitchFamily="49" charset="0"/>
+              </a:rPr>
+              <a:t>}</a:t>
+            </a:r>
+            <a:endParaRPr lang="zh-TW" altLang="en-US" sz="2000" b="0" i="0" dirty="0">
+              <a:solidFill>
+                <a:srgbClr val="DCDCCC"/>
+              </a:solidFill>
+              <a:latin typeface="Consolas" panose="020B0609020204030204" pitchFamily="49" charset="0"/>
+            </a:endParaRPr>
+          </a:p>
+        </p:txBody>
+      </p:sp>
+    </p:spTree>
+    <p:extLst>
+      <p:ext uri="{BB962C8B-B14F-4D97-AF65-F5344CB8AC3E}">
+        <p14:creationId xmlns:p14="http://schemas.microsoft.com/office/powerpoint/2010/main" val="1027213065"/>
+      </p:ext>
+    </p:extLst>
+  </p:cSld>
+  <p:clrMapOvr>
+    <a:masterClrMapping/>
+  </p:clrMapOvr>
+</p:sld>
+</file>
+
+<file path=ppt/slides/slide23.xml><?xml version="1.0" encoding="utf-8"?>
+<p:sld xmlns:a="http://schemas.openxmlformats.org/drawingml/2006/main" xmlns:r="http://schemas.openxmlformats.org/officeDocument/2006/relationships" xmlns:p="http://schemas.openxmlformats.org/presentationml/2006/main">
+  <p:cSld>
+    <p:spTree>
+      <p:nvGrpSpPr>
+        <p:cNvPr id="1" name=""/>
+        <p:cNvGrpSpPr/>
+        <p:nvPr/>
+      </p:nvGrpSpPr>
+      <p:grpSpPr>
+        <a:xfrm>
+          <a:off x="0" y="0"/>
+          <a:ext cx="0" cy="0"/>
+          <a:chOff x="0" y="0"/>
+          <a:chExt cx="0" cy="0"/>
+        </a:xfrm>
+      </p:grpSpPr>
+      <p:sp>
+        <p:nvSpPr>
+          <p:cNvPr id="2" name="標題 1">
+            <a:extLst>
+              <a:ext uri="{FF2B5EF4-FFF2-40B4-BE49-F238E27FC236}">
                 <a16:creationId xmlns:a16="http://schemas.microsoft.com/office/drawing/2014/main" id="{A2691737-57EF-9BC3-7171-4E7657B27447}"/>
               </a:ext>
             </a:extLst>
@@ -10461,7 +11804,7 @@
 </p:sld>
 </file>
 
-<file path=ppt/slides/slide23.xml><?xml version="1.0" encoding="utf-8"?>
+<file path=ppt/slides/slide24.xml><?xml version="1.0" encoding="utf-8"?>
 <p:sld xmlns:a="http://schemas.openxmlformats.org/drawingml/2006/main" xmlns:r="http://schemas.openxmlformats.org/officeDocument/2006/relationships" xmlns:p="http://schemas.openxmlformats.org/presentationml/2006/main">
   <p:cSld>
     <p:spTree>
@@ -10746,7 +12089,7 @@
 </p:sld>
 </file>
 
-<file path=ppt/slides/slide24.xml><?xml version="1.0" encoding="utf-8"?>
+<file path=ppt/slides/slide25.xml><?xml version="1.0" encoding="utf-8"?>
 <p:sld xmlns:a="http://schemas.openxmlformats.org/drawingml/2006/main" xmlns:r="http://schemas.openxmlformats.org/officeDocument/2006/relationships" xmlns:p="http://schemas.openxmlformats.org/presentationml/2006/main">
   <p:cSld>
     <p:spTree>
@@ -11178,7 +12521,7 @@
 </p:sld>
 </file>
 
-<file path=ppt/slides/slide25.xml><?xml version="1.0" encoding="utf-8"?>
+<file path=ppt/slides/slide26.xml><?xml version="1.0" encoding="utf-8"?>
 <p:sld xmlns:a="http://schemas.openxmlformats.org/drawingml/2006/main" xmlns:r="http://schemas.openxmlformats.org/officeDocument/2006/relationships" xmlns:p="http://schemas.openxmlformats.org/presentationml/2006/main">
   <p:cSld>
     <p:spTree>
@@ -11399,7 +12742,7 @@
 </p:sld>
 </file>
 
-<file path=ppt/slides/slide26.xml><?xml version="1.0" encoding="utf-8"?>
+<file path=ppt/slides/slide27.xml><?xml version="1.0" encoding="utf-8"?>
 <p:sld xmlns:a="http://schemas.openxmlformats.org/drawingml/2006/main" xmlns:r="http://schemas.openxmlformats.org/officeDocument/2006/relationships" xmlns:p="http://schemas.openxmlformats.org/presentationml/2006/main">
   <p:cSld>
     <p:spTree>
@@ -11566,7 +12909,7 @@
 </p:sld>
 </file>
 
-<file path=ppt/slides/slide27.xml><?xml version="1.0" encoding="utf-8"?>
+<file path=ppt/slides/slide28.xml><?xml version="1.0" encoding="utf-8"?>
 <p:sld xmlns:a="http://schemas.openxmlformats.org/drawingml/2006/main" xmlns:r="http://schemas.openxmlformats.org/officeDocument/2006/relationships" xmlns:p="http://schemas.openxmlformats.org/presentationml/2006/main">
   <p:cSld>
     <p:spTree>
@@ -11952,7 +13295,7 @@
 </p:sld>
 </file>
 
-<file path=ppt/slides/slide28.xml><?xml version="1.0" encoding="utf-8"?>
+<file path=ppt/slides/slide29.xml><?xml version="1.0" encoding="utf-8"?>
 <p:sld xmlns:a="http://schemas.openxmlformats.org/drawingml/2006/main" xmlns:r="http://schemas.openxmlformats.org/officeDocument/2006/relationships" xmlns:p="http://schemas.openxmlformats.org/presentationml/2006/main">
   <p:cSld>
     <p:spTree>
@@ -12522,781 +13865,6 @@
     <p:extLst>
       <p:ext uri="{BB962C8B-B14F-4D97-AF65-F5344CB8AC3E}">
         <p14:creationId xmlns:p14="http://schemas.microsoft.com/office/powerpoint/2010/main" val="2950773424"/>
-      </p:ext>
-    </p:extLst>
-  </p:cSld>
-  <p:clrMapOvr>
-    <a:masterClrMapping/>
-  </p:clrMapOvr>
-</p:sld>
-</file>
-
-<file path=ppt/slides/slide29.xml><?xml version="1.0" encoding="utf-8"?>
-<p:sld xmlns:a="http://schemas.openxmlformats.org/drawingml/2006/main" xmlns:r="http://schemas.openxmlformats.org/officeDocument/2006/relationships" xmlns:p="http://schemas.openxmlformats.org/presentationml/2006/main">
-  <p:cSld>
-    <p:spTree>
-      <p:nvGrpSpPr>
-        <p:cNvPr id="1" name=""/>
-        <p:cNvGrpSpPr/>
-        <p:nvPr/>
-      </p:nvGrpSpPr>
-      <p:grpSpPr>
-        <a:xfrm>
-          <a:off x="0" y="0"/>
-          <a:ext cx="0" cy="0"/>
-          <a:chOff x="0" y="0"/>
-          <a:chExt cx="0" cy="0"/>
-        </a:xfrm>
-      </p:grpSpPr>
-      <p:sp>
-        <p:nvSpPr>
-          <p:cNvPr id="2" name="標題 1">
-            <a:extLst>
-              <a:ext uri="{FF2B5EF4-FFF2-40B4-BE49-F238E27FC236}">
-                <a16:creationId xmlns:a16="http://schemas.microsoft.com/office/drawing/2014/main" id="{02A43248-425E-F185-790F-1A16524DF262}"/>
-              </a:ext>
-            </a:extLst>
-          </p:cNvPr>
-          <p:cNvSpPr>
-            <a:spLocks noGrp="1"/>
-          </p:cNvSpPr>
-          <p:nvPr>
-            <p:ph type="title"/>
-          </p:nvPr>
-        </p:nvSpPr>
-        <p:spPr/>
-        <p:txBody>
-          <a:bodyPr/>
-          <a:lstStyle/>
-          <a:p>
-            <a:r>
-              <a:rPr lang="en-US" altLang="zh-TW" dirty="0">
-                <a:latin typeface="Consolas" panose="020B0609020204030204" pitchFamily="49" charset="0"/>
-              </a:rPr>
-              <a:t>&lt;</a:t>
-            </a:r>
-            <a:r>
-              <a:rPr lang="en-US" altLang="zh-TW" dirty="0" err="1">
-                <a:latin typeface="Consolas" panose="020B0609020204030204" pitchFamily="49" charset="0"/>
-              </a:rPr>
-              <a:t>string.h</a:t>
-            </a:r>
-            <a:r>
-              <a:rPr lang="en-US" altLang="zh-TW" dirty="0">
-                <a:latin typeface="Consolas" panose="020B0609020204030204" pitchFamily="49" charset="0"/>
-              </a:rPr>
-              <a:t>&gt;</a:t>
-            </a:r>
-            <a:r>
-              <a:rPr lang="zh-TW" altLang="en-US" dirty="0">
-                <a:latin typeface="Consolas" panose="020B0609020204030204" pitchFamily="49" charset="0"/>
-              </a:rPr>
-              <a:t>裡的好用函式</a:t>
-            </a:r>
-          </a:p>
-        </p:txBody>
-      </p:sp>
-      <p:sp>
-        <p:nvSpPr>
-          <p:cNvPr id="3" name="內容版面配置區 2">
-            <a:extLst>
-              <a:ext uri="{FF2B5EF4-FFF2-40B4-BE49-F238E27FC236}">
-                <a16:creationId xmlns:a16="http://schemas.microsoft.com/office/drawing/2014/main" id="{699D26EF-DBF8-9C53-2944-9355DE931F5D}"/>
-              </a:ext>
-            </a:extLst>
-          </p:cNvPr>
-          <p:cNvSpPr>
-            <a:spLocks noGrp="1"/>
-          </p:cNvSpPr>
-          <p:nvPr>
-            <p:ph idx="1"/>
-          </p:nvPr>
-        </p:nvSpPr>
-        <p:spPr>
-          <a:xfrm>
-            <a:off x="838200" y="1825625"/>
-            <a:ext cx="11125200" cy="4351338"/>
-          </a:xfrm>
-        </p:spPr>
-        <p:txBody>
-          <a:bodyPr>
-            <a:normAutofit/>
-          </a:bodyPr>
-          <a:lstStyle/>
-          <a:p>
-            <a:r>
-              <a:rPr lang="en-US" altLang="zh-TW" sz="2400" b="1" dirty="0">
-                <a:solidFill>
-                  <a:srgbClr val="CEDF99"/>
-                </a:solidFill>
-                <a:latin typeface="Consolas" panose="020B0609020204030204" pitchFamily="49" charset="0"/>
-              </a:rPr>
-              <a:t>void</a:t>
-            </a:r>
-            <a:r>
-              <a:rPr lang="en-US" altLang="zh-TW" sz="2400" b="1" dirty="0">
-                <a:solidFill>
-                  <a:srgbClr val="9F9D6D"/>
-                </a:solidFill>
-                <a:latin typeface="Consolas" panose="020B0609020204030204" pitchFamily="49" charset="0"/>
-              </a:rPr>
-              <a:t>*</a:t>
-            </a:r>
-            <a:r>
-              <a:rPr lang="en-US" altLang="zh-TW" sz="2400" b="0" dirty="0">
-                <a:solidFill>
-                  <a:srgbClr val="DCDCCC"/>
-                </a:solidFill>
-                <a:latin typeface="Consolas" panose="020B0609020204030204" pitchFamily="49" charset="0"/>
-              </a:rPr>
-              <a:t> </a:t>
-            </a:r>
-            <a:r>
-              <a:rPr lang="en-US" altLang="zh-TW" sz="2400" b="0" dirty="0" err="1">
-                <a:solidFill>
-                  <a:srgbClr val="DCDCCC"/>
-                </a:solidFill>
-                <a:latin typeface="Consolas" panose="020B0609020204030204" pitchFamily="49" charset="0"/>
-              </a:rPr>
-              <a:t>memset</a:t>
-            </a:r>
-            <a:r>
-              <a:rPr lang="en-US" altLang="zh-TW" sz="2400" b="1" dirty="0">
-                <a:solidFill>
-                  <a:srgbClr val="9F9D6D"/>
-                </a:solidFill>
-                <a:latin typeface="Consolas" panose="020B0609020204030204" pitchFamily="49" charset="0"/>
-              </a:rPr>
-              <a:t>(</a:t>
-            </a:r>
-            <a:r>
-              <a:rPr lang="en-US" altLang="zh-TW" sz="2400" b="1" dirty="0">
-                <a:solidFill>
-                  <a:srgbClr val="CEDF99"/>
-                </a:solidFill>
-                <a:latin typeface="Consolas" panose="020B0609020204030204" pitchFamily="49" charset="0"/>
-              </a:rPr>
-              <a:t>void</a:t>
-            </a:r>
-            <a:r>
-              <a:rPr lang="en-US" altLang="zh-TW" sz="2400" b="1" dirty="0">
-                <a:solidFill>
-                  <a:srgbClr val="9F9D6D"/>
-                </a:solidFill>
-                <a:latin typeface="Consolas" panose="020B0609020204030204" pitchFamily="49" charset="0"/>
-              </a:rPr>
-              <a:t>*</a:t>
-            </a:r>
-            <a:r>
-              <a:rPr lang="en-US" altLang="zh-TW" sz="2400" b="0" dirty="0">
-                <a:solidFill>
-                  <a:srgbClr val="DCDCCC"/>
-                </a:solidFill>
-                <a:latin typeface="Consolas" panose="020B0609020204030204" pitchFamily="49" charset="0"/>
-              </a:rPr>
-              <a:t> </a:t>
-            </a:r>
-            <a:r>
-              <a:rPr lang="en-US" altLang="zh-TW" sz="2400" b="0" dirty="0" err="1">
-                <a:solidFill>
-                  <a:srgbClr val="DCDCCC"/>
-                </a:solidFill>
-                <a:latin typeface="Consolas" panose="020B0609020204030204" pitchFamily="49" charset="0"/>
-              </a:rPr>
-              <a:t>dest</a:t>
-            </a:r>
-            <a:r>
-              <a:rPr lang="en-US" altLang="zh-TW" sz="2400" b="1" dirty="0">
-                <a:solidFill>
-                  <a:srgbClr val="9F9D6D"/>
-                </a:solidFill>
-                <a:latin typeface="Consolas" panose="020B0609020204030204" pitchFamily="49" charset="0"/>
-              </a:rPr>
-              <a:t>,</a:t>
-            </a:r>
-            <a:r>
-              <a:rPr lang="en-US" altLang="zh-TW" sz="2400" b="0" dirty="0">
-                <a:solidFill>
-                  <a:srgbClr val="DCDCCC"/>
-                </a:solidFill>
-                <a:latin typeface="Consolas" panose="020B0609020204030204" pitchFamily="49" charset="0"/>
-              </a:rPr>
-              <a:t> </a:t>
-            </a:r>
-            <a:r>
-              <a:rPr lang="en-US" altLang="zh-TW" sz="2400" b="1" dirty="0">
-                <a:solidFill>
-                  <a:srgbClr val="CEDF99"/>
-                </a:solidFill>
-                <a:latin typeface="Consolas" panose="020B0609020204030204" pitchFamily="49" charset="0"/>
-              </a:rPr>
-              <a:t>int</a:t>
-            </a:r>
-            <a:r>
-              <a:rPr lang="en-US" altLang="zh-TW" sz="2400" b="0" dirty="0">
-                <a:solidFill>
-                  <a:srgbClr val="DCDCCC"/>
-                </a:solidFill>
-                <a:latin typeface="Consolas" panose="020B0609020204030204" pitchFamily="49" charset="0"/>
-              </a:rPr>
-              <a:t> </a:t>
-            </a:r>
-            <a:r>
-              <a:rPr lang="en-US" altLang="zh-TW" sz="2400" b="0" dirty="0" err="1">
-                <a:solidFill>
-                  <a:srgbClr val="DCDCCC"/>
-                </a:solidFill>
-                <a:latin typeface="Consolas" panose="020B0609020204030204" pitchFamily="49" charset="0"/>
-              </a:rPr>
-              <a:t>ch</a:t>
-            </a:r>
-            <a:r>
-              <a:rPr lang="en-US" altLang="zh-TW" sz="2400" b="1" dirty="0">
-                <a:solidFill>
-                  <a:srgbClr val="9F9D6D"/>
-                </a:solidFill>
-                <a:latin typeface="Consolas" panose="020B0609020204030204" pitchFamily="49" charset="0"/>
-              </a:rPr>
-              <a:t>,</a:t>
-            </a:r>
-            <a:r>
-              <a:rPr lang="en-US" altLang="zh-TW" sz="2400" b="0" dirty="0">
-                <a:solidFill>
-                  <a:srgbClr val="DCDCCC"/>
-                </a:solidFill>
-                <a:latin typeface="Consolas" panose="020B0609020204030204" pitchFamily="49" charset="0"/>
-              </a:rPr>
-              <a:t> std</a:t>
-            </a:r>
-            <a:r>
-              <a:rPr lang="en-US" altLang="zh-TW" sz="2400" b="1" dirty="0">
-                <a:solidFill>
-                  <a:srgbClr val="9F9D6D"/>
-                </a:solidFill>
-                <a:latin typeface="Consolas" panose="020B0609020204030204" pitchFamily="49" charset="0"/>
-              </a:rPr>
-              <a:t>::</a:t>
-            </a:r>
-            <a:r>
-              <a:rPr lang="en-US" altLang="zh-TW" sz="2400" b="1" dirty="0" err="1">
-                <a:solidFill>
-                  <a:srgbClr val="CEDF99"/>
-                </a:solidFill>
-                <a:latin typeface="Consolas" panose="020B0609020204030204" pitchFamily="49" charset="0"/>
-              </a:rPr>
-              <a:t>size_t</a:t>
-            </a:r>
-            <a:r>
-              <a:rPr lang="en-US" altLang="zh-TW" sz="2400" b="0" dirty="0">
-                <a:solidFill>
-                  <a:srgbClr val="DCDCCC"/>
-                </a:solidFill>
-                <a:latin typeface="Consolas" panose="020B0609020204030204" pitchFamily="49" charset="0"/>
-              </a:rPr>
-              <a:t> count</a:t>
-            </a:r>
-            <a:r>
-              <a:rPr lang="en-US" altLang="zh-TW" sz="2400" b="1" dirty="0">
-                <a:solidFill>
-                  <a:srgbClr val="9F9D6D"/>
-                </a:solidFill>
-                <a:latin typeface="Consolas" panose="020B0609020204030204" pitchFamily="49" charset="0"/>
-              </a:rPr>
-              <a:t>);</a:t>
-            </a:r>
-            <a:endParaRPr lang="en-US" altLang="zh-TW" sz="2400" b="0" dirty="0">
-              <a:solidFill>
-                <a:srgbClr val="DCDCCC"/>
-              </a:solidFill>
-              <a:latin typeface="Consolas" panose="020B0609020204030204" pitchFamily="49" charset="0"/>
-            </a:endParaRPr>
-          </a:p>
-          <a:p>
-            <a:r>
-              <a:rPr lang="en-US" altLang="zh-TW" sz="2400" b="1" dirty="0">
-                <a:solidFill>
-                  <a:srgbClr val="CEDF99"/>
-                </a:solidFill>
-                <a:latin typeface="Consolas" panose="020B0609020204030204" pitchFamily="49" charset="0"/>
-              </a:rPr>
-              <a:t>void</a:t>
-            </a:r>
-            <a:r>
-              <a:rPr lang="en-US" altLang="zh-TW" sz="2400" b="1" dirty="0">
-                <a:solidFill>
-                  <a:srgbClr val="9F9D6D"/>
-                </a:solidFill>
-                <a:latin typeface="Consolas" panose="020B0609020204030204" pitchFamily="49" charset="0"/>
-              </a:rPr>
-              <a:t>*</a:t>
-            </a:r>
-            <a:r>
-              <a:rPr lang="en-US" altLang="zh-TW" sz="2400" b="0" dirty="0">
-                <a:solidFill>
-                  <a:srgbClr val="DCDCCC"/>
-                </a:solidFill>
-                <a:latin typeface="Consolas" panose="020B0609020204030204" pitchFamily="49" charset="0"/>
-              </a:rPr>
-              <a:t> </a:t>
-            </a:r>
-            <a:r>
-              <a:rPr lang="en-US" altLang="zh-TW" sz="2400" b="0" dirty="0" err="1">
-                <a:solidFill>
-                  <a:srgbClr val="DCDCCC"/>
-                </a:solidFill>
-                <a:latin typeface="Consolas" panose="020B0609020204030204" pitchFamily="49" charset="0"/>
-              </a:rPr>
-              <a:t>memcpy</a:t>
-            </a:r>
-            <a:r>
-              <a:rPr lang="en-US" altLang="zh-TW" sz="2400" b="1" dirty="0">
-                <a:solidFill>
-                  <a:srgbClr val="9F9D6D"/>
-                </a:solidFill>
-                <a:latin typeface="Consolas" panose="020B0609020204030204" pitchFamily="49" charset="0"/>
-              </a:rPr>
-              <a:t>(</a:t>
-            </a:r>
-            <a:r>
-              <a:rPr lang="en-US" altLang="zh-TW" sz="2400" b="1" dirty="0">
-                <a:solidFill>
-                  <a:srgbClr val="CEDF99"/>
-                </a:solidFill>
-                <a:latin typeface="Consolas" panose="020B0609020204030204" pitchFamily="49" charset="0"/>
-              </a:rPr>
-              <a:t>void</a:t>
-            </a:r>
-            <a:r>
-              <a:rPr lang="en-US" altLang="zh-TW" sz="2400" b="1" dirty="0">
-                <a:solidFill>
-                  <a:srgbClr val="9F9D6D"/>
-                </a:solidFill>
-                <a:latin typeface="Consolas" panose="020B0609020204030204" pitchFamily="49" charset="0"/>
-              </a:rPr>
-              <a:t>*</a:t>
-            </a:r>
-            <a:r>
-              <a:rPr lang="en-US" altLang="zh-TW" sz="2400" b="0" dirty="0">
-                <a:solidFill>
-                  <a:srgbClr val="DCDCCC"/>
-                </a:solidFill>
-                <a:latin typeface="Consolas" panose="020B0609020204030204" pitchFamily="49" charset="0"/>
-              </a:rPr>
-              <a:t> </a:t>
-            </a:r>
-            <a:r>
-              <a:rPr lang="en-US" altLang="zh-TW" sz="2400" b="0" dirty="0" err="1">
-                <a:solidFill>
-                  <a:srgbClr val="DCDCCC"/>
-                </a:solidFill>
-                <a:latin typeface="Consolas" panose="020B0609020204030204" pitchFamily="49" charset="0"/>
-              </a:rPr>
-              <a:t>dest</a:t>
-            </a:r>
-            <a:r>
-              <a:rPr lang="en-US" altLang="zh-TW" sz="2400" b="1" dirty="0">
-                <a:solidFill>
-                  <a:srgbClr val="9F9D6D"/>
-                </a:solidFill>
-                <a:latin typeface="Consolas" panose="020B0609020204030204" pitchFamily="49" charset="0"/>
-              </a:rPr>
-              <a:t>,</a:t>
-            </a:r>
-            <a:r>
-              <a:rPr lang="en-US" altLang="zh-TW" sz="2400" b="0" dirty="0">
-                <a:solidFill>
-                  <a:srgbClr val="DCDCCC"/>
-                </a:solidFill>
-                <a:latin typeface="Consolas" panose="020B0609020204030204" pitchFamily="49" charset="0"/>
-              </a:rPr>
-              <a:t> </a:t>
-            </a:r>
-            <a:r>
-              <a:rPr lang="en-US" altLang="zh-TW" sz="2400" b="1" dirty="0">
-                <a:solidFill>
-                  <a:srgbClr val="CEDF99"/>
-                </a:solidFill>
-                <a:latin typeface="Consolas" panose="020B0609020204030204" pitchFamily="49" charset="0"/>
-              </a:rPr>
-              <a:t>const</a:t>
-            </a:r>
-            <a:r>
-              <a:rPr lang="en-US" altLang="zh-TW" sz="2400" b="0" dirty="0">
-                <a:solidFill>
-                  <a:srgbClr val="DCDCCC"/>
-                </a:solidFill>
-                <a:latin typeface="Consolas" panose="020B0609020204030204" pitchFamily="49" charset="0"/>
-              </a:rPr>
-              <a:t> </a:t>
-            </a:r>
-            <a:r>
-              <a:rPr lang="en-US" altLang="zh-TW" sz="2400" b="1" dirty="0">
-                <a:solidFill>
-                  <a:srgbClr val="CEDF99"/>
-                </a:solidFill>
-                <a:latin typeface="Consolas" panose="020B0609020204030204" pitchFamily="49" charset="0"/>
-              </a:rPr>
-              <a:t>void</a:t>
-            </a:r>
-            <a:r>
-              <a:rPr lang="en-US" altLang="zh-TW" sz="2400" b="1" dirty="0">
-                <a:solidFill>
-                  <a:srgbClr val="9F9D6D"/>
-                </a:solidFill>
-                <a:latin typeface="Consolas" panose="020B0609020204030204" pitchFamily="49" charset="0"/>
-              </a:rPr>
-              <a:t>*</a:t>
-            </a:r>
-            <a:r>
-              <a:rPr lang="en-US" altLang="zh-TW" sz="2400" b="0" dirty="0">
-                <a:solidFill>
-                  <a:srgbClr val="DCDCCC"/>
-                </a:solidFill>
-                <a:latin typeface="Consolas" panose="020B0609020204030204" pitchFamily="49" charset="0"/>
-              </a:rPr>
-              <a:t> </a:t>
-            </a:r>
-            <a:r>
-              <a:rPr lang="en-US" altLang="zh-TW" sz="2400" b="0" dirty="0" err="1">
-                <a:solidFill>
-                  <a:srgbClr val="DCDCCC"/>
-                </a:solidFill>
-                <a:latin typeface="Consolas" panose="020B0609020204030204" pitchFamily="49" charset="0"/>
-              </a:rPr>
-              <a:t>src</a:t>
-            </a:r>
-            <a:r>
-              <a:rPr lang="en-US" altLang="zh-TW" sz="2400" b="1" dirty="0">
-                <a:solidFill>
-                  <a:srgbClr val="9F9D6D"/>
-                </a:solidFill>
-                <a:latin typeface="Consolas" panose="020B0609020204030204" pitchFamily="49" charset="0"/>
-              </a:rPr>
-              <a:t>,</a:t>
-            </a:r>
-            <a:r>
-              <a:rPr lang="en-US" altLang="zh-TW" sz="2400" b="0" dirty="0">
-                <a:solidFill>
-                  <a:srgbClr val="DCDCCC"/>
-                </a:solidFill>
-                <a:latin typeface="Consolas" panose="020B0609020204030204" pitchFamily="49" charset="0"/>
-              </a:rPr>
-              <a:t> std</a:t>
-            </a:r>
-            <a:r>
-              <a:rPr lang="en-US" altLang="zh-TW" sz="2400" b="1" dirty="0">
-                <a:solidFill>
-                  <a:srgbClr val="9F9D6D"/>
-                </a:solidFill>
-                <a:latin typeface="Consolas" panose="020B0609020204030204" pitchFamily="49" charset="0"/>
-              </a:rPr>
-              <a:t>::</a:t>
-            </a:r>
-            <a:r>
-              <a:rPr lang="en-US" altLang="zh-TW" sz="2400" b="1" dirty="0" err="1">
-                <a:solidFill>
-                  <a:srgbClr val="CEDF99"/>
-                </a:solidFill>
-                <a:latin typeface="Consolas" panose="020B0609020204030204" pitchFamily="49" charset="0"/>
-              </a:rPr>
-              <a:t>size_t</a:t>
-            </a:r>
-            <a:r>
-              <a:rPr lang="en-US" altLang="zh-TW" sz="2400" b="0" dirty="0">
-                <a:solidFill>
-                  <a:srgbClr val="DCDCCC"/>
-                </a:solidFill>
-                <a:latin typeface="Consolas" panose="020B0609020204030204" pitchFamily="49" charset="0"/>
-              </a:rPr>
-              <a:t> count</a:t>
-            </a:r>
-            <a:r>
-              <a:rPr lang="en-US" altLang="zh-TW" sz="2400" b="1" dirty="0">
-                <a:solidFill>
-                  <a:srgbClr val="9F9D6D"/>
-                </a:solidFill>
-                <a:latin typeface="Consolas" panose="020B0609020204030204" pitchFamily="49" charset="0"/>
-              </a:rPr>
-              <a:t>);</a:t>
-            </a:r>
-            <a:endParaRPr lang="en-US" altLang="zh-TW" sz="2400" b="0" dirty="0">
-              <a:solidFill>
-                <a:srgbClr val="DCDCCC"/>
-              </a:solidFill>
-              <a:latin typeface="Consolas" panose="020B0609020204030204" pitchFamily="49" charset="0"/>
-            </a:endParaRPr>
-          </a:p>
-          <a:p>
-            <a:r>
-              <a:rPr lang="en-US" altLang="zh-TW" sz="2400" b="1" dirty="0" err="1">
-                <a:solidFill>
-                  <a:srgbClr val="CEDF99"/>
-                </a:solidFill>
-                <a:latin typeface="Consolas" panose="020B0609020204030204" pitchFamily="49" charset="0"/>
-              </a:rPr>
-              <a:t>size_t</a:t>
-            </a:r>
-            <a:r>
-              <a:rPr lang="en-US" altLang="zh-TW" sz="2400" b="0" dirty="0">
-                <a:solidFill>
-                  <a:srgbClr val="DCDCCC"/>
-                </a:solidFill>
-                <a:latin typeface="Consolas" panose="020B0609020204030204" pitchFamily="49" charset="0"/>
-              </a:rPr>
-              <a:t> </a:t>
-            </a:r>
-            <a:r>
-              <a:rPr lang="en-US" altLang="zh-TW" sz="2400" b="0" dirty="0" err="1">
-                <a:solidFill>
-                  <a:srgbClr val="DCDCCC"/>
-                </a:solidFill>
-                <a:latin typeface="Consolas" panose="020B0609020204030204" pitchFamily="49" charset="0"/>
-              </a:rPr>
-              <a:t>strlen</a:t>
-            </a:r>
-            <a:r>
-              <a:rPr lang="en-US" altLang="zh-TW" sz="2400" b="1" dirty="0">
-                <a:solidFill>
-                  <a:srgbClr val="9F9D6D"/>
-                </a:solidFill>
-                <a:latin typeface="Consolas" panose="020B0609020204030204" pitchFamily="49" charset="0"/>
-              </a:rPr>
-              <a:t>(</a:t>
-            </a:r>
-            <a:r>
-              <a:rPr lang="en-US" altLang="zh-TW" sz="2400" b="1" dirty="0">
-                <a:solidFill>
-                  <a:srgbClr val="CEDF99"/>
-                </a:solidFill>
-                <a:latin typeface="Consolas" panose="020B0609020204030204" pitchFamily="49" charset="0"/>
-              </a:rPr>
-              <a:t>const</a:t>
-            </a:r>
-            <a:r>
-              <a:rPr lang="en-US" altLang="zh-TW" sz="2400" b="0" dirty="0">
-                <a:solidFill>
-                  <a:srgbClr val="DCDCCC"/>
-                </a:solidFill>
-                <a:latin typeface="Consolas" panose="020B0609020204030204" pitchFamily="49" charset="0"/>
-              </a:rPr>
-              <a:t> </a:t>
-            </a:r>
-            <a:r>
-              <a:rPr lang="en-US" altLang="zh-TW" sz="2400" b="1" dirty="0">
-                <a:solidFill>
-                  <a:srgbClr val="CEDF99"/>
-                </a:solidFill>
-                <a:latin typeface="Consolas" panose="020B0609020204030204" pitchFamily="49" charset="0"/>
-              </a:rPr>
-              <a:t>char</a:t>
-            </a:r>
-            <a:r>
-              <a:rPr lang="en-US" altLang="zh-TW" sz="2400" b="1" dirty="0">
-                <a:solidFill>
-                  <a:srgbClr val="9F9D6D"/>
-                </a:solidFill>
-                <a:latin typeface="Consolas" panose="020B0609020204030204" pitchFamily="49" charset="0"/>
-              </a:rPr>
-              <a:t>*</a:t>
-            </a:r>
-            <a:r>
-              <a:rPr lang="en-US" altLang="zh-TW" sz="2400" b="0" dirty="0">
-                <a:solidFill>
-                  <a:srgbClr val="DCDCCC"/>
-                </a:solidFill>
-                <a:latin typeface="Consolas" panose="020B0609020204030204" pitchFamily="49" charset="0"/>
-              </a:rPr>
-              <a:t> str</a:t>
-            </a:r>
-            <a:r>
-              <a:rPr lang="en-US" altLang="zh-TW" sz="2400" b="1" dirty="0">
-                <a:solidFill>
-                  <a:srgbClr val="9F9D6D"/>
-                </a:solidFill>
-                <a:latin typeface="Consolas" panose="020B0609020204030204" pitchFamily="49" charset="0"/>
-              </a:rPr>
-              <a:t>);</a:t>
-            </a:r>
-            <a:endParaRPr lang="en-US" altLang="zh-TW" sz="2400" b="0" dirty="0">
-              <a:solidFill>
-                <a:srgbClr val="DCDCCC"/>
-              </a:solidFill>
-              <a:latin typeface="Consolas" panose="020B0609020204030204" pitchFamily="49" charset="0"/>
-            </a:endParaRPr>
-          </a:p>
-          <a:p>
-            <a:r>
-              <a:rPr lang="en-US" altLang="zh-TW" sz="2400" b="1" dirty="0">
-                <a:solidFill>
-                  <a:srgbClr val="CEDF99"/>
-                </a:solidFill>
-                <a:latin typeface="Consolas" panose="020B0609020204030204" pitchFamily="49" charset="0"/>
-              </a:rPr>
-              <a:t>char</a:t>
-            </a:r>
-            <a:r>
-              <a:rPr lang="en-US" altLang="zh-TW" sz="2400" b="1" dirty="0">
-                <a:solidFill>
-                  <a:srgbClr val="9F9D6D"/>
-                </a:solidFill>
-                <a:latin typeface="Consolas" panose="020B0609020204030204" pitchFamily="49" charset="0"/>
-              </a:rPr>
-              <a:t>*</a:t>
-            </a:r>
-            <a:r>
-              <a:rPr lang="en-US" altLang="zh-TW" sz="2400" b="0" dirty="0">
-                <a:solidFill>
-                  <a:srgbClr val="DCDCCC"/>
-                </a:solidFill>
-                <a:latin typeface="Consolas" panose="020B0609020204030204" pitchFamily="49" charset="0"/>
-              </a:rPr>
-              <a:t> </a:t>
-            </a:r>
-            <a:r>
-              <a:rPr lang="en-US" altLang="zh-TW" sz="2400" b="0" dirty="0" err="1">
-                <a:solidFill>
-                  <a:srgbClr val="DCDCCC"/>
-                </a:solidFill>
-                <a:latin typeface="Consolas" panose="020B0609020204030204" pitchFamily="49" charset="0"/>
-              </a:rPr>
-              <a:t>strcpy</a:t>
-            </a:r>
-            <a:r>
-              <a:rPr lang="en-US" altLang="zh-TW" sz="2400" b="1" dirty="0">
-                <a:solidFill>
-                  <a:srgbClr val="9F9D6D"/>
-                </a:solidFill>
-                <a:latin typeface="Consolas" panose="020B0609020204030204" pitchFamily="49" charset="0"/>
-              </a:rPr>
-              <a:t>(</a:t>
-            </a:r>
-            <a:r>
-              <a:rPr lang="en-US" altLang="zh-TW" sz="2400" b="1" dirty="0">
-                <a:solidFill>
-                  <a:srgbClr val="CEDF99"/>
-                </a:solidFill>
-                <a:latin typeface="Consolas" panose="020B0609020204030204" pitchFamily="49" charset="0"/>
-              </a:rPr>
-              <a:t>char</a:t>
-            </a:r>
-            <a:r>
-              <a:rPr lang="en-US" altLang="zh-TW" sz="2400" b="1" dirty="0">
-                <a:solidFill>
-                  <a:srgbClr val="9F9D6D"/>
-                </a:solidFill>
-                <a:latin typeface="Consolas" panose="020B0609020204030204" pitchFamily="49" charset="0"/>
-              </a:rPr>
-              <a:t>*</a:t>
-            </a:r>
-            <a:r>
-              <a:rPr lang="en-US" altLang="zh-TW" sz="2400" b="0" dirty="0">
-                <a:solidFill>
-                  <a:srgbClr val="DCDCCC"/>
-                </a:solidFill>
-                <a:latin typeface="Consolas" panose="020B0609020204030204" pitchFamily="49" charset="0"/>
-              </a:rPr>
-              <a:t> </a:t>
-            </a:r>
-            <a:r>
-              <a:rPr lang="en-US" altLang="zh-TW" sz="2400" b="0" dirty="0" err="1">
-                <a:solidFill>
-                  <a:srgbClr val="DCDCCC"/>
-                </a:solidFill>
-                <a:latin typeface="Consolas" panose="020B0609020204030204" pitchFamily="49" charset="0"/>
-              </a:rPr>
-              <a:t>dest</a:t>
-            </a:r>
-            <a:r>
-              <a:rPr lang="en-US" altLang="zh-TW" sz="2400" b="1" dirty="0">
-                <a:solidFill>
-                  <a:srgbClr val="9F9D6D"/>
-                </a:solidFill>
-                <a:latin typeface="Consolas" panose="020B0609020204030204" pitchFamily="49" charset="0"/>
-              </a:rPr>
-              <a:t>,</a:t>
-            </a:r>
-            <a:r>
-              <a:rPr lang="en-US" altLang="zh-TW" sz="2400" b="0" dirty="0">
-                <a:solidFill>
-                  <a:srgbClr val="DCDCCC"/>
-                </a:solidFill>
-                <a:latin typeface="Consolas" panose="020B0609020204030204" pitchFamily="49" charset="0"/>
-              </a:rPr>
-              <a:t> </a:t>
-            </a:r>
-            <a:r>
-              <a:rPr lang="en-US" altLang="zh-TW" sz="2400" b="1" dirty="0">
-                <a:solidFill>
-                  <a:srgbClr val="CEDF99"/>
-                </a:solidFill>
-                <a:latin typeface="Consolas" panose="020B0609020204030204" pitchFamily="49" charset="0"/>
-              </a:rPr>
-              <a:t>const</a:t>
-            </a:r>
-            <a:r>
-              <a:rPr lang="en-US" altLang="zh-TW" sz="2400" b="0" dirty="0">
-                <a:solidFill>
-                  <a:srgbClr val="DCDCCC"/>
-                </a:solidFill>
-                <a:latin typeface="Consolas" panose="020B0609020204030204" pitchFamily="49" charset="0"/>
-              </a:rPr>
-              <a:t> </a:t>
-            </a:r>
-            <a:r>
-              <a:rPr lang="en-US" altLang="zh-TW" sz="2400" b="1" dirty="0">
-                <a:solidFill>
-                  <a:srgbClr val="CEDF99"/>
-                </a:solidFill>
-                <a:latin typeface="Consolas" panose="020B0609020204030204" pitchFamily="49" charset="0"/>
-              </a:rPr>
-              <a:t>char</a:t>
-            </a:r>
-            <a:r>
-              <a:rPr lang="en-US" altLang="zh-TW" sz="2400" b="1" dirty="0">
-                <a:solidFill>
-                  <a:srgbClr val="9F9D6D"/>
-                </a:solidFill>
-                <a:latin typeface="Consolas" panose="020B0609020204030204" pitchFamily="49" charset="0"/>
-              </a:rPr>
-              <a:t>*</a:t>
-            </a:r>
-            <a:r>
-              <a:rPr lang="en-US" altLang="zh-TW" sz="2400" b="0" dirty="0">
-                <a:solidFill>
-                  <a:srgbClr val="DCDCCC"/>
-                </a:solidFill>
-                <a:latin typeface="Consolas" panose="020B0609020204030204" pitchFamily="49" charset="0"/>
-              </a:rPr>
-              <a:t> </a:t>
-            </a:r>
-            <a:r>
-              <a:rPr lang="en-US" altLang="zh-TW" sz="2400" b="0" dirty="0" err="1">
-                <a:solidFill>
-                  <a:srgbClr val="DCDCCC"/>
-                </a:solidFill>
-                <a:latin typeface="Consolas" panose="020B0609020204030204" pitchFamily="49" charset="0"/>
-              </a:rPr>
-              <a:t>src</a:t>
-            </a:r>
-            <a:r>
-              <a:rPr lang="en-US" altLang="zh-TW" sz="2400" b="1" dirty="0">
-                <a:solidFill>
-                  <a:srgbClr val="9F9D6D"/>
-                </a:solidFill>
-                <a:latin typeface="Consolas" panose="020B0609020204030204" pitchFamily="49" charset="0"/>
-              </a:rPr>
-              <a:t>);</a:t>
-            </a:r>
-            <a:endParaRPr lang="zh-TW" altLang="en-US" sz="2400" dirty="0">
-              <a:latin typeface="Consolas" panose="020B0609020204030204" pitchFamily="49" charset="0"/>
-            </a:endParaRPr>
-          </a:p>
-        </p:txBody>
-      </p:sp>
-    </p:spTree>
-    <p:extLst>
-      <p:ext uri="{BB962C8B-B14F-4D97-AF65-F5344CB8AC3E}">
-        <p14:creationId xmlns:p14="http://schemas.microsoft.com/office/powerpoint/2010/main" val="3685598225"/>
       </p:ext>
     </p:extLst>
   </p:cSld>
@@ -13560,7 +14128,22 @@
               </a:rPr>
               <a:t>資工筆記</a:t>
             </a:r>
-            <a:endParaRPr lang="zh-TW" altLang="en-US" dirty="0">
+            <a:r>
+              <a:rPr lang="zh-TW" altLang="en-US" dirty="0">
+                <a:latin typeface="Consolas" panose="020B0609020204030204" pitchFamily="49" charset="0"/>
+                <a:ea typeface="微軟正黑體" panose="020B0604030504040204" pitchFamily="34" charset="-120"/>
+              </a:rPr>
+              <a:t>跟</a:t>
+            </a:r>
+            <a:r>
+              <a:rPr lang="en-US" altLang="zh-TW" dirty="0" err="1">
+                <a:latin typeface="Consolas" panose="020B0609020204030204" pitchFamily="49" charset="0"/>
+                <a:ea typeface="微軟正黑體" panose="020B0604030504040204" pitchFamily="34" charset="-120"/>
+                <a:hlinkClick r:id="rId5"/>
+              </a:rPr>
+              <a:t>github</a:t>
+            </a:r>
+            <a:endParaRPr lang="en-US" altLang="zh-TW" dirty="0">
               <a:latin typeface="Consolas" panose="020B0609020204030204" pitchFamily="49" charset="0"/>
               <a:ea typeface="微軟正黑體" panose="020B0604030504040204" pitchFamily="34" charset="-120"/>
             </a:endParaRPr>
@@ -13602,6 +14185,781 @@
           <p:cNvPr id="2" name="標題 1">
             <a:extLst>
               <a:ext uri="{FF2B5EF4-FFF2-40B4-BE49-F238E27FC236}">
+                <a16:creationId xmlns:a16="http://schemas.microsoft.com/office/drawing/2014/main" id="{02A43248-425E-F185-790F-1A16524DF262}"/>
+              </a:ext>
+            </a:extLst>
+          </p:cNvPr>
+          <p:cNvSpPr>
+            <a:spLocks noGrp="1"/>
+          </p:cNvSpPr>
+          <p:nvPr>
+            <p:ph type="title"/>
+          </p:nvPr>
+        </p:nvSpPr>
+        <p:spPr/>
+        <p:txBody>
+          <a:bodyPr/>
+          <a:lstStyle/>
+          <a:p>
+            <a:r>
+              <a:rPr lang="en-US" altLang="zh-TW" dirty="0">
+                <a:latin typeface="Consolas" panose="020B0609020204030204" pitchFamily="49" charset="0"/>
+              </a:rPr>
+              <a:t>&lt;</a:t>
+            </a:r>
+            <a:r>
+              <a:rPr lang="en-US" altLang="zh-TW" dirty="0" err="1">
+                <a:latin typeface="Consolas" panose="020B0609020204030204" pitchFamily="49" charset="0"/>
+              </a:rPr>
+              <a:t>string.h</a:t>
+            </a:r>
+            <a:r>
+              <a:rPr lang="en-US" altLang="zh-TW" dirty="0">
+                <a:latin typeface="Consolas" panose="020B0609020204030204" pitchFamily="49" charset="0"/>
+              </a:rPr>
+              <a:t>&gt;</a:t>
+            </a:r>
+            <a:r>
+              <a:rPr lang="zh-TW" altLang="en-US" dirty="0">
+                <a:latin typeface="Consolas" panose="020B0609020204030204" pitchFamily="49" charset="0"/>
+              </a:rPr>
+              <a:t>裡的好用函式</a:t>
+            </a:r>
+          </a:p>
+        </p:txBody>
+      </p:sp>
+      <p:sp>
+        <p:nvSpPr>
+          <p:cNvPr id="3" name="內容版面配置區 2">
+            <a:extLst>
+              <a:ext uri="{FF2B5EF4-FFF2-40B4-BE49-F238E27FC236}">
+                <a16:creationId xmlns:a16="http://schemas.microsoft.com/office/drawing/2014/main" id="{699D26EF-DBF8-9C53-2944-9355DE931F5D}"/>
+              </a:ext>
+            </a:extLst>
+          </p:cNvPr>
+          <p:cNvSpPr>
+            <a:spLocks noGrp="1"/>
+          </p:cNvSpPr>
+          <p:nvPr>
+            <p:ph idx="1"/>
+          </p:nvPr>
+        </p:nvSpPr>
+        <p:spPr>
+          <a:xfrm>
+            <a:off x="838200" y="1825625"/>
+            <a:ext cx="11125200" cy="4351338"/>
+          </a:xfrm>
+        </p:spPr>
+        <p:txBody>
+          <a:bodyPr>
+            <a:normAutofit/>
+          </a:bodyPr>
+          <a:lstStyle/>
+          <a:p>
+            <a:r>
+              <a:rPr lang="en-US" altLang="zh-TW" sz="2400" b="1" dirty="0">
+                <a:solidFill>
+                  <a:srgbClr val="CEDF99"/>
+                </a:solidFill>
+                <a:latin typeface="Consolas" panose="020B0609020204030204" pitchFamily="49" charset="0"/>
+              </a:rPr>
+              <a:t>void</a:t>
+            </a:r>
+            <a:r>
+              <a:rPr lang="en-US" altLang="zh-TW" sz="2400" b="1" dirty="0">
+                <a:solidFill>
+                  <a:srgbClr val="9F9D6D"/>
+                </a:solidFill>
+                <a:latin typeface="Consolas" panose="020B0609020204030204" pitchFamily="49" charset="0"/>
+              </a:rPr>
+              <a:t>*</a:t>
+            </a:r>
+            <a:r>
+              <a:rPr lang="en-US" altLang="zh-TW" sz="2400" b="0" dirty="0">
+                <a:solidFill>
+                  <a:srgbClr val="DCDCCC"/>
+                </a:solidFill>
+                <a:latin typeface="Consolas" panose="020B0609020204030204" pitchFamily="49" charset="0"/>
+              </a:rPr>
+              <a:t> </a:t>
+            </a:r>
+            <a:r>
+              <a:rPr lang="en-US" altLang="zh-TW" sz="2400" b="0" dirty="0" err="1">
+                <a:solidFill>
+                  <a:srgbClr val="DCDCCC"/>
+                </a:solidFill>
+                <a:latin typeface="Consolas" panose="020B0609020204030204" pitchFamily="49" charset="0"/>
+              </a:rPr>
+              <a:t>memset</a:t>
+            </a:r>
+            <a:r>
+              <a:rPr lang="en-US" altLang="zh-TW" sz="2400" b="1" dirty="0">
+                <a:solidFill>
+                  <a:srgbClr val="9F9D6D"/>
+                </a:solidFill>
+                <a:latin typeface="Consolas" panose="020B0609020204030204" pitchFamily="49" charset="0"/>
+              </a:rPr>
+              <a:t>(</a:t>
+            </a:r>
+            <a:r>
+              <a:rPr lang="en-US" altLang="zh-TW" sz="2400" b="1" dirty="0">
+                <a:solidFill>
+                  <a:srgbClr val="CEDF99"/>
+                </a:solidFill>
+                <a:latin typeface="Consolas" panose="020B0609020204030204" pitchFamily="49" charset="0"/>
+              </a:rPr>
+              <a:t>void</a:t>
+            </a:r>
+            <a:r>
+              <a:rPr lang="en-US" altLang="zh-TW" sz="2400" b="1" dirty="0">
+                <a:solidFill>
+                  <a:srgbClr val="9F9D6D"/>
+                </a:solidFill>
+                <a:latin typeface="Consolas" panose="020B0609020204030204" pitchFamily="49" charset="0"/>
+              </a:rPr>
+              <a:t>*</a:t>
+            </a:r>
+            <a:r>
+              <a:rPr lang="en-US" altLang="zh-TW" sz="2400" b="0" dirty="0">
+                <a:solidFill>
+                  <a:srgbClr val="DCDCCC"/>
+                </a:solidFill>
+                <a:latin typeface="Consolas" panose="020B0609020204030204" pitchFamily="49" charset="0"/>
+              </a:rPr>
+              <a:t> </a:t>
+            </a:r>
+            <a:r>
+              <a:rPr lang="en-US" altLang="zh-TW" sz="2400" b="0" dirty="0" err="1">
+                <a:solidFill>
+                  <a:srgbClr val="DCDCCC"/>
+                </a:solidFill>
+                <a:latin typeface="Consolas" panose="020B0609020204030204" pitchFamily="49" charset="0"/>
+              </a:rPr>
+              <a:t>dest</a:t>
+            </a:r>
+            <a:r>
+              <a:rPr lang="en-US" altLang="zh-TW" sz="2400" b="1" dirty="0">
+                <a:solidFill>
+                  <a:srgbClr val="9F9D6D"/>
+                </a:solidFill>
+                <a:latin typeface="Consolas" panose="020B0609020204030204" pitchFamily="49" charset="0"/>
+              </a:rPr>
+              <a:t>,</a:t>
+            </a:r>
+            <a:r>
+              <a:rPr lang="en-US" altLang="zh-TW" sz="2400" b="0" dirty="0">
+                <a:solidFill>
+                  <a:srgbClr val="DCDCCC"/>
+                </a:solidFill>
+                <a:latin typeface="Consolas" panose="020B0609020204030204" pitchFamily="49" charset="0"/>
+              </a:rPr>
+              <a:t> </a:t>
+            </a:r>
+            <a:r>
+              <a:rPr lang="en-US" altLang="zh-TW" sz="2400" b="1" dirty="0">
+                <a:solidFill>
+                  <a:srgbClr val="CEDF99"/>
+                </a:solidFill>
+                <a:latin typeface="Consolas" panose="020B0609020204030204" pitchFamily="49" charset="0"/>
+              </a:rPr>
+              <a:t>int</a:t>
+            </a:r>
+            <a:r>
+              <a:rPr lang="en-US" altLang="zh-TW" sz="2400" b="0" dirty="0">
+                <a:solidFill>
+                  <a:srgbClr val="DCDCCC"/>
+                </a:solidFill>
+                <a:latin typeface="Consolas" panose="020B0609020204030204" pitchFamily="49" charset="0"/>
+              </a:rPr>
+              <a:t> </a:t>
+            </a:r>
+            <a:r>
+              <a:rPr lang="en-US" altLang="zh-TW" sz="2400" b="0" dirty="0" err="1">
+                <a:solidFill>
+                  <a:srgbClr val="DCDCCC"/>
+                </a:solidFill>
+                <a:latin typeface="Consolas" panose="020B0609020204030204" pitchFamily="49" charset="0"/>
+              </a:rPr>
+              <a:t>ch</a:t>
+            </a:r>
+            <a:r>
+              <a:rPr lang="en-US" altLang="zh-TW" sz="2400" b="1" dirty="0">
+                <a:solidFill>
+                  <a:srgbClr val="9F9D6D"/>
+                </a:solidFill>
+                <a:latin typeface="Consolas" panose="020B0609020204030204" pitchFamily="49" charset="0"/>
+              </a:rPr>
+              <a:t>,</a:t>
+            </a:r>
+            <a:r>
+              <a:rPr lang="en-US" altLang="zh-TW" sz="2400" b="0" dirty="0">
+                <a:solidFill>
+                  <a:srgbClr val="DCDCCC"/>
+                </a:solidFill>
+                <a:latin typeface="Consolas" panose="020B0609020204030204" pitchFamily="49" charset="0"/>
+              </a:rPr>
+              <a:t> std</a:t>
+            </a:r>
+            <a:r>
+              <a:rPr lang="en-US" altLang="zh-TW" sz="2400" b="1" dirty="0">
+                <a:solidFill>
+                  <a:srgbClr val="9F9D6D"/>
+                </a:solidFill>
+                <a:latin typeface="Consolas" panose="020B0609020204030204" pitchFamily="49" charset="0"/>
+              </a:rPr>
+              <a:t>::</a:t>
+            </a:r>
+            <a:r>
+              <a:rPr lang="en-US" altLang="zh-TW" sz="2400" b="1" dirty="0" err="1">
+                <a:solidFill>
+                  <a:srgbClr val="CEDF99"/>
+                </a:solidFill>
+                <a:latin typeface="Consolas" panose="020B0609020204030204" pitchFamily="49" charset="0"/>
+              </a:rPr>
+              <a:t>size_t</a:t>
+            </a:r>
+            <a:r>
+              <a:rPr lang="en-US" altLang="zh-TW" sz="2400" b="0" dirty="0">
+                <a:solidFill>
+                  <a:srgbClr val="DCDCCC"/>
+                </a:solidFill>
+                <a:latin typeface="Consolas" panose="020B0609020204030204" pitchFamily="49" charset="0"/>
+              </a:rPr>
+              <a:t> count</a:t>
+            </a:r>
+            <a:r>
+              <a:rPr lang="en-US" altLang="zh-TW" sz="2400" b="1" dirty="0">
+                <a:solidFill>
+                  <a:srgbClr val="9F9D6D"/>
+                </a:solidFill>
+                <a:latin typeface="Consolas" panose="020B0609020204030204" pitchFamily="49" charset="0"/>
+              </a:rPr>
+              <a:t>);</a:t>
+            </a:r>
+            <a:endParaRPr lang="en-US" altLang="zh-TW" sz="2400" b="0" dirty="0">
+              <a:solidFill>
+                <a:srgbClr val="DCDCCC"/>
+              </a:solidFill>
+              <a:latin typeface="Consolas" panose="020B0609020204030204" pitchFamily="49" charset="0"/>
+            </a:endParaRPr>
+          </a:p>
+          <a:p>
+            <a:r>
+              <a:rPr lang="en-US" altLang="zh-TW" sz="2400" b="1" dirty="0">
+                <a:solidFill>
+                  <a:srgbClr val="CEDF99"/>
+                </a:solidFill>
+                <a:latin typeface="Consolas" panose="020B0609020204030204" pitchFamily="49" charset="0"/>
+              </a:rPr>
+              <a:t>void</a:t>
+            </a:r>
+            <a:r>
+              <a:rPr lang="en-US" altLang="zh-TW" sz="2400" b="1" dirty="0">
+                <a:solidFill>
+                  <a:srgbClr val="9F9D6D"/>
+                </a:solidFill>
+                <a:latin typeface="Consolas" panose="020B0609020204030204" pitchFamily="49" charset="0"/>
+              </a:rPr>
+              <a:t>*</a:t>
+            </a:r>
+            <a:r>
+              <a:rPr lang="en-US" altLang="zh-TW" sz="2400" b="0" dirty="0">
+                <a:solidFill>
+                  <a:srgbClr val="DCDCCC"/>
+                </a:solidFill>
+                <a:latin typeface="Consolas" panose="020B0609020204030204" pitchFamily="49" charset="0"/>
+              </a:rPr>
+              <a:t> </a:t>
+            </a:r>
+            <a:r>
+              <a:rPr lang="en-US" altLang="zh-TW" sz="2400" b="0" dirty="0" err="1">
+                <a:solidFill>
+                  <a:srgbClr val="DCDCCC"/>
+                </a:solidFill>
+                <a:latin typeface="Consolas" panose="020B0609020204030204" pitchFamily="49" charset="0"/>
+              </a:rPr>
+              <a:t>memcpy</a:t>
+            </a:r>
+            <a:r>
+              <a:rPr lang="en-US" altLang="zh-TW" sz="2400" b="1" dirty="0">
+                <a:solidFill>
+                  <a:srgbClr val="9F9D6D"/>
+                </a:solidFill>
+                <a:latin typeface="Consolas" panose="020B0609020204030204" pitchFamily="49" charset="0"/>
+              </a:rPr>
+              <a:t>(</a:t>
+            </a:r>
+            <a:r>
+              <a:rPr lang="en-US" altLang="zh-TW" sz="2400" b="1" dirty="0">
+                <a:solidFill>
+                  <a:srgbClr val="CEDF99"/>
+                </a:solidFill>
+                <a:latin typeface="Consolas" panose="020B0609020204030204" pitchFamily="49" charset="0"/>
+              </a:rPr>
+              <a:t>void</a:t>
+            </a:r>
+            <a:r>
+              <a:rPr lang="en-US" altLang="zh-TW" sz="2400" b="1" dirty="0">
+                <a:solidFill>
+                  <a:srgbClr val="9F9D6D"/>
+                </a:solidFill>
+                <a:latin typeface="Consolas" panose="020B0609020204030204" pitchFamily="49" charset="0"/>
+              </a:rPr>
+              <a:t>*</a:t>
+            </a:r>
+            <a:r>
+              <a:rPr lang="en-US" altLang="zh-TW" sz="2400" b="0" dirty="0">
+                <a:solidFill>
+                  <a:srgbClr val="DCDCCC"/>
+                </a:solidFill>
+                <a:latin typeface="Consolas" panose="020B0609020204030204" pitchFamily="49" charset="0"/>
+              </a:rPr>
+              <a:t> </a:t>
+            </a:r>
+            <a:r>
+              <a:rPr lang="en-US" altLang="zh-TW" sz="2400" b="0" dirty="0" err="1">
+                <a:solidFill>
+                  <a:srgbClr val="DCDCCC"/>
+                </a:solidFill>
+                <a:latin typeface="Consolas" panose="020B0609020204030204" pitchFamily="49" charset="0"/>
+              </a:rPr>
+              <a:t>dest</a:t>
+            </a:r>
+            <a:r>
+              <a:rPr lang="en-US" altLang="zh-TW" sz="2400" b="1" dirty="0">
+                <a:solidFill>
+                  <a:srgbClr val="9F9D6D"/>
+                </a:solidFill>
+                <a:latin typeface="Consolas" panose="020B0609020204030204" pitchFamily="49" charset="0"/>
+              </a:rPr>
+              <a:t>,</a:t>
+            </a:r>
+            <a:r>
+              <a:rPr lang="en-US" altLang="zh-TW" sz="2400" b="0" dirty="0">
+                <a:solidFill>
+                  <a:srgbClr val="DCDCCC"/>
+                </a:solidFill>
+                <a:latin typeface="Consolas" panose="020B0609020204030204" pitchFamily="49" charset="0"/>
+              </a:rPr>
+              <a:t> </a:t>
+            </a:r>
+            <a:r>
+              <a:rPr lang="en-US" altLang="zh-TW" sz="2400" b="1" dirty="0">
+                <a:solidFill>
+                  <a:srgbClr val="CEDF99"/>
+                </a:solidFill>
+                <a:latin typeface="Consolas" panose="020B0609020204030204" pitchFamily="49" charset="0"/>
+              </a:rPr>
+              <a:t>const</a:t>
+            </a:r>
+            <a:r>
+              <a:rPr lang="en-US" altLang="zh-TW" sz="2400" b="0" dirty="0">
+                <a:solidFill>
+                  <a:srgbClr val="DCDCCC"/>
+                </a:solidFill>
+                <a:latin typeface="Consolas" panose="020B0609020204030204" pitchFamily="49" charset="0"/>
+              </a:rPr>
+              <a:t> </a:t>
+            </a:r>
+            <a:r>
+              <a:rPr lang="en-US" altLang="zh-TW" sz="2400" b="1" dirty="0">
+                <a:solidFill>
+                  <a:srgbClr val="CEDF99"/>
+                </a:solidFill>
+                <a:latin typeface="Consolas" panose="020B0609020204030204" pitchFamily="49" charset="0"/>
+              </a:rPr>
+              <a:t>void</a:t>
+            </a:r>
+            <a:r>
+              <a:rPr lang="en-US" altLang="zh-TW" sz="2400" b="1" dirty="0">
+                <a:solidFill>
+                  <a:srgbClr val="9F9D6D"/>
+                </a:solidFill>
+                <a:latin typeface="Consolas" panose="020B0609020204030204" pitchFamily="49" charset="0"/>
+              </a:rPr>
+              <a:t>*</a:t>
+            </a:r>
+            <a:r>
+              <a:rPr lang="en-US" altLang="zh-TW" sz="2400" b="0" dirty="0">
+                <a:solidFill>
+                  <a:srgbClr val="DCDCCC"/>
+                </a:solidFill>
+                <a:latin typeface="Consolas" panose="020B0609020204030204" pitchFamily="49" charset="0"/>
+              </a:rPr>
+              <a:t> </a:t>
+            </a:r>
+            <a:r>
+              <a:rPr lang="en-US" altLang="zh-TW" sz="2400" b="0" dirty="0" err="1">
+                <a:solidFill>
+                  <a:srgbClr val="DCDCCC"/>
+                </a:solidFill>
+                <a:latin typeface="Consolas" panose="020B0609020204030204" pitchFamily="49" charset="0"/>
+              </a:rPr>
+              <a:t>src</a:t>
+            </a:r>
+            <a:r>
+              <a:rPr lang="en-US" altLang="zh-TW" sz="2400" b="1" dirty="0">
+                <a:solidFill>
+                  <a:srgbClr val="9F9D6D"/>
+                </a:solidFill>
+                <a:latin typeface="Consolas" panose="020B0609020204030204" pitchFamily="49" charset="0"/>
+              </a:rPr>
+              <a:t>,</a:t>
+            </a:r>
+            <a:r>
+              <a:rPr lang="en-US" altLang="zh-TW" sz="2400" b="0" dirty="0">
+                <a:solidFill>
+                  <a:srgbClr val="DCDCCC"/>
+                </a:solidFill>
+                <a:latin typeface="Consolas" panose="020B0609020204030204" pitchFamily="49" charset="0"/>
+              </a:rPr>
+              <a:t> std</a:t>
+            </a:r>
+            <a:r>
+              <a:rPr lang="en-US" altLang="zh-TW" sz="2400" b="1" dirty="0">
+                <a:solidFill>
+                  <a:srgbClr val="9F9D6D"/>
+                </a:solidFill>
+                <a:latin typeface="Consolas" panose="020B0609020204030204" pitchFamily="49" charset="0"/>
+              </a:rPr>
+              <a:t>::</a:t>
+            </a:r>
+            <a:r>
+              <a:rPr lang="en-US" altLang="zh-TW" sz="2400" b="1" dirty="0" err="1">
+                <a:solidFill>
+                  <a:srgbClr val="CEDF99"/>
+                </a:solidFill>
+                <a:latin typeface="Consolas" panose="020B0609020204030204" pitchFamily="49" charset="0"/>
+              </a:rPr>
+              <a:t>size_t</a:t>
+            </a:r>
+            <a:r>
+              <a:rPr lang="en-US" altLang="zh-TW" sz="2400" b="0" dirty="0">
+                <a:solidFill>
+                  <a:srgbClr val="DCDCCC"/>
+                </a:solidFill>
+                <a:latin typeface="Consolas" panose="020B0609020204030204" pitchFamily="49" charset="0"/>
+              </a:rPr>
+              <a:t> count</a:t>
+            </a:r>
+            <a:r>
+              <a:rPr lang="en-US" altLang="zh-TW" sz="2400" b="1" dirty="0">
+                <a:solidFill>
+                  <a:srgbClr val="9F9D6D"/>
+                </a:solidFill>
+                <a:latin typeface="Consolas" panose="020B0609020204030204" pitchFamily="49" charset="0"/>
+              </a:rPr>
+              <a:t>);</a:t>
+            </a:r>
+            <a:endParaRPr lang="en-US" altLang="zh-TW" sz="2400" b="0" dirty="0">
+              <a:solidFill>
+                <a:srgbClr val="DCDCCC"/>
+              </a:solidFill>
+              <a:latin typeface="Consolas" panose="020B0609020204030204" pitchFamily="49" charset="0"/>
+            </a:endParaRPr>
+          </a:p>
+          <a:p>
+            <a:r>
+              <a:rPr lang="en-US" altLang="zh-TW" sz="2400" b="1" dirty="0" err="1">
+                <a:solidFill>
+                  <a:srgbClr val="CEDF99"/>
+                </a:solidFill>
+                <a:latin typeface="Consolas" panose="020B0609020204030204" pitchFamily="49" charset="0"/>
+              </a:rPr>
+              <a:t>size_t</a:t>
+            </a:r>
+            <a:r>
+              <a:rPr lang="en-US" altLang="zh-TW" sz="2400" b="0" dirty="0">
+                <a:solidFill>
+                  <a:srgbClr val="DCDCCC"/>
+                </a:solidFill>
+                <a:latin typeface="Consolas" panose="020B0609020204030204" pitchFamily="49" charset="0"/>
+              </a:rPr>
+              <a:t> </a:t>
+            </a:r>
+            <a:r>
+              <a:rPr lang="en-US" altLang="zh-TW" sz="2400" b="0" dirty="0" err="1">
+                <a:solidFill>
+                  <a:srgbClr val="DCDCCC"/>
+                </a:solidFill>
+                <a:latin typeface="Consolas" panose="020B0609020204030204" pitchFamily="49" charset="0"/>
+              </a:rPr>
+              <a:t>strlen</a:t>
+            </a:r>
+            <a:r>
+              <a:rPr lang="en-US" altLang="zh-TW" sz="2400" b="1" dirty="0">
+                <a:solidFill>
+                  <a:srgbClr val="9F9D6D"/>
+                </a:solidFill>
+                <a:latin typeface="Consolas" panose="020B0609020204030204" pitchFamily="49" charset="0"/>
+              </a:rPr>
+              <a:t>(</a:t>
+            </a:r>
+            <a:r>
+              <a:rPr lang="en-US" altLang="zh-TW" sz="2400" b="1" dirty="0">
+                <a:solidFill>
+                  <a:srgbClr val="CEDF99"/>
+                </a:solidFill>
+                <a:latin typeface="Consolas" panose="020B0609020204030204" pitchFamily="49" charset="0"/>
+              </a:rPr>
+              <a:t>const</a:t>
+            </a:r>
+            <a:r>
+              <a:rPr lang="en-US" altLang="zh-TW" sz="2400" b="0" dirty="0">
+                <a:solidFill>
+                  <a:srgbClr val="DCDCCC"/>
+                </a:solidFill>
+                <a:latin typeface="Consolas" panose="020B0609020204030204" pitchFamily="49" charset="0"/>
+              </a:rPr>
+              <a:t> </a:t>
+            </a:r>
+            <a:r>
+              <a:rPr lang="en-US" altLang="zh-TW" sz="2400" b="1" dirty="0">
+                <a:solidFill>
+                  <a:srgbClr val="CEDF99"/>
+                </a:solidFill>
+                <a:latin typeface="Consolas" panose="020B0609020204030204" pitchFamily="49" charset="0"/>
+              </a:rPr>
+              <a:t>char</a:t>
+            </a:r>
+            <a:r>
+              <a:rPr lang="en-US" altLang="zh-TW" sz="2400" b="1" dirty="0">
+                <a:solidFill>
+                  <a:srgbClr val="9F9D6D"/>
+                </a:solidFill>
+                <a:latin typeface="Consolas" panose="020B0609020204030204" pitchFamily="49" charset="0"/>
+              </a:rPr>
+              <a:t>*</a:t>
+            </a:r>
+            <a:r>
+              <a:rPr lang="en-US" altLang="zh-TW" sz="2400" b="0" dirty="0">
+                <a:solidFill>
+                  <a:srgbClr val="DCDCCC"/>
+                </a:solidFill>
+                <a:latin typeface="Consolas" panose="020B0609020204030204" pitchFamily="49" charset="0"/>
+              </a:rPr>
+              <a:t> str</a:t>
+            </a:r>
+            <a:r>
+              <a:rPr lang="en-US" altLang="zh-TW" sz="2400" b="1" dirty="0">
+                <a:solidFill>
+                  <a:srgbClr val="9F9D6D"/>
+                </a:solidFill>
+                <a:latin typeface="Consolas" panose="020B0609020204030204" pitchFamily="49" charset="0"/>
+              </a:rPr>
+              <a:t>);</a:t>
+            </a:r>
+            <a:endParaRPr lang="en-US" altLang="zh-TW" sz="2400" b="0" dirty="0">
+              <a:solidFill>
+                <a:srgbClr val="DCDCCC"/>
+              </a:solidFill>
+              <a:latin typeface="Consolas" panose="020B0609020204030204" pitchFamily="49" charset="0"/>
+            </a:endParaRPr>
+          </a:p>
+          <a:p>
+            <a:r>
+              <a:rPr lang="en-US" altLang="zh-TW" sz="2400" b="1" dirty="0">
+                <a:solidFill>
+                  <a:srgbClr val="CEDF99"/>
+                </a:solidFill>
+                <a:latin typeface="Consolas" panose="020B0609020204030204" pitchFamily="49" charset="0"/>
+              </a:rPr>
+              <a:t>char</a:t>
+            </a:r>
+            <a:r>
+              <a:rPr lang="en-US" altLang="zh-TW" sz="2400" b="1" dirty="0">
+                <a:solidFill>
+                  <a:srgbClr val="9F9D6D"/>
+                </a:solidFill>
+                <a:latin typeface="Consolas" panose="020B0609020204030204" pitchFamily="49" charset="0"/>
+              </a:rPr>
+              <a:t>*</a:t>
+            </a:r>
+            <a:r>
+              <a:rPr lang="en-US" altLang="zh-TW" sz="2400" b="0" dirty="0">
+                <a:solidFill>
+                  <a:srgbClr val="DCDCCC"/>
+                </a:solidFill>
+                <a:latin typeface="Consolas" panose="020B0609020204030204" pitchFamily="49" charset="0"/>
+              </a:rPr>
+              <a:t> </a:t>
+            </a:r>
+            <a:r>
+              <a:rPr lang="en-US" altLang="zh-TW" sz="2400" b="0" dirty="0" err="1">
+                <a:solidFill>
+                  <a:srgbClr val="DCDCCC"/>
+                </a:solidFill>
+                <a:latin typeface="Consolas" panose="020B0609020204030204" pitchFamily="49" charset="0"/>
+              </a:rPr>
+              <a:t>strcpy</a:t>
+            </a:r>
+            <a:r>
+              <a:rPr lang="en-US" altLang="zh-TW" sz="2400" b="1" dirty="0">
+                <a:solidFill>
+                  <a:srgbClr val="9F9D6D"/>
+                </a:solidFill>
+                <a:latin typeface="Consolas" panose="020B0609020204030204" pitchFamily="49" charset="0"/>
+              </a:rPr>
+              <a:t>(</a:t>
+            </a:r>
+            <a:r>
+              <a:rPr lang="en-US" altLang="zh-TW" sz="2400" b="1" dirty="0">
+                <a:solidFill>
+                  <a:srgbClr val="CEDF99"/>
+                </a:solidFill>
+                <a:latin typeface="Consolas" panose="020B0609020204030204" pitchFamily="49" charset="0"/>
+              </a:rPr>
+              <a:t>char</a:t>
+            </a:r>
+            <a:r>
+              <a:rPr lang="en-US" altLang="zh-TW" sz="2400" b="1" dirty="0">
+                <a:solidFill>
+                  <a:srgbClr val="9F9D6D"/>
+                </a:solidFill>
+                <a:latin typeface="Consolas" panose="020B0609020204030204" pitchFamily="49" charset="0"/>
+              </a:rPr>
+              <a:t>*</a:t>
+            </a:r>
+            <a:r>
+              <a:rPr lang="en-US" altLang="zh-TW" sz="2400" b="0" dirty="0">
+                <a:solidFill>
+                  <a:srgbClr val="DCDCCC"/>
+                </a:solidFill>
+                <a:latin typeface="Consolas" panose="020B0609020204030204" pitchFamily="49" charset="0"/>
+              </a:rPr>
+              <a:t> </a:t>
+            </a:r>
+            <a:r>
+              <a:rPr lang="en-US" altLang="zh-TW" sz="2400" b="0" dirty="0" err="1">
+                <a:solidFill>
+                  <a:srgbClr val="DCDCCC"/>
+                </a:solidFill>
+                <a:latin typeface="Consolas" panose="020B0609020204030204" pitchFamily="49" charset="0"/>
+              </a:rPr>
+              <a:t>dest</a:t>
+            </a:r>
+            <a:r>
+              <a:rPr lang="en-US" altLang="zh-TW" sz="2400" b="1" dirty="0">
+                <a:solidFill>
+                  <a:srgbClr val="9F9D6D"/>
+                </a:solidFill>
+                <a:latin typeface="Consolas" panose="020B0609020204030204" pitchFamily="49" charset="0"/>
+              </a:rPr>
+              <a:t>,</a:t>
+            </a:r>
+            <a:r>
+              <a:rPr lang="en-US" altLang="zh-TW" sz="2400" b="0" dirty="0">
+                <a:solidFill>
+                  <a:srgbClr val="DCDCCC"/>
+                </a:solidFill>
+                <a:latin typeface="Consolas" panose="020B0609020204030204" pitchFamily="49" charset="0"/>
+              </a:rPr>
+              <a:t> </a:t>
+            </a:r>
+            <a:r>
+              <a:rPr lang="en-US" altLang="zh-TW" sz="2400" b="1" dirty="0">
+                <a:solidFill>
+                  <a:srgbClr val="CEDF99"/>
+                </a:solidFill>
+                <a:latin typeface="Consolas" panose="020B0609020204030204" pitchFamily="49" charset="0"/>
+              </a:rPr>
+              <a:t>const</a:t>
+            </a:r>
+            <a:r>
+              <a:rPr lang="en-US" altLang="zh-TW" sz="2400" b="0" dirty="0">
+                <a:solidFill>
+                  <a:srgbClr val="DCDCCC"/>
+                </a:solidFill>
+                <a:latin typeface="Consolas" panose="020B0609020204030204" pitchFamily="49" charset="0"/>
+              </a:rPr>
+              <a:t> </a:t>
+            </a:r>
+            <a:r>
+              <a:rPr lang="en-US" altLang="zh-TW" sz="2400" b="1" dirty="0">
+                <a:solidFill>
+                  <a:srgbClr val="CEDF99"/>
+                </a:solidFill>
+                <a:latin typeface="Consolas" panose="020B0609020204030204" pitchFamily="49" charset="0"/>
+              </a:rPr>
+              <a:t>char</a:t>
+            </a:r>
+            <a:r>
+              <a:rPr lang="en-US" altLang="zh-TW" sz="2400" b="1" dirty="0">
+                <a:solidFill>
+                  <a:srgbClr val="9F9D6D"/>
+                </a:solidFill>
+                <a:latin typeface="Consolas" panose="020B0609020204030204" pitchFamily="49" charset="0"/>
+              </a:rPr>
+              <a:t>*</a:t>
+            </a:r>
+            <a:r>
+              <a:rPr lang="en-US" altLang="zh-TW" sz="2400" b="0" dirty="0">
+                <a:solidFill>
+                  <a:srgbClr val="DCDCCC"/>
+                </a:solidFill>
+                <a:latin typeface="Consolas" panose="020B0609020204030204" pitchFamily="49" charset="0"/>
+              </a:rPr>
+              <a:t> </a:t>
+            </a:r>
+            <a:r>
+              <a:rPr lang="en-US" altLang="zh-TW" sz="2400" b="0" dirty="0" err="1">
+                <a:solidFill>
+                  <a:srgbClr val="DCDCCC"/>
+                </a:solidFill>
+                <a:latin typeface="Consolas" panose="020B0609020204030204" pitchFamily="49" charset="0"/>
+              </a:rPr>
+              <a:t>src</a:t>
+            </a:r>
+            <a:r>
+              <a:rPr lang="en-US" altLang="zh-TW" sz="2400" b="1" dirty="0">
+                <a:solidFill>
+                  <a:srgbClr val="9F9D6D"/>
+                </a:solidFill>
+                <a:latin typeface="Consolas" panose="020B0609020204030204" pitchFamily="49" charset="0"/>
+              </a:rPr>
+              <a:t>);</a:t>
+            </a:r>
+            <a:endParaRPr lang="zh-TW" altLang="en-US" sz="2400" dirty="0">
+              <a:latin typeface="Consolas" panose="020B0609020204030204" pitchFamily="49" charset="0"/>
+            </a:endParaRPr>
+          </a:p>
+        </p:txBody>
+      </p:sp>
+    </p:spTree>
+    <p:extLst>
+      <p:ext uri="{BB962C8B-B14F-4D97-AF65-F5344CB8AC3E}">
+        <p14:creationId xmlns:p14="http://schemas.microsoft.com/office/powerpoint/2010/main" val="3685598225"/>
+      </p:ext>
+    </p:extLst>
+  </p:cSld>
+  <p:clrMapOvr>
+    <a:masterClrMapping/>
+  </p:clrMapOvr>
+</p:sld>
+</file>
+
+<file path=ppt/slides/slide31.xml><?xml version="1.0" encoding="utf-8"?>
+<p:sld xmlns:a="http://schemas.openxmlformats.org/drawingml/2006/main" xmlns:r="http://schemas.openxmlformats.org/officeDocument/2006/relationships" xmlns:p="http://schemas.openxmlformats.org/presentationml/2006/main">
+  <p:cSld>
+    <p:spTree>
+      <p:nvGrpSpPr>
+        <p:cNvPr id="1" name=""/>
+        <p:cNvGrpSpPr/>
+        <p:nvPr/>
+      </p:nvGrpSpPr>
+      <p:grpSpPr>
+        <a:xfrm>
+          <a:off x="0" y="0"/>
+          <a:ext cx="0" cy="0"/>
+          <a:chOff x="0" y="0"/>
+          <a:chExt cx="0" cy="0"/>
+        </a:xfrm>
+      </p:grpSpPr>
+      <p:sp>
+        <p:nvSpPr>
+          <p:cNvPr id="2" name="標題 1">
+            <a:extLst>
+              <a:ext uri="{FF2B5EF4-FFF2-40B4-BE49-F238E27FC236}">
                 <a16:creationId xmlns:a16="http://schemas.microsoft.com/office/drawing/2014/main" id="{916DBDC7-CAFE-0834-7BED-F4602DE1844F}"/>
               </a:ext>
             </a:extLst>
@@ -14173,7 +15531,7 @@
 </p:sld>
 </file>
 
-<file path=ppt/slides/slide31.xml><?xml version="1.0" encoding="utf-8"?>
+<file path=ppt/slides/slide32.xml><?xml version="1.0" encoding="utf-8"?>
 <p:sld xmlns:a="http://schemas.openxmlformats.org/drawingml/2006/main" xmlns:r="http://schemas.openxmlformats.org/officeDocument/2006/relationships" xmlns:p="http://schemas.openxmlformats.org/presentationml/2006/main">
   <p:cSld>
     <p:spTree>
@@ -14709,7 +16067,7 @@
 </p:sld>
 </file>
 
-<file path=ppt/slides/slide32.xml><?xml version="1.0" encoding="utf-8"?>
+<file path=ppt/slides/slide33.xml><?xml version="1.0" encoding="utf-8"?>
 <p:sld xmlns:a="http://schemas.openxmlformats.org/drawingml/2006/main" xmlns:r="http://schemas.openxmlformats.org/officeDocument/2006/relationships" xmlns:p="http://schemas.openxmlformats.org/presentationml/2006/main">
   <p:cSld>
     <p:spTree>
@@ -15367,7 +16725,7 @@
 </p:sld>
 </file>
 
-<file path=ppt/slides/slide33.xml><?xml version="1.0" encoding="utf-8"?>
+<file path=ppt/slides/slide34.xml><?xml version="1.0" encoding="utf-8"?>
 <p:sld xmlns:a="http://schemas.openxmlformats.org/drawingml/2006/main" xmlns:r="http://schemas.openxmlformats.org/officeDocument/2006/relationships" xmlns:p="http://schemas.openxmlformats.org/presentationml/2006/main">
   <p:cSld>
     <p:spTree>
@@ -15611,7 +16969,7 @@
 </p:sld>
 </file>
 
-<file path=ppt/slides/slide34.xml><?xml version="1.0" encoding="utf-8"?>
+<file path=ppt/slides/slide35.xml><?xml version="1.0" encoding="utf-8"?>
 <p:sld xmlns:a="http://schemas.openxmlformats.org/drawingml/2006/main" xmlns:r="http://schemas.openxmlformats.org/officeDocument/2006/relationships" xmlns:p="http://schemas.openxmlformats.org/presentationml/2006/main">
   <p:cSld>
     <p:spTree>
@@ -15837,7 +17195,7 @@
 </p:sld>
 </file>
 
-<file path=ppt/slides/slide35.xml><?xml version="1.0" encoding="utf-8"?>
+<file path=ppt/slides/slide36.xml><?xml version="1.0" encoding="utf-8"?>
 <p:sld xmlns:a="http://schemas.openxmlformats.org/drawingml/2006/main" xmlns:r="http://schemas.openxmlformats.org/officeDocument/2006/relationships" xmlns:p="http://schemas.openxmlformats.org/presentationml/2006/main">
   <p:cSld>
     <p:spTree>
@@ -16275,7 +17633,7 @@
 </p:sld>
 </file>
 
-<file path=ppt/slides/slide36.xml><?xml version="1.0" encoding="utf-8"?>
+<file path=ppt/slides/slide37.xml><?xml version="1.0" encoding="utf-8"?>
 <p:sld xmlns:a="http://schemas.openxmlformats.org/drawingml/2006/main" xmlns:r="http://schemas.openxmlformats.org/officeDocument/2006/relationships" xmlns:p="http://schemas.openxmlformats.org/presentationml/2006/main">
   <p:cSld>
     <p:spTree>
@@ -16544,7 +17902,7 @@
 </p:sld>
 </file>
 
-<file path=ppt/slides/slide37.xml><?xml version="1.0" encoding="utf-8"?>
+<file path=ppt/slides/slide38.xml><?xml version="1.0" encoding="utf-8"?>
 <p:sld xmlns:a="http://schemas.openxmlformats.org/drawingml/2006/main" xmlns:r="http://schemas.openxmlformats.org/officeDocument/2006/relationships" xmlns:p="http://schemas.openxmlformats.org/presentationml/2006/main">
   <p:cSld>
     <p:spTree>
@@ -16724,7 +18082,7 @@
 </p:sld>
 </file>
 
-<file path=ppt/slides/slide38.xml><?xml version="1.0" encoding="utf-8"?>
+<file path=ppt/slides/slide39.xml><?xml version="1.0" encoding="utf-8"?>
 <p:sld xmlns:a="http://schemas.openxmlformats.org/drawingml/2006/main" xmlns:r="http://schemas.openxmlformats.org/officeDocument/2006/relationships" xmlns:p="http://schemas.openxmlformats.org/presentationml/2006/main">
   <p:cSld>
     <p:spTree>
@@ -16991,753 +18349,6 @@
     <p:extLst>
       <p:ext uri="{BB962C8B-B14F-4D97-AF65-F5344CB8AC3E}">
         <p14:creationId xmlns:p14="http://schemas.microsoft.com/office/powerpoint/2010/main" val="4044426703"/>
-      </p:ext>
-    </p:extLst>
-  </p:cSld>
-  <p:clrMapOvr>
-    <a:masterClrMapping/>
-  </p:clrMapOvr>
-</p:sld>
-</file>
-
-<file path=ppt/slides/slide39.xml><?xml version="1.0" encoding="utf-8"?>
-<p:sld xmlns:a="http://schemas.openxmlformats.org/drawingml/2006/main" xmlns:r="http://schemas.openxmlformats.org/officeDocument/2006/relationships" xmlns:p="http://schemas.openxmlformats.org/presentationml/2006/main">
-  <p:cSld>
-    <p:spTree>
-      <p:nvGrpSpPr>
-        <p:cNvPr id="1" name=""/>
-        <p:cNvGrpSpPr/>
-        <p:nvPr/>
-      </p:nvGrpSpPr>
-      <p:grpSpPr>
-        <a:xfrm>
-          <a:off x="0" y="0"/>
-          <a:ext cx="0" cy="0"/>
-          <a:chOff x="0" y="0"/>
-          <a:chExt cx="0" cy="0"/>
-        </a:xfrm>
-      </p:grpSpPr>
-      <p:sp>
-        <p:nvSpPr>
-          <p:cNvPr id="2" name="標題 1">
-            <a:extLst>
-              <a:ext uri="{FF2B5EF4-FFF2-40B4-BE49-F238E27FC236}">
-                <a16:creationId xmlns:a16="http://schemas.microsoft.com/office/drawing/2014/main" id="{654133AC-7F54-89D5-8B38-770A30CE64CE}"/>
-              </a:ext>
-            </a:extLst>
-          </p:cNvPr>
-          <p:cNvSpPr>
-            <a:spLocks noGrp="1"/>
-          </p:cNvSpPr>
-          <p:nvPr>
-            <p:ph type="title"/>
-          </p:nvPr>
-        </p:nvSpPr>
-        <p:spPr/>
-        <p:txBody>
-          <a:bodyPr/>
-          <a:lstStyle/>
-          <a:p>
-            <a:r>
-              <a:rPr lang="zh-TW" altLang="en-US" dirty="0">
-                <a:latin typeface="微軟正黑體" panose="020B0604030504040204" pitchFamily="34" charset="-120"/>
-                <a:ea typeface="微軟正黑體" panose="020B0604030504040204" pitchFamily="34" charset="-120"/>
-              </a:rPr>
-              <a:t>處理輸入</a:t>
-            </a:r>
-          </a:p>
-        </p:txBody>
-      </p:sp>
-      <p:sp>
-        <p:nvSpPr>
-          <p:cNvPr id="4" name="文字方塊 3">
-            <a:extLst>
-              <a:ext uri="{FF2B5EF4-FFF2-40B4-BE49-F238E27FC236}">
-                <a16:creationId xmlns:a16="http://schemas.microsoft.com/office/drawing/2014/main" id="{7B904F6B-B1C4-5D83-B117-390A4473B64F}"/>
-              </a:ext>
-            </a:extLst>
-          </p:cNvPr>
-          <p:cNvSpPr txBox="1"/>
-          <p:nvPr/>
-        </p:nvSpPr>
-        <p:spPr>
-          <a:xfrm>
-            <a:off x="838200" y="1690689"/>
-            <a:ext cx="10515600" cy="3970318"/>
-          </a:xfrm>
-          <a:prstGeom prst="rect">
-            <a:avLst/>
-          </a:prstGeom>
-          <a:noFill/>
-        </p:spPr>
-        <p:txBody>
-          <a:bodyPr wrap="square">
-            <a:spAutoFit/>
-          </a:bodyPr>
-          <a:lstStyle/>
-          <a:p>
-            <a:r>
-              <a:rPr lang="en-US" altLang="zh-TW" sz="2800" b="1" dirty="0">
-                <a:solidFill>
-                  <a:srgbClr val="CEDF99"/>
-                </a:solidFill>
-                <a:latin typeface="Consolas" panose="020B0609020204030204" pitchFamily="49" charset="0"/>
-              </a:rPr>
-              <a:t>int</a:t>
-            </a:r>
-            <a:r>
-              <a:rPr lang="en-US" altLang="zh-TW" sz="2800" b="0" dirty="0">
-                <a:solidFill>
-                  <a:srgbClr val="DCDCCC"/>
-                </a:solidFill>
-                <a:latin typeface="Consolas" panose="020B0609020204030204" pitchFamily="49" charset="0"/>
-              </a:rPr>
-              <a:t> offset </a:t>
-            </a:r>
-            <a:r>
-              <a:rPr lang="en-US" altLang="zh-TW" sz="2800" b="1" dirty="0">
-                <a:solidFill>
-                  <a:srgbClr val="9F9D6D"/>
-                </a:solidFill>
-                <a:latin typeface="Consolas" panose="020B0609020204030204" pitchFamily="49" charset="0"/>
-              </a:rPr>
-              <a:t>=</a:t>
-            </a:r>
-            <a:r>
-              <a:rPr lang="en-US" altLang="zh-TW" sz="2800" b="0" dirty="0">
-                <a:solidFill>
-                  <a:srgbClr val="DCDCCC"/>
-                </a:solidFill>
-                <a:latin typeface="Consolas" panose="020B0609020204030204" pitchFamily="49" charset="0"/>
-              </a:rPr>
-              <a:t> </a:t>
-            </a:r>
-            <a:r>
-              <a:rPr lang="en-US" altLang="zh-TW" sz="2800" b="0" dirty="0">
-                <a:solidFill>
-                  <a:srgbClr val="8CD0D3"/>
-                </a:solidFill>
-                <a:latin typeface="Consolas" panose="020B0609020204030204" pitchFamily="49" charset="0"/>
-              </a:rPr>
-              <a:t>0</a:t>
-            </a:r>
-            <a:r>
-              <a:rPr lang="en-US" altLang="zh-TW" sz="2800" b="1" dirty="0">
-                <a:solidFill>
-                  <a:srgbClr val="9F9D6D"/>
-                </a:solidFill>
-                <a:latin typeface="Consolas" panose="020B0609020204030204" pitchFamily="49" charset="0"/>
-              </a:rPr>
-              <a:t>,</a:t>
-            </a:r>
-            <a:r>
-              <a:rPr lang="en-US" altLang="zh-TW" sz="2800" b="0" dirty="0">
-                <a:solidFill>
-                  <a:srgbClr val="DCDCCC"/>
-                </a:solidFill>
-                <a:latin typeface="Consolas" panose="020B0609020204030204" pitchFamily="49" charset="0"/>
-              </a:rPr>
-              <a:t> n</a:t>
-            </a:r>
-            <a:r>
-              <a:rPr lang="en-US" altLang="zh-TW" sz="2800" b="1" dirty="0">
-                <a:solidFill>
-                  <a:srgbClr val="9F9D6D"/>
-                </a:solidFill>
-                <a:latin typeface="Consolas" panose="020B0609020204030204" pitchFamily="49" charset="0"/>
-              </a:rPr>
-              <a:t>,</a:t>
-            </a:r>
-            <a:r>
-              <a:rPr lang="en-US" altLang="zh-TW" sz="2800" b="0" dirty="0">
-                <a:solidFill>
-                  <a:srgbClr val="DCDCCC"/>
-                </a:solidFill>
-                <a:latin typeface="Consolas" panose="020B0609020204030204" pitchFamily="49" charset="0"/>
-              </a:rPr>
-              <a:t> height</a:t>
-            </a:r>
-            <a:r>
-              <a:rPr lang="en-US" altLang="zh-TW" sz="2800" b="1" dirty="0">
-                <a:solidFill>
-                  <a:srgbClr val="9F9D6D"/>
-                </a:solidFill>
-                <a:latin typeface="Consolas" panose="020B0609020204030204" pitchFamily="49" charset="0"/>
-              </a:rPr>
-              <a:t>,</a:t>
-            </a:r>
-            <a:r>
-              <a:rPr lang="en-US" altLang="zh-TW" sz="2800" b="0" dirty="0">
-                <a:solidFill>
-                  <a:srgbClr val="DCDCCC"/>
-                </a:solidFill>
-                <a:latin typeface="Consolas" panose="020B0609020204030204" pitchFamily="49" charset="0"/>
-              </a:rPr>
-              <a:t> num </a:t>
-            </a:r>
-            <a:r>
-              <a:rPr lang="en-US" altLang="zh-TW" sz="2800" b="1" dirty="0">
-                <a:solidFill>
-                  <a:srgbClr val="9F9D6D"/>
-                </a:solidFill>
-                <a:latin typeface="Consolas" panose="020B0609020204030204" pitchFamily="49" charset="0"/>
-              </a:rPr>
-              <a:t>=</a:t>
-            </a:r>
-            <a:r>
-              <a:rPr lang="en-US" altLang="zh-TW" sz="2800" b="0" dirty="0">
-                <a:solidFill>
-                  <a:srgbClr val="DCDCCC"/>
-                </a:solidFill>
-                <a:latin typeface="Consolas" panose="020B0609020204030204" pitchFamily="49" charset="0"/>
-              </a:rPr>
-              <a:t> </a:t>
-            </a:r>
-            <a:r>
-              <a:rPr lang="en-US" altLang="zh-TW" sz="2800" b="0" dirty="0">
-                <a:solidFill>
-                  <a:srgbClr val="8CD0D3"/>
-                </a:solidFill>
-                <a:latin typeface="Consolas" panose="020B0609020204030204" pitchFamily="49" charset="0"/>
-              </a:rPr>
-              <a:t>0</a:t>
-            </a:r>
-            <a:r>
-              <a:rPr lang="en-US" altLang="zh-TW" sz="2800" b="1" dirty="0">
-                <a:solidFill>
-                  <a:srgbClr val="9F9D6D"/>
-                </a:solidFill>
-                <a:latin typeface="Consolas" panose="020B0609020204030204" pitchFamily="49" charset="0"/>
-              </a:rPr>
-              <a:t>;</a:t>
-            </a:r>
-            <a:endParaRPr lang="en-US" altLang="zh-TW" sz="2800" b="0" dirty="0">
-              <a:solidFill>
-                <a:srgbClr val="DCDCCC"/>
-              </a:solidFill>
-              <a:latin typeface="Consolas" panose="020B0609020204030204" pitchFamily="49" charset="0"/>
-            </a:endParaRPr>
-          </a:p>
-          <a:p>
-            <a:r>
-              <a:rPr lang="en-US" altLang="zh-TW" sz="2800" b="1" dirty="0">
-                <a:solidFill>
-                  <a:srgbClr val="DFC47D"/>
-                </a:solidFill>
-                <a:latin typeface="Consolas" panose="020B0609020204030204" pitchFamily="49" charset="0"/>
-              </a:rPr>
-              <a:t>while</a:t>
-            </a:r>
-            <a:r>
-              <a:rPr lang="en-US" altLang="zh-TW" sz="2800" b="1" dirty="0">
-                <a:solidFill>
-                  <a:srgbClr val="9F9D6D"/>
-                </a:solidFill>
-                <a:latin typeface="Consolas" panose="020B0609020204030204" pitchFamily="49" charset="0"/>
-              </a:rPr>
-              <a:t>(~</a:t>
-            </a:r>
-            <a:r>
-              <a:rPr lang="en-US" altLang="zh-TW" sz="2800" b="0" dirty="0" err="1">
-                <a:solidFill>
-                  <a:srgbClr val="DCDCCC"/>
-                </a:solidFill>
-                <a:latin typeface="Consolas" panose="020B0609020204030204" pitchFamily="49" charset="0"/>
-              </a:rPr>
-              <a:t>scanf</a:t>
-            </a:r>
-            <a:r>
-              <a:rPr lang="en-US" altLang="zh-TW" sz="2800" b="1" dirty="0">
-                <a:solidFill>
-                  <a:srgbClr val="9F9D6D"/>
-                </a:solidFill>
-                <a:latin typeface="Consolas" panose="020B0609020204030204" pitchFamily="49" charset="0"/>
-              </a:rPr>
-              <a:t>(</a:t>
-            </a:r>
-            <a:r>
-              <a:rPr lang="en-US" altLang="zh-TW" sz="2800" b="0" dirty="0">
-                <a:solidFill>
-                  <a:srgbClr val="CC9393"/>
-                </a:solidFill>
-                <a:latin typeface="Consolas" panose="020B0609020204030204" pitchFamily="49" charset="0"/>
-              </a:rPr>
-              <a:t>"%d"</a:t>
-            </a:r>
-            <a:r>
-              <a:rPr lang="en-US" altLang="zh-TW" sz="2800" b="1" dirty="0">
-                <a:solidFill>
-                  <a:srgbClr val="9F9D6D"/>
-                </a:solidFill>
-                <a:latin typeface="Consolas" panose="020B0609020204030204" pitchFamily="49" charset="0"/>
-              </a:rPr>
-              <a:t>,</a:t>
-            </a:r>
-            <a:r>
-              <a:rPr lang="en-US" altLang="zh-TW" sz="2800" b="0" dirty="0">
-                <a:solidFill>
-                  <a:srgbClr val="DCDCCC"/>
-                </a:solidFill>
-                <a:latin typeface="Consolas" panose="020B0609020204030204" pitchFamily="49" charset="0"/>
-              </a:rPr>
-              <a:t> </a:t>
-            </a:r>
-            <a:r>
-              <a:rPr lang="en-US" altLang="zh-TW" sz="2800" b="1" dirty="0">
-                <a:solidFill>
-                  <a:srgbClr val="9F9D6D"/>
-                </a:solidFill>
-                <a:latin typeface="Consolas" panose="020B0609020204030204" pitchFamily="49" charset="0"/>
-              </a:rPr>
-              <a:t>&amp;</a:t>
-            </a:r>
-            <a:r>
-              <a:rPr lang="en-US" altLang="zh-TW" sz="2800" b="0" dirty="0">
-                <a:solidFill>
-                  <a:srgbClr val="DCDCCC"/>
-                </a:solidFill>
-                <a:latin typeface="Consolas" panose="020B0609020204030204" pitchFamily="49" charset="0"/>
-              </a:rPr>
-              <a:t>height</a:t>
-            </a:r>
-            <a:r>
-              <a:rPr lang="en-US" altLang="zh-TW" sz="2800" b="1" dirty="0">
-                <a:solidFill>
-                  <a:srgbClr val="9F9D6D"/>
-                </a:solidFill>
-                <a:latin typeface="Consolas" panose="020B0609020204030204" pitchFamily="49" charset="0"/>
-              </a:rPr>
-              <a:t>))</a:t>
-            </a:r>
-            <a:endParaRPr lang="en-US" altLang="zh-TW" sz="2800" b="0" dirty="0">
-              <a:solidFill>
-                <a:srgbClr val="DCDCCC"/>
-              </a:solidFill>
-              <a:latin typeface="Consolas" panose="020B0609020204030204" pitchFamily="49" charset="0"/>
-            </a:endParaRPr>
-          </a:p>
-          <a:p>
-            <a:r>
-              <a:rPr lang="en-US" altLang="zh-TW" sz="2800" b="1" dirty="0">
-                <a:solidFill>
-                  <a:srgbClr val="9F9D6D"/>
-                </a:solidFill>
-                <a:latin typeface="Consolas" panose="020B0609020204030204" pitchFamily="49" charset="0"/>
-              </a:rPr>
-              <a:t>{</a:t>
-            </a:r>
-            <a:endParaRPr lang="zh-TW" altLang="en-US" sz="2800" b="0" dirty="0">
-              <a:solidFill>
-                <a:srgbClr val="DCDCCC"/>
-              </a:solidFill>
-              <a:latin typeface="Consolas" panose="020B0609020204030204" pitchFamily="49" charset="0"/>
-            </a:endParaRPr>
-          </a:p>
-          <a:p>
-            <a:r>
-              <a:rPr lang="en-US" altLang="zh-TW" sz="2800" b="0" dirty="0">
-                <a:solidFill>
-                  <a:srgbClr val="DCDCCC"/>
-                </a:solidFill>
-                <a:latin typeface="Consolas" panose="020B0609020204030204" pitchFamily="49" charset="0"/>
-              </a:rPr>
-              <a:t>	</a:t>
-            </a:r>
-            <a:r>
-              <a:rPr lang="en-US" altLang="zh-TW" sz="2800" b="1" dirty="0">
-                <a:solidFill>
-                  <a:srgbClr val="DFC47D"/>
-                </a:solidFill>
-                <a:latin typeface="Consolas" panose="020B0609020204030204" pitchFamily="49" charset="0"/>
-              </a:rPr>
-              <a:t>if</a:t>
-            </a:r>
-            <a:r>
-              <a:rPr lang="en-US" altLang="zh-TW" sz="2800" b="0" dirty="0">
-                <a:solidFill>
-                  <a:srgbClr val="DCDCCC"/>
-                </a:solidFill>
-                <a:latin typeface="Consolas" panose="020B0609020204030204" pitchFamily="49" charset="0"/>
-              </a:rPr>
-              <a:t> </a:t>
-            </a:r>
-            <a:r>
-              <a:rPr lang="en-US" altLang="zh-TW" sz="2800" b="1" dirty="0">
-                <a:solidFill>
-                  <a:srgbClr val="9F9D6D"/>
-                </a:solidFill>
-                <a:latin typeface="Consolas" panose="020B0609020204030204" pitchFamily="49" charset="0"/>
-              </a:rPr>
-              <a:t>(</a:t>
-            </a:r>
-            <a:r>
-              <a:rPr lang="en-US" altLang="zh-TW" sz="2800" b="0" dirty="0" err="1">
-                <a:solidFill>
-                  <a:srgbClr val="DCDCCC"/>
-                </a:solidFill>
-                <a:latin typeface="Consolas" panose="020B0609020204030204" pitchFamily="49" charset="0"/>
-              </a:rPr>
-              <a:t>getchar</a:t>
-            </a:r>
-            <a:r>
-              <a:rPr lang="en-US" altLang="zh-TW" sz="2800" b="1" dirty="0">
-                <a:solidFill>
-                  <a:srgbClr val="9F9D6D"/>
-                </a:solidFill>
-                <a:latin typeface="Consolas" panose="020B0609020204030204" pitchFamily="49" charset="0"/>
-              </a:rPr>
-              <a:t>()</a:t>
-            </a:r>
-            <a:r>
-              <a:rPr lang="en-US" altLang="zh-TW" sz="2800" b="0" dirty="0">
-                <a:solidFill>
-                  <a:srgbClr val="DCDCCC"/>
-                </a:solidFill>
-                <a:latin typeface="Consolas" panose="020B0609020204030204" pitchFamily="49" charset="0"/>
-              </a:rPr>
-              <a:t> </a:t>
-            </a:r>
-            <a:r>
-              <a:rPr lang="en-US" altLang="zh-TW" sz="2800" b="1" dirty="0">
-                <a:solidFill>
-                  <a:srgbClr val="9F9D6D"/>
-                </a:solidFill>
-                <a:latin typeface="Consolas" panose="020B0609020204030204" pitchFamily="49" charset="0"/>
-              </a:rPr>
-              <a:t>==</a:t>
-            </a:r>
-            <a:r>
-              <a:rPr lang="en-US" altLang="zh-TW" sz="2800" b="0" dirty="0">
-                <a:solidFill>
-                  <a:srgbClr val="DCDCCC"/>
-                </a:solidFill>
-                <a:latin typeface="Consolas" panose="020B0609020204030204" pitchFamily="49" charset="0"/>
-              </a:rPr>
-              <a:t> </a:t>
-            </a:r>
-            <a:r>
-              <a:rPr lang="en-US" altLang="zh-TW" sz="2800" b="0" dirty="0">
-                <a:solidFill>
-                  <a:srgbClr val="DCA3A3"/>
-                </a:solidFill>
-                <a:latin typeface="Consolas" panose="020B0609020204030204" pitchFamily="49" charset="0"/>
-              </a:rPr>
-              <a:t>'\n'</a:t>
-            </a:r>
-            <a:r>
-              <a:rPr lang="en-US" altLang="zh-TW" sz="2800" b="1" dirty="0">
-                <a:solidFill>
-                  <a:srgbClr val="9F9D6D"/>
-                </a:solidFill>
-                <a:latin typeface="Consolas" panose="020B0609020204030204" pitchFamily="49" charset="0"/>
-              </a:rPr>
-              <a:t>)</a:t>
-            </a:r>
-            <a:r>
-              <a:rPr lang="en-US" altLang="zh-TW" sz="2800" b="0" dirty="0">
-                <a:solidFill>
-                  <a:srgbClr val="DCDCCC"/>
-                </a:solidFill>
-                <a:latin typeface="Consolas" panose="020B0609020204030204" pitchFamily="49" charset="0"/>
-              </a:rPr>
-              <a:t> </a:t>
-            </a:r>
-            <a:r>
-              <a:rPr lang="en-US" altLang="zh-TW" sz="2800" b="1" dirty="0">
-                <a:solidFill>
-                  <a:srgbClr val="DFC47D"/>
-                </a:solidFill>
-                <a:latin typeface="Consolas" panose="020B0609020204030204" pitchFamily="49" charset="0"/>
-              </a:rPr>
-              <a:t>break</a:t>
-            </a:r>
-            <a:r>
-              <a:rPr lang="en-US" altLang="zh-TW" sz="2800" b="1" dirty="0">
-                <a:solidFill>
-                  <a:srgbClr val="9F9D6D"/>
-                </a:solidFill>
-                <a:latin typeface="Consolas" panose="020B0609020204030204" pitchFamily="49" charset="0"/>
-              </a:rPr>
-              <a:t>;</a:t>
-            </a:r>
-            <a:endParaRPr lang="en-US" altLang="zh-TW" sz="2800" b="0" dirty="0">
-              <a:solidFill>
-                <a:srgbClr val="DCDCCC"/>
-              </a:solidFill>
-              <a:latin typeface="Consolas" panose="020B0609020204030204" pitchFamily="49" charset="0"/>
-            </a:endParaRPr>
-          </a:p>
-          <a:p>
-            <a:r>
-              <a:rPr lang="en-US" altLang="zh-TW" sz="2800" b="0" dirty="0">
-                <a:solidFill>
-                  <a:srgbClr val="DCDCCC"/>
-                </a:solidFill>
-                <a:latin typeface="Consolas" panose="020B0609020204030204" pitchFamily="49" charset="0"/>
-              </a:rPr>
-              <a:t>	students</a:t>
-            </a:r>
-            <a:r>
-              <a:rPr lang="en-US" altLang="zh-TW" sz="2800" b="1" dirty="0">
-                <a:solidFill>
-                  <a:srgbClr val="9F9D6D"/>
-                </a:solidFill>
-                <a:latin typeface="Consolas" panose="020B0609020204030204" pitchFamily="49" charset="0"/>
-              </a:rPr>
-              <a:t>[</a:t>
-            </a:r>
-            <a:r>
-              <a:rPr lang="en-US" altLang="zh-TW" sz="2800" b="0" dirty="0">
-                <a:solidFill>
-                  <a:srgbClr val="DCDCCC"/>
-                </a:solidFill>
-                <a:latin typeface="Consolas" panose="020B0609020204030204" pitchFamily="49" charset="0"/>
-              </a:rPr>
-              <a:t>num</a:t>
-            </a:r>
-            <a:r>
-              <a:rPr lang="en-US" altLang="zh-TW" sz="2800" b="1" dirty="0">
-                <a:solidFill>
-                  <a:srgbClr val="9F9D6D"/>
-                </a:solidFill>
-                <a:latin typeface="Consolas" panose="020B0609020204030204" pitchFamily="49" charset="0"/>
-              </a:rPr>
-              <a:t>].</a:t>
-            </a:r>
-            <a:r>
-              <a:rPr lang="en-US" altLang="zh-TW" sz="2800" b="0" dirty="0">
-                <a:solidFill>
-                  <a:srgbClr val="DCDCCC"/>
-                </a:solidFill>
-                <a:latin typeface="Consolas" panose="020B0609020204030204" pitchFamily="49" charset="0"/>
-              </a:rPr>
-              <a:t>num </a:t>
-            </a:r>
-            <a:r>
-              <a:rPr lang="en-US" altLang="zh-TW" sz="2800" b="1" dirty="0">
-                <a:solidFill>
-                  <a:srgbClr val="9F9D6D"/>
-                </a:solidFill>
-                <a:latin typeface="Consolas" panose="020B0609020204030204" pitchFamily="49" charset="0"/>
-              </a:rPr>
-              <a:t>=</a:t>
-            </a:r>
-            <a:r>
-              <a:rPr lang="en-US" altLang="zh-TW" sz="2800" b="0" dirty="0">
-                <a:solidFill>
-                  <a:srgbClr val="DCDCCC"/>
-                </a:solidFill>
-                <a:latin typeface="Consolas" panose="020B0609020204030204" pitchFamily="49" charset="0"/>
-              </a:rPr>
-              <a:t> num</a:t>
-            </a:r>
-            <a:r>
-              <a:rPr lang="en-US" altLang="zh-TW" sz="2800" b="1" dirty="0">
-                <a:solidFill>
-                  <a:srgbClr val="9F9D6D"/>
-                </a:solidFill>
-                <a:latin typeface="Consolas" panose="020B0609020204030204" pitchFamily="49" charset="0"/>
-              </a:rPr>
-              <a:t>;</a:t>
-            </a:r>
-            <a:endParaRPr lang="en-US" altLang="zh-TW" sz="2800" b="0" dirty="0">
-              <a:solidFill>
-                <a:srgbClr val="DCDCCC"/>
-              </a:solidFill>
-              <a:latin typeface="Consolas" panose="020B0609020204030204" pitchFamily="49" charset="0"/>
-            </a:endParaRPr>
-          </a:p>
-          <a:p>
-            <a:r>
-              <a:rPr lang="en-US" altLang="zh-TW" sz="2800" b="0" dirty="0">
-                <a:solidFill>
-                  <a:srgbClr val="DCDCCC"/>
-                </a:solidFill>
-                <a:latin typeface="Consolas" panose="020B0609020204030204" pitchFamily="49" charset="0"/>
-              </a:rPr>
-              <a:t>	students</a:t>
-            </a:r>
-            <a:r>
-              <a:rPr lang="en-US" altLang="zh-TW" sz="2800" b="1" dirty="0">
-                <a:solidFill>
-                  <a:srgbClr val="9F9D6D"/>
-                </a:solidFill>
-                <a:latin typeface="Consolas" panose="020B0609020204030204" pitchFamily="49" charset="0"/>
-              </a:rPr>
-              <a:t>[</a:t>
-            </a:r>
-            <a:r>
-              <a:rPr lang="en-US" altLang="zh-TW" sz="2800" b="0" dirty="0">
-                <a:solidFill>
-                  <a:srgbClr val="DCDCCC"/>
-                </a:solidFill>
-                <a:latin typeface="Consolas" panose="020B0609020204030204" pitchFamily="49" charset="0"/>
-              </a:rPr>
-              <a:t>num</a:t>
-            </a:r>
-            <a:r>
-              <a:rPr lang="en-US" altLang="zh-TW" sz="2800" b="1" dirty="0">
-                <a:solidFill>
-                  <a:srgbClr val="9F9D6D"/>
-                </a:solidFill>
-                <a:latin typeface="Consolas" panose="020B0609020204030204" pitchFamily="49" charset="0"/>
-              </a:rPr>
-              <a:t>].</a:t>
-            </a:r>
-            <a:r>
-              <a:rPr lang="en-US" altLang="zh-TW" sz="2800" b="0" dirty="0">
-                <a:solidFill>
-                  <a:srgbClr val="DCDCCC"/>
-                </a:solidFill>
-                <a:latin typeface="Consolas" panose="020B0609020204030204" pitchFamily="49" charset="0"/>
-              </a:rPr>
-              <a:t>height </a:t>
-            </a:r>
-            <a:r>
-              <a:rPr lang="en-US" altLang="zh-TW" sz="2800" b="1" dirty="0">
-                <a:solidFill>
-                  <a:srgbClr val="9F9D6D"/>
-                </a:solidFill>
-                <a:latin typeface="Consolas" panose="020B0609020204030204" pitchFamily="49" charset="0"/>
-              </a:rPr>
-              <a:t>=</a:t>
-            </a:r>
-            <a:r>
-              <a:rPr lang="en-US" altLang="zh-TW" sz="2800" b="0" dirty="0">
-                <a:solidFill>
-                  <a:srgbClr val="DCDCCC"/>
-                </a:solidFill>
-                <a:latin typeface="Consolas" panose="020B0609020204030204" pitchFamily="49" charset="0"/>
-              </a:rPr>
-              <a:t> height</a:t>
-            </a:r>
-            <a:r>
-              <a:rPr lang="en-US" altLang="zh-TW" sz="2800" b="1" dirty="0">
-                <a:solidFill>
-                  <a:srgbClr val="9F9D6D"/>
-                </a:solidFill>
-                <a:latin typeface="Consolas" panose="020B0609020204030204" pitchFamily="49" charset="0"/>
-              </a:rPr>
-              <a:t>;</a:t>
-            </a:r>
-            <a:endParaRPr lang="en-US" altLang="zh-TW" sz="2800" b="0" dirty="0">
-              <a:solidFill>
-                <a:srgbClr val="DCDCCC"/>
-              </a:solidFill>
-              <a:latin typeface="Consolas" panose="020B0609020204030204" pitchFamily="49" charset="0"/>
-            </a:endParaRPr>
-          </a:p>
-          <a:p>
-            <a:r>
-              <a:rPr lang="en-US" altLang="zh-TW" sz="2800" b="0" dirty="0">
-                <a:solidFill>
-                  <a:srgbClr val="DCDCCC"/>
-                </a:solidFill>
-                <a:latin typeface="Consolas" panose="020B0609020204030204" pitchFamily="49" charset="0"/>
-              </a:rPr>
-              <a:t>	</a:t>
-            </a:r>
-            <a:r>
-              <a:rPr lang="en-US" altLang="zh-TW" sz="2800" b="1" dirty="0">
-                <a:solidFill>
-                  <a:srgbClr val="9F9D6D"/>
-                </a:solidFill>
-                <a:latin typeface="Consolas" panose="020B0609020204030204" pitchFamily="49" charset="0"/>
-              </a:rPr>
-              <a:t>++</a:t>
-            </a:r>
-            <a:r>
-              <a:rPr lang="en-US" altLang="zh-TW" sz="2800" b="0" dirty="0">
-                <a:solidFill>
-                  <a:srgbClr val="DCDCCC"/>
-                </a:solidFill>
-                <a:latin typeface="Consolas" panose="020B0609020204030204" pitchFamily="49" charset="0"/>
-              </a:rPr>
-              <a:t>num</a:t>
-            </a:r>
-            <a:r>
-              <a:rPr lang="en-US" altLang="zh-TW" sz="2800" b="1" dirty="0">
-                <a:solidFill>
-                  <a:srgbClr val="9F9D6D"/>
-                </a:solidFill>
-                <a:latin typeface="Consolas" panose="020B0609020204030204" pitchFamily="49" charset="0"/>
-              </a:rPr>
-              <a:t>;</a:t>
-            </a:r>
-            <a:endParaRPr lang="en-US" altLang="zh-TW" sz="2800" b="0" dirty="0">
-              <a:solidFill>
-                <a:srgbClr val="DCDCCC"/>
-              </a:solidFill>
-              <a:latin typeface="Consolas" panose="020B0609020204030204" pitchFamily="49" charset="0"/>
-            </a:endParaRPr>
-          </a:p>
-          <a:p>
-            <a:r>
-              <a:rPr lang="en-US" altLang="zh-TW" sz="2800" b="0" dirty="0">
-                <a:solidFill>
-                  <a:srgbClr val="DCDCCC"/>
-                </a:solidFill>
-                <a:latin typeface="Consolas" panose="020B0609020204030204" pitchFamily="49" charset="0"/>
-              </a:rPr>
-              <a:t>	offset </a:t>
-            </a:r>
-            <a:r>
-              <a:rPr lang="en-US" altLang="zh-TW" sz="2800" b="1" dirty="0">
-                <a:solidFill>
-                  <a:srgbClr val="9F9D6D"/>
-                </a:solidFill>
-                <a:latin typeface="Consolas" panose="020B0609020204030204" pitchFamily="49" charset="0"/>
-              </a:rPr>
-              <a:t>+=</a:t>
-            </a:r>
-            <a:r>
-              <a:rPr lang="en-US" altLang="zh-TW" sz="2800" b="0" dirty="0">
-                <a:solidFill>
-                  <a:srgbClr val="DCDCCC"/>
-                </a:solidFill>
-                <a:latin typeface="Consolas" panose="020B0609020204030204" pitchFamily="49" charset="0"/>
-              </a:rPr>
-              <a:t> n</a:t>
-            </a:r>
-            <a:r>
-              <a:rPr lang="en-US" altLang="zh-TW" sz="2800" b="1" dirty="0">
-                <a:solidFill>
-                  <a:srgbClr val="9F9D6D"/>
-                </a:solidFill>
-                <a:latin typeface="Consolas" panose="020B0609020204030204" pitchFamily="49" charset="0"/>
-              </a:rPr>
-              <a:t>;</a:t>
-            </a:r>
-            <a:endParaRPr lang="en-US" altLang="zh-TW" sz="2800" b="0" dirty="0">
-              <a:solidFill>
-                <a:srgbClr val="DCDCCC"/>
-              </a:solidFill>
-              <a:latin typeface="Consolas" panose="020B0609020204030204" pitchFamily="49" charset="0"/>
-            </a:endParaRPr>
-          </a:p>
-          <a:p>
-            <a:r>
-              <a:rPr lang="en-US" altLang="zh-TW" sz="2800" b="1" dirty="0">
-                <a:solidFill>
-                  <a:srgbClr val="9F9D6D"/>
-                </a:solidFill>
-                <a:latin typeface="Consolas" panose="020B0609020204030204" pitchFamily="49" charset="0"/>
-              </a:rPr>
-              <a:t>}</a:t>
-            </a:r>
-            <a:endParaRPr lang="zh-TW" altLang="en-US" sz="2800" b="0" dirty="0">
-              <a:solidFill>
-                <a:srgbClr val="DCDCCC"/>
-              </a:solidFill>
-              <a:latin typeface="Consolas" panose="020B0609020204030204" pitchFamily="49" charset="0"/>
-            </a:endParaRPr>
-          </a:p>
-        </p:txBody>
-      </p:sp>
-    </p:spTree>
-    <p:extLst>
-      <p:ext uri="{BB962C8B-B14F-4D97-AF65-F5344CB8AC3E}">
-        <p14:creationId xmlns:p14="http://schemas.microsoft.com/office/powerpoint/2010/main" val="1435094925"/>
       </p:ext>
     </p:extLst>
   </p:cSld>
@@ -17873,6 +18484,753 @@
           <p:cNvPr id="2" name="標題 1">
             <a:extLst>
               <a:ext uri="{FF2B5EF4-FFF2-40B4-BE49-F238E27FC236}">
+                <a16:creationId xmlns:a16="http://schemas.microsoft.com/office/drawing/2014/main" id="{654133AC-7F54-89D5-8B38-770A30CE64CE}"/>
+              </a:ext>
+            </a:extLst>
+          </p:cNvPr>
+          <p:cNvSpPr>
+            <a:spLocks noGrp="1"/>
+          </p:cNvSpPr>
+          <p:nvPr>
+            <p:ph type="title"/>
+          </p:nvPr>
+        </p:nvSpPr>
+        <p:spPr/>
+        <p:txBody>
+          <a:bodyPr/>
+          <a:lstStyle/>
+          <a:p>
+            <a:r>
+              <a:rPr lang="zh-TW" altLang="en-US" dirty="0">
+                <a:latin typeface="微軟正黑體" panose="020B0604030504040204" pitchFamily="34" charset="-120"/>
+                <a:ea typeface="微軟正黑體" panose="020B0604030504040204" pitchFamily="34" charset="-120"/>
+              </a:rPr>
+              <a:t>處理輸入</a:t>
+            </a:r>
+          </a:p>
+        </p:txBody>
+      </p:sp>
+      <p:sp>
+        <p:nvSpPr>
+          <p:cNvPr id="4" name="文字方塊 3">
+            <a:extLst>
+              <a:ext uri="{FF2B5EF4-FFF2-40B4-BE49-F238E27FC236}">
+                <a16:creationId xmlns:a16="http://schemas.microsoft.com/office/drawing/2014/main" id="{7B904F6B-B1C4-5D83-B117-390A4473B64F}"/>
+              </a:ext>
+            </a:extLst>
+          </p:cNvPr>
+          <p:cNvSpPr txBox="1"/>
+          <p:nvPr/>
+        </p:nvSpPr>
+        <p:spPr>
+          <a:xfrm>
+            <a:off x="838200" y="1690689"/>
+            <a:ext cx="10515600" cy="3970318"/>
+          </a:xfrm>
+          <a:prstGeom prst="rect">
+            <a:avLst/>
+          </a:prstGeom>
+          <a:noFill/>
+        </p:spPr>
+        <p:txBody>
+          <a:bodyPr wrap="square">
+            <a:spAutoFit/>
+          </a:bodyPr>
+          <a:lstStyle/>
+          <a:p>
+            <a:r>
+              <a:rPr lang="en-US" altLang="zh-TW" sz="2800" b="1" dirty="0">
+                <a:solidFill>
+                  <a:srgbClr val="CEDF99"/>
+                </a:solidFill>
+                <a:latin typeface="Consolas" panose="020B0609020204030204" pitchFamily="49" charset="0"/>
+              </a:rPr>
+              <a:t>int</a:t>
+            </a:r>
+            <a:r>
+              <a:rPr lang="en-US" altLang="zh-TW" sz="2800" b="0" dirty="0">
+                <a:solidFill>
+                  <a:srgbClr val="DCDCCC"/>
+                </a:solidFill>
+                <a:latin typeface="Consolas" panose="020B0609020204030204" pitchFamily="49" charset="0"/>
+              </a:rPr>
+              <a:t> offset </a:t>
+            </a:r>
+            <a:r>
+              <a:rPr lang="en-US" altLang="zh-TW" sz="2800" b="1" dirty="0">
+                <a:solidFill>
+                  <a:srgbClr val="9F9D6D"/>
+                </a:solidFill>
+                <a:latin typeface="Consolas" panose="020B0609020204030204" pitchFamily="49" charset="0"/>
+              </a:rPr>
+              <a:t>=</a:t>
+            </a:r>
+            <a:r>
+              <a:rPr lang="en-US" altLang="zh-TW" sz="2800" b="0" dirty="0">
+                <a:solidFill>
+                  <a:srgbClr val="DCDCCC"/>
+                </a:solidFill>
+                <a:latin typeface="Consolas" panose="020B0609020204030204" pitchFamily="49" charset="0"/>
+              </a:rPr>
+              <a:t> </a:t>
+            </a:r>
+            <a:r>
+              <a:rPr lang="en-US" altLang="zh-TW" sz="2800" b="0" dirty="0">
+                <a:solidFill>
+                  <a:srgbClr val="8CD0D3"/>
+                </a:solidFill>
+                <a:latin typeface="Consolas" panose="020B0609020204030204" pitchFamily="49" charset="0"/>
+              </a:rPr>
+              <a:t>0</a:t>
+            </a:r>
+            <a:r>
+              <a:rPr lang="en-US" altLang="zh-TW" sz="2800" b="1" dirty="0">
+                <a:solidFill>
+                  <a:srgbClr val="9F9D6D"/>
+                </a:solidFill>
+                <a:latin typeface="Consolas" panose="020B0609020204030204" pitchFamily="49" charset="0"/>
+              </a:rPr>
+              <a:t>,</a:t>
+            </a:r>
+            <a:r>
+              <a:rPr lang="en-US" altLang="zh-TW" sz="2800" b="0" dirty="0">
+                <a:solidFill>
+                  <a:srgbClr val="DCDCCC"/>
+                </a:solidFill>
+                <a:latin typeface="Consolas" panose="020B0609020204030204" pitchFamily="49" charset="0"/>
+              </a:rPr>
+              <a:t> n</a:t>
+            </a:r>
+            <a:r>
+              <a:rPr lang="en-US" altLang="zh-TW" sz="2800" b="1" dirty="0">
+                <a:solidFill>
+                  <a:srgbClr val="9F9D6D"/>
+                </a:solidFill>
+                <a:latin typeface="Consolas" panose="020B0609020204030204" pitchFamily="49" charset="0"/>
+              </a:rPr>
+              <a:t>,</a:t>
+            </a:r>
+            <a:r>
+              <a:rPr lang="en-US" altLang="zh-TW" sz="2800" b="0" dirty="0">
+                <a:solidFill>
+                  <a:srgbClr val="DCDCCC"/>
+                </a:solidFill>
+                <a:latin typeface="Consolas" panose="020B0609020204030204" pitchFamily="49" charset="0"/>
+              </a:rPr>
+              <a:t> height</a:t>
+            </a:r>
+            <a:r>
+              <a:rPr lang="en-US" altLang="zh-TW" sz="2800" b="1" dirty="0">
+                <a:solidFill>
+                  <a:srgbClr val="9F9D6D"/>
+                </a:solidFill>
+                <a:latin typeface="Consolas" panose="020B0609020204030204" pitchFamily="49" charset="0"/>
+              </a:rPr>
+              <a:t>,</a:t>
+            </a:r>
+            <a:r>
+              <a:rPr lang="en-US" altLang="zh-TW" sz="2800" b="0" dirty="0">
+                <a:solidFill>
+                  <a:srgbClr val="DCDCCC"/>
+                </a:solidFill>
+                <a:latin typeface="Consolas" panose="020B0609020204030204" pitchFamily="49" charset="0"/>
+              </a:rPr>
+              <a:t> num </a:t>
+            </a:r>
+            <a:r>
+              <a:rPr lang="en-US" altLang="zh-TW" sz="2800" b="1" dirty="0">
+                <a:solidFill>
+                  <a:srgbClr val="9F9D6D"/>
+                </a:solidFill>
+                <a:latin typeface="Consolas" panose="020B0609020204030204" pitchFamily="49" charset="0"/>
+              </a:rPr>
+              <a:t>=</a:t>
+            </a:r>
+            <a:r>
+              <a:rPr lang="en-US" altLang="zh-TW" sz="2800" b="0" dirty="0">
+                <a:solidFill>
+                  <a:srgbClr val="DCDCCC"/>
+                </a:solidFill>
+                <a:latin typeface="Consolas" panose="020B0609020204030204" pitchFamily="49" charset="0"/>
+              </a:rPr>
+              <a:t> </a:t>
+            </a:r>
+            <a:r>
+              <a:rPr lang="en-US" altLang="zh-TW" sz="2800" b="0" dirty="0">
+                <a:solidFill>
+                  <a:srgbClr val="8CD0D3"/>
+                </a:solidFill>
+                <a:latin typeface="Consolas" panose="020B0609020204030204" pitchFamily="49" charset="0"/>
+              </a:rPr>
+              <a:t>0</a:t>
+            </a:r>
+            <a:r>
+              <a:rPr lang="en-US" altLang="zh-TW" sz="2800" b="1" dirty="0">
+                <a:solidFill>
+                  <a:srgbClr val="9F9D6D"/>
+                </a:solidFill>
+                <a:latin typeface="Consolas" panose="020B0609020204030204" pitchFamily="49" charset="0"/>
+              </a:rPr>
+              <a:t>;</a:t>
+            </a:r>
+            <a:endParaRPr lang="en-US" altLang="zh-TW" sz="2800" b="0" dirty="0">
+              <a:solidFill>
+                <a:srgbClr val="DCDCCC"/>
+              </a:solidFill>
+              <a:latin typeface="Consolas" panose="020B0609020204030204" pitchFamily="49" charset="0"/>
+            </a:endParaRPr>
+          </a:p>
+          <a:p>
+            <a:r>
+              <a:rPr lang="en-US" altLang="zh-TW" sz="2800" b="1" dirty="0">
+                <a:solidFill>
+                  <a:srgbClr val="DFC47D"/>
+                </a:solidFill>
+                <a:latin typeface="Consolas" panose="020B0609020204030204" pitchFamily="49" charset="0"/>
+              </a:rPr>
+              <a:t>while</a:t>
+            </a:r>
+            <a:r>
+              <a:rPr lang="en-US" altLang="zh-TW" sz="2800" b="1" dirty="0">
+                <a:solidFill>
+                  <a:srgbClr val="9F9D6D"/>
+                </a:solidFill>
+                <a:latin typeface="Consolas" panose="020B0609020204030204" pitchFamily="49" charset="0"/>
+              </a:rPr>
+              <a:t>(~</a:t>
+            </a:r>
+            <a:r>
+              <a:rPr lang="en-US" altLang="zh-TW" sz="2800" b="0" dirty="0" err="1">
+                <a:solidFill>
+                  <a:srgbClr val="DCDCCC"/>
+                </a:solidFill>
+                <a:latin typeface="Consolas" panose="020B0609020204030204" pitchFamily="49" charset="0"/>
+              </a:rPr>
+              <a:t>scanf</a:t>
+            </a:r>
+            <a:r>
+              <a:rPr lang="en-US" altLang="zh-TW" sz="2800" b="1" dirty="0">
+                <a:solidFill>
+                  <a:srgbClr val="9F9D6D"/>
+                </a:solidFill>
+                <a:latin typeface="Consolas" panose="020B0609020204030204" pitchFamily="49" charset="0"/>
+              </a:rPr>
+              <a:t>(</a:t>
+            </a:r>
+            <a:r>
+              <a:rPr lang="en-US" altLang="zh-TW" sz="2800" b="0" dirty="0">
+                <a:solidFill>
+                  <a:srgbClr val="CC9393"/>
+                </a:solidFill>
+                <a:latin typeface="Consolas" panose="020B0609020204030204" pitchFamily="49" charset="0"/>
+              </a:rPr>
+              <a:t>"%d"</a:t>
+            </a:r>
+            <a:r>
+              <a:rPr lang="en-US" altLang="zh-TW" sz="2800" b="1" dirty="0">
+                <a:solidFill>
+                  <a:srgbClr val="9F9D6D"/>
+                </a:solidFill>
+                <a:latin typeface="Consolas" panose="020B0609020204030204" pitchFamily="49" charset="0"/>
+              </a:rPr>
+              <a:t>,</a:t>
+            </a:r>
+            <a:r>
+              <a:rPr lang="en-US" altLang="zh-TW" sz="2800" b="0" dirty="0">
+                <a:solidFill>
+                  <a:srgbClr val="DCDCCC"/>
+                </a:solidFill>
+                <a:latin typeface="Consolas" panose="020B0609020204030204" pitchFamily="49" charset="0"/>
+              </a:rPr>
+              <a:t> </a:t>
+            </a:r>
+            <a:r>
+              <a:rPr lang="en-US" altLang="zh-TW" sz="2800" b="1" dirty="0">
+                <a:solidFill>
+                  <a:srgbClr val="9F9D6D"/>
+                </a:solidFill>
+                <a:latin typeface="Consolas" panose="020B0609020204030204" pitchFamily="49" charset="0"/>
+              </a:rPr>
+              <a:t>&amp;</a:t>
+            </a:r>
+            <a:r>
+              <a:rPr lang="en-US" altLang="zh-TW" sz="2800" b="0" dirty="0">
+                <a:solidFill>
+                  <a:srgbClr val="DCDCCC"/>
+                </a:solidFill>
+                <a:latin typeface="Consolas" panose="020B0609020204030204" pitchFamily="49" charset="0"/>
+              </a:rPr>
+              <a:t>height</a:t>
+            </a:r>
+            <a:r>
+              <a:rPr lang="en-US" altLang="zh-TW" sz="2800" b="1" dirty="0">
+                <a:solidFill>
+                  <a:srgbClr val="9F9D6D"/>
+                </a:solidFill>
+                <a:latin typeface="Consolas" panose="020B0609020204030204" pitchFamily="49" charset="0"/>
+              </a:rPr>
+              <a:t>))</a:t>
+            </a:r>
+            <a:endParaRPr lang="en-US" altLang="zh-TW" sz="2800" b="0" dirty="0">
+              <a:solidFill>
+                <a:srgbClr val="DCDCCC"/>
+              </a:solidFill>
+              <a:latin typeface="Consolas" panose="020B0609020204030204" pitchFamily="49" charset="0"/>
+            </a:endParaRPr>
+          </a:p>
+          <a:p>
+            <a:r>
+              <a:rPr lang="en-US" altLang="zh-TW" sz="2800" b="1" dirty="0">
+                <a:solidFill>
+                  <a:srgbClr val="9F9D6D"/>
+                </a:solidFill>
+                <a:latin typeface="Consolas" panose="020B0609020204030204" pitchFamily="49" charset="0"/>
+              </a:rPr>
+              <a:t>{</a:t>
+            </a:r>
+            <a:endParaRPr lang="zh-TW" altLang="en-US" sz="2800" b="0" dirty="0">
+              <a:solidFill>
+                <a:srgbClr val="DCDCCC"/>
+              </a:solidFill>
+              <a:latin typeface="Consolas" panose="020B0609020204030204" pitchFamily="49" charset="0"/>
+            </a:endParaRPr>
+          </a:p>
+          <a:p>
+            <a:r>
+              <a:rPr lang="en-US" altLang="zh-TW" sz="2800" b="0" dirty="0">
+                <a:solidFill>
+                  <a:srgbClr val="DCDCCC"/>
+                </a:solidFill>
+                <a:latin typeface="Consolas" panose="020B0609020204030204" pitchFamily="49" charset="0"/>
+              </a:rPr>
+              <a:t>	</a:t>
+            </a:r>
+            <a:r>
+              <a:rPr lang="en-US" altLang="zh-TW" sz="2800" b="1" dirty="0">
+                <a:solidFill>
+                  <a:srgbClr val="DFC47D"/>
+                </a:solidFill>
+                <a:latin typeface="Consolas" panose="020B0609020204030204" pitchFamily="49" charset="0"/>
+              </a:rPr>
+              <a:t>if</a:t>
+            </a:r>
+            <a:r>
+              <a:rPr lang="en-US" altLang="zh-TW" sz="2800" b="0" dirty="0">
+                <a:solidFill>
+                  <a:srgbClr val="DCDCCC"/>
+                </a:solidFill>
+                <a:latin typeface="Consolas" panose="020B0609020204030204" pitchFamily="49" charset="0"/>
+              </a:rPr>
+              <a:t> </a:t>
+            </a:r>
+            <a:r>
+              <a:rPr lang="en-US" altLang="zh-TW" sz="2800" b="1" dirty="0">
+                <a:solidFill>
+                  <a:srgbClr val="9F9D6D"/>
+                </a:solidFill>
+                <a:latin typeface="Consolas" panose="020B0609020204030204" pitchFamily="49" charset="0"/>
+              </a:rPr>
+              <a:t>(</a:t>
+            </a:r>
+            <a:r>
+              <a:rPr lang="en-US" altLang="zh-TW" sz="2800" b="0" dirty="0" err="1">
+                <a:solidFill>
+                  <a:srgbClr val="DCDCCC"/>
+                </a:solidFill>
+                <a:latin typeface="Consolas" panose="020B0609020204030204" pitchFamily="49" charset="0"/>
+              </a:rPr>
+              <a:t>getchar</a:t>
+            </a:r>
+            <a:r>
+              <a:rPr lang="en-US" altLang="zh-TW" sz="2800" b="1" dirty="0">
+                <a:solidFill>
+                  <a:srgbClr val="9F9D6D"/>
+                </a:solidFill>
+                <a:latin typeface="Consolas" panose="020B0609020204030204" pitchFamily="49" charset="0"/>
+              </a:rPr>
+              <a:t>()</a:t>
+            </a:r>
+            <a:r>
+              <a:rPr lang="en-US" altLang="zh-TW" sz="2800" b="0" dirty="0">
+                <a:solidFill>
+                  <a:srgbClr val="DCDCCC"/>
+                </a:solidFill>
+                <a:latin typeface="Consolas" panose="020B0609020204030204" pitchFamily="49" charset="0"/>
+              </a:rPr>
+              <a:t> </a:t>
+            </a:r>
+            <a:r>
+              <a:rPr lang="en-US" altLang="zh-TW" sz="2800" b="1" dirty="0">
+                <a:solidFill>
+                  <a:srgbClr val="9F9D6D"/>
+                </a:solidFill>
+                <a:latin typeface="Consolas" panose="020B0609020204030204" pitchFamily="49" charset="0"/>
+              </a:rPr>
+              <a:t>==</a:t>
+            </a:r>
+            <a:r>
+              <a:rPr lang="en-US" altLang="zh-TW" sz="2800" b="0" dirty="0">
+                <a:solidFill>
+                  <a:srgbClr val="DCDCCC"/>
+                </a:solidFill>
+                <a:latin typeface="Consolas" panose="020B0609020204030204" pitchFamily="49" charset="0"/>
+              </a:rPr>
+              <a:t> </a:t>
+            </a:r>
+            <a:r>
+              <a:rPr lang="en-US" altLang="zh-TW" sz="2800" b="0" dirty="0">
+                <a:solidFill>
+                  <a:srgbClr val="DCA3A3"/>
+                </a:solidFill>
+                <a:latin typeface="Consolas" panose="020B0609020204030204" pitchFamily="49" charset="0"/>
+              </a:rPr>
+              <a:t>'\n'</a:t>
+            </a:r>
+            <a:r>
+              <a:rPr lang="en-US" altLang="zh-TW" sz="2800" b="1" dirty="0">
+                <a:solidFill>
+                  <a:srgbClr val="9F9D6D"/>
+                </a:solidFill>
+                <a:latin typeface="Consolas" panose="020B0609020204030204" pitchFamily="49" charset="0"/>
+              </a:rPr>
+              <a:t>)</a:t>
+            </a:r>
+            <a:r>
+              <a:rPr lang="en-US" altLang="zh-TW" sz="2800" b="0" dirty="0">
+                <a:solidFill>
+                  <a:srgbClr val="DCDCCC"/>
+                </a:solidFill>
+                <a:latin typeface="Consolas" panose="020B0609020204030204" pitchFamily="49" charset="0"/>
+              </a:rPr>
+              <a:t> </a:t>
+            </a:r>
+            <a:r>
+              <a:rPr lang="en-US" altLang="zh-TW" sz="2800" b="1" dirty="0">
+                <a:solidFill>
+                  <a:srgbClr val="DFC47D"/>
+                </a:solidFill>
+                <a:latin typeface="Consolas" panose="020B0609020204030204" pitchFamily="49" charset="0"/>
+              </a:rPr>
+              <a:t>break</a:t>
+            </a:r>
+            <a:r>
+              <a:rPr lang="en-US" altLang="zh-TW" sz="2800" b="1" dirty="0">
+                <a:solidFill>
+                  <a:srgbClr val="9F9D6D"/>
+                </a:solidFill>
+                <a:latin typeface="Consolas" panose="020B0609020204030204" pitchFamily="49" charset="0"/>
+              </a:rPr>
+              <a:t>;</a:t>
+            </a:r>
+            <a:endParaRPr lang="en-US" altLang="zh-TW" sz="2800" b="0" dirty="0">
+              <a:solidFill>
+                <a:srgbClr val="DCDCCC"/>
+              </a:solidFill>
+              <a:latin typeface="Consolas" panose="020B0609020204030204" pitchFamily="49" charset="0"/>
+            </a:endParaRPr>
+          </a:p>
+          <a:p>
+            <a:r>
+              <a:rPr lang="en-US" altLang="zh-TW" sz="2800" b="0" dirty="0">
+                <a:solidFill>
+                  <a:srgbClr val="DCDCCC"/>
+                </a:solidFill>
+                <a:latin typeface="Consolas" panose="020B0609020204030204" pitchFamily="49" charset="0"/>
+              </a:rPr>
+              <a:t>	students</a:t>
+            </a:r>
+            <a:r>
+              <a:rPr lang="en-US" altLang="zh-TW" sz="2800" b="1" dirty="0">
+                <a:solidFill>
+                  <a:srgbClr val="9F9D6D"/>
+                </a:solidFill>
+                <a:latin typeface="Consolas" panose="020B0609020204030204" pitchFamily="49" charset="0"/>
+              </a:rPr>
+              <a:t>[</a:t>
+            </a:r>
+            <a:r>
+              <a:rPr lang="en-US" altLang="zh-TW" sz="2800" b="0" dirty="0">
+                <a:solidFill>
+                  <a:srgbClr val="DCDCCC"/>
+                </a:solidFill>
+                <a:latin typeface="Consolas" panose="020B0609020204030204" pitchFamily="49" charset="0"/>
+              </a:rPr>
+              <a:t>num</a:t>
+            </a:r>
+            <a:r>
+              <a:rPr lang="en-US" altLang="zh-TW" sz="2800" b="1" dirty="0">
+                <a:solidFill>
+                  <a:srgbClr val="9F9D6D"/>
+                </a:solidFill>
+                <a:latin typeface="Consolas" panose="020B0609020204030204" pitchFamily="49" charset="0"/>
+              </a:rPr>
+              <a:t>].</a:t>
+            </a:r>
+            <a:r>
+              <a:rPr lang="en-US" altLang="zh-TW" sz="2800" b="0" dirty="0">
+                <a:solidFill>
+                  <a:srgbClr val="DCDCCC"/>
+                </a:solidFill>
+                <a:latin typeface="Consolas" panose="020B0609020204030204" pitchFamily="49" charset="0"/>
+              </a:rPr>
+              <a:t>num </a:t>
+            </a:r>
+            <a:r>
+              <a:rPr lang="en-US" altLang="zh-TW" sz="2800" b="1" dirty="0">
+                <a:solidFill>
+                  <a:srgbClr val="9F9D6D"/>
+                </a:solidFill>
+                <a:latin typeface="Consolas" panose="020B0609020204030204" pitchFamily="49" charset="0"/>
+              </a:rPr>
+              <a:t>=</a:t>
+            </a:r>
+            <a:r>
+              <a:rPr lang="en-US" altLang="zh-TW" sz="2800" b="0" dirty="0">
+                <a:solidFill>
+                  <a:srgbClr val="DCDCCC"/>
+                </a:solidFill>
+                <a:latin typeface="Consolas" panose="020B0609020204030204" pitchFamily="49" charset="0"/>
+              </a:rPr>
+              <a:t> num</a:t>
+            </a:r>
+            <a:r>
+              <a:rPr lang="en-US" altLang="zh-TW" sz="2800" b="1" dirty="0">
+                <a:solidFill>
+                  <a:srgbClr val="9F9D6D"/>
+                </a:solidFill>
+                <a:latin typeface="Consolas" panose="020B0609020204030204" pitchFamily="49" charset="0"/>
+              </a:rPr>
+              <a:t>;</a:t>
+            </a:r>
+            <a:endParaRPr lang="en-US" altLang="zh-TW" sz="2800" b="0" dirty="0">
+              <a:solidFill>
+                <a:srgbClr val="DCDCCC"/>
+              </a:solidFill>
+              <a:latin typeface="Consolas" panose="020B0609020204030204" pitchFamily="49" charset="0"/>
+            </a:endParaRPr>
+          </a:p>
+          <a:p>
+            <a:r>
+              <a:rPr lang="en-US" altLang="zh-TW" sz="2800" b="0" dirty="0">
+                <a:solidFill>
+                  <a:srgbClr val="DCDCCC"/>
+                </a:solidFill>
+                <a:latin typeface="Consolas" panose="020B0609020204030204" pitchFamily="49" charset="0"/>
+              </a:rPr>
+              <a:t>	students</a:t>
+            </a:r>
+            <a:r>
+              <a:rPr lang="en-US" altLang="zh-TW" sz="2800" b="1" dirty="0">
+                <a:solidFill>
+                  <a:srgbClr val="9F9D6D"/>
+                </a:solidFill>
+                <a:latin typeface="Consolas" panose="020B0609020204030204" pitchFamily="49" charset="0"/>
+              </a:rPr>
+              <a:t>[</a:t>
+            </a:r>
+            <a:r>
+              <a:rPr lang="en-US" altLang="zh-TW" sz="2800" b="0" dirty="0">
+                <a:solidFill>
+                  <a:srgbClr val="DCDCCC"/>
+                </a:solidFill>
+                <a:latin typeface="Consolas" panose="020B0609020204030204" pitchFamily="49" charset="0"/>
+              </a:rPr>
+              <a:t>num</a:t>
+            </a:r>
+            <a:r>
+              <a:rPr lang="en-US" altLang="zh-TW" sz="2800" b="1" dirty="0">
+                <a:solidFill>
+                  <a:srgbClr val="9F9D6D"/>
+                </a:solidFill>
+                <a:latin typeface="Consolas" panose="020B0609020204030204" pitchFamily="49" charset="0"/>
+              </a:rPr>
+              <a:t>].</a:t>
+            </a:r>
+            <a:r>
+              <a:rPr lang="en-US" altLang="zh-TW" sz="2800" b="0" dirty="0">
+                <a:solidFill>
+                  <a:srgbClr val="DCDCCC"/>
+                </a:solidFill>
+                <a:latin typeface="Consolas" panose="020B0609020204030204" pitchFamily="49" charset="0"/>
+              </a:rPr>
+              <a:t>height </a:t>
+            </a:r>
+            <a:r>
+              <a:rPr lang="en-US" altLang="zh-TW" sz="2800" b="1" dirty="0">
+                <a:solidFill>
+                  <a:srgbClr val="9F9D6D"/>
+                </a:solidFill>
+                <a:latin typeface="Consolas" panose="020B0609020204030204" pitchFamily="49" charset="0"/>
+              </a:rPr>
+              <a:t>=</a:t>
+            </a:r>
+            <a:r>
+              <a:rPr lang="en-US" altLang="zh-TW" sz="2800" b="0" dirty="0">
+                <a:solidFill>
+                  <a:srgbClr val="DCDCCC"/>
+                </a:solidFill>
+                <a:latin typeface="Consolas" panose="020B0609020204030204" pitchFamily="49" charset="0"/>
+              </a:rPr>
+              <a:t> height</a:t>
+            </a:r>
+            <a:r>
+              <a:rPr lang="en-US" altLang="zh-TW" sz="2800" b="1" dirty="0">
+                <a:solidFill>
+                  <a:srgbClr val="9F9D6D"/>
+                </a:solidFill>
+                <a:latin typeface="Consolas" panose="020B0609020204030204" pitchFamily="49" charset="0"/>
+              </a:rPr>
+              <a:t>;</a:t>
+            </a:r>
+            <a:endParaRPr lang="en-US" altLang="zh-TW" sz="2800" b="0" dirty="0">
+              <a:solidFill>
+                <a:srgbClr val="DCDCCC"/>
+              </a:solidFill>
+              <a:latin typeface="Consolas" panose="020B0609020204030204" pitchFamily="49" charset="0"/>
+            </a:endParaRPr>
+          </a:p>
+          <a:p>
+            <a:r>
+              <a:rPr lang="en-US" altLang="zh-TW" sz="2800" b="0" dirty="0">
+                <a:solidFill>
+                  <a:srgbClr val="DCDCCC"/>
+                </a:solidFill>
+                <a:latin typeface="Consolas" panose="020B0609020204030204" pitchFamily="49" charset="0"/>
+              </a:rPr>
+              <a:t>	</a:t>
+            </a:r>
+            <a:r>
+              <a:rPr lang="en-US" altLang="zh-TW" sz="2800" b="1" dirty="0">
+                <a:solidFill>
+                  <a:srgbClr val="9F9D6D"/>
+                </a:solidFill>
+                <a:latin typeface="Consolas" panose="020B0609020204030204" pitchFamily="49" charset="0"/>
+              </a:rPr>
+              <a:t>++</a:t>
+            </a:r>
+            <a:r>
+              <a:rPr lang="en-US" altLang="zh-TW" sz="2800" b="0" dirty="0">
+                <a:solidFill>
+                  <a:srgbClr val="DCDCCC"/>
+                </a:solidFill>
+                <a:latin typeface="Consolas" panose="020B0609020204030204" pitchFamily="49" charset="0"/>
+              </a:rPr>
+              <a:t>num</a:t>
+            </a:r>
+            <a:r>
+              <a:rPr lang="en-US" altLang="zh-TW" sz="2800" b="1" dirty="0">
+                <a:solidFill>
+                  <a:srgbClr val="9F9D6D"/>
+                </a:solidFill>
+                <a:latin typeface="Consolas" panose="020B0609020204030204" pitchFamily="49" charset="0"/>
+              </a:rPr>
+              <a:t>;</a:t>
+            </a:r>
+            <a:endParaRPr lang="en-US" altLang="zh-TW" sz="2800" b="0" dirty="0">
+              <a:solidFill>
+                <a:srgbClr val="DCDCCC"/>
+              </a:solidFill>
+              <a:latin typeface="Consolas" panose="020B0609020204030204" pitchFamily="49" charset="0"/>
+            </a:endParaRPr>
+          </a:p>
+          <a:p>
+            <a:r>
+              <a:rPr lang="en-US" altLang="zh-TW" sz="2800" b="0" dirty="0">
+                <a:solidFill>
+                  <a:srgbClr val="DCDCCC"/>
+                </a:solidFill>
+                <a:latin typeface="Consolas" panose="020B0609020204030204" pitchFamily="49" charset="0"/>
+              </a:rPr>
+              <a:t>	offset </a:t>
+            </a:r>
+            <a:r>
+              <a:rPr lang="en-US" altLang="zh-TW" sz="2800" b="1" dirty="0">
+                <a:solidFill>
+                  <a:srgbClr val="9F9D6D"/>
+                </a:solidFill>
+                <a:latin typeface="Consolas" panose="020B0609020204030204" pitchFamily="49" charset="0"/>
+              </a:rPr>
+              <a:t>+=</a:t>
+            </a:r>
+            <a:r>
+              <a:rPr lang="en-US" altLang="zh-TW" sz="2800" b="0" dirty="0">
+                <a:solidFill>
+                  <a:srgbClr val="DCDCCC"/>
+                </a:solidFill>
+                <a:latin typeface="Consolas" panose="020B0609020204030204" pitchFamily="49" charset="0"/>
+              </a:rPr>
+              <a:t> n</a:t>
+            </a:r>
+            <a:r>
+              <a:rPr lang="en-US" altLang="zh-TW" sz="2800" b="1" dirty="0">
+                <a:solidFill>
+                  <a:srgbClr val="9F9D6D"/>
+                </a:solidFill>
+                <a:latin typeface="Consolas" panose="020B0609020204030204" pitchFamily="49" charset="0"/>
+              </a:rPr>
+              <a:t>;</a:t>
+            </a:r>
+            <a:endParaRPr lang="en-US" altLang="zh-TW" sz="2800" b="0" dirty="0">
+              <a:solidFill>
+                <a:srgbClr val="DCDCCC"/>
+              </a:solidFill>
+              <a:latin typeface="Consolas" panose="020B0609020204030204" pitchFamily="49" charset="0"/>
+            </a:endParaRPr>
+          </a:p>
+          <a:p>
+            <a:r>
+              <a:rPr lang="en-US" altLang="zh-TW" sz="2800" b="1" dirty="0">
+                <a:solidFill>
+                  <a:srgbClr val="9F9D6D"/>
+                </a:solidFill>
+                <a:latin typeface="Consolas" panose="020B0609020204030204" pitchFamily="49" charset="0"/>
+              </a:rPr>
+              <a:t>}</a:t>
+            </a:r>
+            <a:endParaRPr lang="zh-TW" altLang="en-US" sz="2800" b="0" dirty="0">
+              <a:solidFill>
+                <a:srgbClr val="DCDCCC"/>
+              </a:solidFill>
+              <a:latin typeface="Consolas" panose="020B0609020204030204" pitchFamily="49" charset="0"/>
+            </a:endParaRPr>
+          </a:p>
+        </p:txBody>
+      </p:sp>
+    </p:spTree>
+    <p:extLst>
+      <p:ext uri="{BB962C8B-B14F-4D97-AF65-F5344CB8AC3E}">
+        <p14:creationId xmlns:p14="http://schemas.microsoft.com/office/powerpoint/2010/main" val="1435094925"/>
+      </p:ext>
+    </p:extLst>
+  </p:cSld>
+  <p:clrMapOvr>
+    <a:masterClrMapping/>
+  </p:clrMapOvr>
+</p:sld>
+</file>
+
+<file path=ppt/slides/slide41.xml><?xml version="1.0" encoding="utf-8"?>
+<p:sld xmlns:a="http://schemas.openxmlformats.org/drawingml/2006/main" xmlns:r="http://schemas.openxmlformats.org/officeDocument/2006/relationships" xmlns:p="http://schemas.openxmlformats.org/presentationml/2006/main">
+  <p:cSld>
+    <p:spTree>
+      <p:nvGrpSpPr>
+        <p:cNvPr id="1" name=""/>
+        <p:cNvGrpSpPr/>
+        <p:nvPr/>
+      </p:nvGrpSpPr>
+      <p:grpSpPr>
+        <a:xfrm>
+          <a:off x="0" y="0"/>
+          <a:ext cx="0" cy="0"/>
+          <a:chOff x="0" y="0"/>
+          <a:chExt cx="0" cy="0"/>
+        </a:xfrm>
+      </p:grpSpPr>
+      <p:sp>
+        <p:nvSpPr>
+          <p:cNvPr id="2" name="標題 1">
+            <a:extLst>
+              <a:ext uri="{FF2B5EF4-FFF2-40B4-BE49-F238E27FC236}">
                 <a16:creationId xmlns:a16="http://schemas.microsoft.com/office/drawing/2014/main" id="{58255700-67C1-4CFC-B41F-03068EF8D33F}"/>
               </a:ext>
             </a:extLst>
@@ -18152,7 +19510,7 @@
 </p:sld>
 </file>
 
-<file path=ppt/slides/slide41.xml><?xml version="1.0" encoding="utf-8"?>
+<file path=ppt/slides/slide42.xml><?xml version="1.0" encoding="utf-8"?>
 <p:sld xmlns:a="http://schemas.openxmlformats.org/drawingml/2006/main" xmlns:r="http://schemas.openxmlformats.org/officeDocument/2006/relationships" xmlns:p="http://schemas.openxmlformats.org/presentationml/2006/main">
   <p:cSld>
     <p:spTree>
@@ -19150,7 +20508,317 @@
 </p:sld>
 </file>
 
-<file path=ppt/slides/slide42.xml><?xml version="1.0" encoding="utf-8"?>
+<file path=ppt/slides/slide43.xml><?xml version="1.0" encoding="utf-8"?>
+<p:sld xmlns:a="http://schemas.openxmlformats.org/drawingml/2006/main" xmlns:r="http://schemas.openxmlformats.org/officeDocument/2006/relationships" xmlns:p="http://schemas.openxmlformats.org/presentationml/2006/main">
+  <p:cSld>
+    <p:spTree>
+      <p:nvGrpSpPr>
+        <p:cNvPr id="1" name=""/>
+        <p:cNvGrpSpPr/>
+        <p:nvPr/>
+      </p:nvGrpSpPr>
+      <p:grpSpPr>
+        <a:xfrm>
+          <a:off x="0" y="0"/>
+          <a:ext cx="0" cy="0"/>
+          <a:chOff x="0" y="0"/>
+          <a:chExt cx="0" cy="0"/>
+        </a:xfrm>
+      </p:grpSpPr>
+      <p:sp>
+        <p:nvSpPr>
+          <p:cNvPr id="3" name="內容版面配置區 2">
+            <a:extLst>
+              <a:ext uri="{FF2B5EF4-FFF2-40B4-BE49-F238E27FC236}">
+                <a16:creationId xmlns:a16="http://schemas.microsoft.com/office/drawing/2014/main" id="{11070C18-7CDA-762B-034C-DF9449F8C0B0}"/>
+              </a:ext>
+            </a:extLst>
+          </p:cNvPr>
+          <p:cNvSpPr>
+            <a:spLocks noGrp="1"/>
+          </p:cNvSpPr>
+          <p:nvPr>
+            <p:ph idx="1"/>
+          </p:nvPr>
+        </p:nvSpPr>
+        <p:spPr/>
+        <p:txBody>
+          <a:bodyPr/>
+          <a:lstStyle/>
+          <a:p>
+            <a:r>
+              <a:rPr lang="zh-TW" altLang="en-US" dirty="0">
+                <a:latin typeface="Consolas" panose="020B0609020204030204" pitchFamily="49" charset="0"/>
+                <a:ea typeface="微軟正黑體" panose="020B0604030504040204" pitchFamily="34" charset="-120"/>
+              </a:rPr>
+              <a:t>在</a:t>
+            </a:r>
+            <a:r>
+              <a:rPr lang="en-US" altLang="zh-TW" dirty="0">
+                <a:latin typeface="Consolas" panose="020B0609020204030204" pitchFamily="49" charset="0"/>
+                <a:ea typeface="微軟正黑體" panose="020B0604030504040204" pitchFamily="34" charset="-120"/>
+              </a:rPr>
+              <a:t>terminal</a:t>
+            </a:r>
+            <a:r>
+              <a:rPr lang="zh-TW" altLang="en-US" dirty="0">
+                <a:latin typeface="Consolas" panose="020B0609020204030204" pitchFamily="49" charset="0"/>
+                <a:ea typeface="微軟正黑體" panose="020B0604030504040204" pitchFamily="34" charset="-120"/>
+              </a:rPr>
+              <a:t>上畫出方程式圖形，要畫</a:t>
+            </a:r>
+            <a:r>
+              <a:rPr lang="en-US" altLang="zh-TW" dirty="0" err="1">
+                <a:latin typeface="Consolas" panose="020B0609020204030204" pitchFamily="49" charset="0"/>
+                <a:ea typeface="微軟正黑體" panose="020B0604030504040204" pitchFamily="34" charset="-120"/>
+              </a:rPr>
+              <a:t>xy</a:t>
+            </a:r>
+            <a:r>
+              <a:rPr lang="zh-TW" altLang="en-US" dirty="0">
+                <a:latin typeface="Consolas" panose="020B0609020204030204" pitchFamily="49" charset="0"/>
+                <a:ea typeface="微軟正黑體" panose="020B0604030504040204" pitchFamily="34" charset="-120"/>
+              </a:rPr>
+              <a:t>軸。</a:t>
+            </a:r>
+          </a:p>
+        </p:txBody>
+      </p:sp>
+      <p:sp>
+        <p:nvSpPr>
+          <p:cNvPr id="4" name="標題 1">
+            <a:extLst>
+              <a:ext uri="{FF2B5EF4-FFF2-40B4-BE49-F238E27FC236}">
+                <a16:creationId xmlns:a16="http://schemas.microsoft.com/office/drawing/2014/main" id="{B3351203-1392-1963-5857-5415EA81E7D1}"/>
+              </a:ext>
+            </a:extLst>
+          </p:cNvPr>
+          <p:cNvSpPr>
+            <a:spLocks noGrp="1"/>
+          </p:cNvSpPr>
+          <p:nvPr>
+            <p:ph type="title"/>
+          </p:nvPr>
+        </p:nvSpPr>
+        <p:spPr>
+          <a:xfrm>
+            <a:off x="838200" y="365125"/>
+            <a:ext cx="10515600" cy="1325563"/>
+          </a:xfrm>
+        </p:spPr>
+        <p:txBody>
+          <a:bodyPr/>
+          <a:lstStyle/>
+          <a:p>
+            <a:r>
+              <a:rPr lang="en-US" altLang="zh-TW" dirty="0">
+                <a:latin typeface="Consolas" panose="020B0609020204030204" pitchFamily="49" charset="0"/>
+                <a:ea typeface="微軟正黑體" panose="020B0604030504040204" pitchFamily="34" charset="-120"/>
+              </a:rPr>
+              <a:t>111 C</a:t>
+            </a:r>
+            <a:r>
+              <a:rPr lang="zh-TW" altLang="en-US" dirty="0">
+                <a:latin typeface="Consolas" panose="020B0609020204030204" pitchFamily="49" charset="0"/>
+                <a:ea typeface="微軟正黑體" panose="020B0604030504040204" pitchFamily="34" charset="-120"/>
+              </a:rPr>
+              <a:t>程 作業</a:t>
+            </a:r>
+            <a:r>
+              <a:rPr lang="en-US" altLang="zh-TW" dirty="0">
+                <a:latin typeface="Consolas" panose="020B0609020204030204" pitchFamily="49" charset="0"/>
+                <a:ea typeface="微軟正黑體" panose="020B0604030504040204" pitchFamily="34" charset="-120"/>
+              </a:rPr>
+              <a:t>5</a:t>
+            </a:r>
+            <a:r>
+              <a:rPr lang="zh-TW" altLang="en-US" dirty="0">
+                <a:latin typeface="Consolas" panose="020B0609020204030204" pitchFamily="49" charset="0"/>
+                <a:ea typeface="微軟正黑體" panose="020B0604030504040204" pitchFamily="34" charset="-120"/>
+              </a:rPr>
+              <a:t> </a:t>
+            </a:r>
+            <a:r>
+              <a:rPr lang="en-US" altLang="zh-TW" dirty="0">
+                <a:latin typeface="Consolas" panose="020B0609020204030204" pitchFamily="49" charset="0"/>
+                <a:ea typeface="微軟正黑體" panose="020B0604030504040204" pitchFamily="34" charset="-120"/>
+              </a:rPr>
+              <a:t>P2</a:t>
+            </a:r>
+            <a:endParaRPr lang="zh-TW" altLang="en-US" dirty="0">
+              <a:latin typeface="Consolas" panose="020B0609020204030204" pitchFamily="49" charset="0"/>
+              <a:ea typeface="微軟正黑體" panose="020B0604030504040204" pitchFamily="34" charset="-120"/>
+            </a:endParaRPr>
+          </a:p>
+        </p:txBody>
+      </p:sp>
+      <p:pic>
+        <p:nvPicPr>
+          <p:cNvPr id="8" name="圖片 7">
+            <a:extLst>
+              <a:ext uri="{FF2B5EF4-FFF2-40B4-BE49-F238E27FC236}">
+                <a16:creationId xmlns:a16="http://schemas.microsoft.com/office/drawing/2014/main" id="{187B44D3-95E8-DE8C-5D8F-3455438602D6}"/>
+              </a:ext>
+            </a:extLst>
+          </p:cNvPr>
+          <p:cNvPicPr>
+            <a:picLocks noChangeAspect="1"/>
+          </p:cNvPicPr>
+          <p:nvPr/>
+        </p:nvPicPr>
+        <p:blipFill>
+          <a:blip r:embed="rId2"/>
+          <a:stretch>
+            <a:fillRect/>
+          </a:stretch>
+        </p:blipFill>
+        <p:spPr>
+          <a:xfrm>
+            <a:off x="8320035" y="1148739"/>
+            <a:ext cx="3430178" cy="4706676"/>
+          </a:xfrm>
+          <a:prstGeom prst="rect">
+            <a:avLst/>
+          </a:prstGeom>
+        </p:spPr>
+      </p:pic>
+    </p:spTree>
+    <p:extLst>
+      <p:ext uri="{BB962C8B-B14F-4D97-AF65-F5344CB8AC3E}">
+        <p14:creationId xmlns:p14="http://schemas.microsoft.com/office/powerpoint/2010/main" val="197133561"/>
+      </p:ext>
+    </p:extLst>
+  </p:cSld>
+  <p:clrMapOvr>
+    <a:masterClrMapping/>
+  </p:clrMapOvr>
+</p:sld>
+</file>
+
+<file path=ppt/slides/slide44.xml><?xml version="1.0" encoding="utf-8"?>
+<p:sld xmlns:a="http://schemas.openxmlformats.org/drawingml/2006/main" xmlns:r="http://schemas.openxmlformats.org/officeDocument/2006/relationships" xmlns:p="http://schemas.openxmlformats.org/presentationml/2006/main">
+  <p:cSld>
+    <p:spTree>
+      <p:nvGrpSpPr>
+        <p:cNvPr id="1" name=""/>
+        <p:cNvGrpSpPr/>
+        <p:nvPr/>
+      </p:nvGrpSpPr>
+      <p:grpSpPr>
+        <a:xfrm>
+          <a:off x="0" y="0"/>
+          <a:ext cx="0" cy="0"/>
+          <a:chOff x="0" y="0"/>
+          <a:chExt cx="0" cy="0"/>
+        </a:xfrm>
+      </p:grpSpPr>
+      <p:sp>
+        <p:nvSpPr>
+          <p:cNvPr id="3" name="內容版面配置區 2">
+            <a:extLst>
+              <a:ext uri="{FF2B5EF4-FFF2-40B4-BE49-F238E27FC236}">
+                <a16:creationId xmlns:a16="http://schemas.microsoft.com/office/drawing/2014/main" id="{3CDE5407-57DC-1615-C91F-49AFE5E37063}"/>
+              </a:ext>
+            </a:extLst>
+          </p:cNvPr>
+          <p:cNvSpPr>
+            <a:spLocks noGrp="1"/>
+          </p:cNvSpPr>
+          <p:nvPr>
+            <p:ph idx="1"/>
+          </p:nvPr>
+        </p:nvSpPr>
+        <p:spPr/>
+        <p:txBody>
+          <a:bodyPr/>
+          <a:lstStyle/>
+          <a:p>
+            <a:endParaRPr lang="zh-TW" altLang="en-US" dirty="0"/>
+          </a:p>
+        </p:txBody>
+      </p:sp>
+      <p:sp>
+        <p:nvSpPr>
+          <p:cNvPr id="4" name="標題 1">
+            <a:extLst>
+              <a:ext uri="{FF2B5EF4-FFF2-40B4-BE49-F238E27FC236}">
+                <a16:creationId xmlns:a16="http://schemas.microsoft.com/office/drawing/2014/main" id="{7251DC3B-BB21-DB42-0B67-34FDEA14BABC}"/>
+              </a:ext>
+            </a:extLst>
+          </p:cNvPr>
+          <p:cNvSpPr>
+            <a:spLocks noGrp="1"/>
+          </p:cNvSpPr>
+          <p:nvPr>
+            <p:ph type="title"/>
+          </p:nvPr>
+        </p:nvSpPr>
+        <p:spPr>
+          <a:xfrm>
+            <a:off x="838200" y="365125"/>
+            <a:ext cx="10515600" cy="1325563"/>
+          </a:xfrm>
+        </p:spPr>
+        <p:txBody>
+          <a:bodyPr/>
+          <a:lstStyle/>
+          <a:p>
+            <a:r>
+              <a:rPr lang="en-US" altLang="zh-TW" dirty="0">
+                <a:latin typeface="Consolas" panose="020B0609020204030204" pitchFamily="49" charset="0"/>
+                <a:ea typeface="微軟正黑體" panose="020B0604030504040204" pitchFamily="34" charset="-120"/>
+              </a:rPr>
+              <a:t>111 C</a:t>
+            </a:r>
+            <a:r>
+              <a:rPr lang="zh-TW" altLang="en-US" dirty="0">
+                <a:latin typeface="Consolas" panose="020B0609020204030204" pitchFamily="49" charset="0"/>
+                <a:ea typeface="微軟正黑體" panose="020B0604030504040204" pitchFamily="34" charset="-120"/>
+              </a:rPr>
+              <a:t>程 作業</a:t>
+            </a:r>
+            <a:r>
+              <a:rPr lang="en-US" altLang="zh-TW" dirty="0">
+                <a:latin typeface="Consolas" panose="020B0609020204030204" pitchFamily="49" charset="0"/>
+                <a:ea typeface="微軟正黑體" panose="020B0604030504040204" pitchFamily="34" charset="-120"/>
+              </a:rPr>
+              <a:t>5</a:t>
+            </a:r>
+            <a:r>
+              <a:rPr lang="zh-TW" altLang="en-US" dirty="0">
+                <a:latin typeface="Consolas" panose="020B0609020204030204" pitchFamily="49" charset="0"/>
+                <a:ea typeface="微軟正黑體" panose="020B0604030504040204" pitchFamily="34" charset="-120"/>
+              </a:rPr>
+              <a:t> </a:t>
+            </a:r>
+            <a:r>
+              <a:rPr lang="en-US" altLang="zh-TW" dirty="0">
+                <a:latin typeface="Consolas" panose="020B0609020204030204" pitchFamily="49" charset="0"/>
+                <a:ea typeface="微軟正黑體" panose="020B0604030504040204" pitchFamily="34" charset="-120"/>
+              </a:rPr>
+              <a:t>P2</a:t>
+            </a:r>
+            <a:endParaRPr lang="zh-TW" altLang="en-US" dirty="0">
+              <a:latin typeface="Consolas" panose="020B0609020204030204" pitchFamily="49" charset="0"/>
+              <a:ea typeface="微軟正黑體" panose="020B0604030504040204" pitchFamily="34" charset="-120"/>
+            </a:endParaRPr>
+          </a:p>
+        </p:txBody>
+      </p:sp>
+    </p:spTree>
+    <p:extLst>
+      <p:ext uri="{BB962C8B-B14F-4D97-AF65-F5344CB8AC3E}">
+        <p14:creationId xmlns:p14="http://schemas.microsoft.com/office/powerpoint/2010/main" val="3054376300"/>
+      </p:ext>
+    </p:extLst>
+  </p:cSld>
+  <p:clrMapOvr>
+    <a:masterClrMapping/>
+  </p:clrMapOvr>
+</p:sld>
+</file>
+
+<file path=ppt/slides/slide45.xml><?xml version="1.0" encoding="utf-8"?>
 <p:sld xmlns:a="http://schemas.openxmlformats.org/drawingml/2006/main" xmlns:r="http://schemas.openxmlformats.org/officeDocument/2006/relationships" xmlns:p="http://schemas.openxmlformats.org/presentationml/2006/main">
   <p:cSld>
     <p:spTree>
@@ -19219,7 +20887,7 @@
 </p:sld>
 </file>
 
-<file path=ppt/slides/slide43.xml><?xml version="1.0" encoding="utf-8"?>
+<file path=ppt/slides/slide46.xml><?xml version="1.0" encoding="utf-8"?>
 <p:sld xmlns:a="http://schemas.openxmlformats.org/drawingml/2006/main" xmlns:r="http://schemas.openxmlformats.org/officeDocument/2006/relationships" xmlns:p="http://schemas.openxmlformats.org/presentationml/2006/main">
   <p:cSld>
     <p:spTree>
@@ -19342,7 +21010,7 @@
 </p:sld>
 </file>
 
-<file path=ppt/slides/slide44.xml><?xml version="1.0" encoding="utf-8"?>
+<file path=ppt/slides/slide47.xml><?xml version="1.0" encoding="utf-8"?>
 <p:sld xmlns:a="http://schemas.openxmlformats.org/drawingml/2006/main" xmlns:r="http://schemas.openxmlformats.org/officeDocument/2006/relationships" xmlns:p="http://schemas.openxmlformats.org/presentationml/2006/main">
   <p:cSld>
     <p:spTree>
@@ -19501,7 +21169,7 @@
 </p:sld>
 </file>
 
-<file path=ppt/slides/slide45.xml><?xml version="1.0" encoding="utf-8"?>
+<file path=ppt/slides/slide48.xml><?xml version="1.0" encoding="utf-8"?>
 <p:sld xmlns:a="http://schemas.openxmlformats.org/drawingml/2006/main" xmlns:r="http://schemas.openxmlformats.org/officeDocument/2006/relationships" xmlns:p="http://schemas.openxmlformats.org/presentationml/2006/main">
   <p:cSld>
     <p:spTree>

--- a/Ch1/Ch1-basic.pptx
+++ b/Ch1/Ch1-basic.pptx
@@ -473,7 +473,7 @@
           <a:p>
             <a:fld id="{5CA1DE25-5FDD-4627-8F1B-8C59CC04B9FE}" type="datetimeFigureOut">
               <a:rPr lang="zh-TW" altLang="en-US" smtClean="0"/>
-              <a:t>2022/11/10</a:t>
+              <a:t>2022/11/11</a:t>
             </a:fld>
             <a:endParaRPr lang="zh-TW" altLang="en-US"/>
           </a:p>
@@ -1775,7 +1775,7 @@
           <a:p>
             <a:fld id="{ABB345C4-D81E-4C8D-86A1-B639E123A710}" type="datetimeFigureOut">
               <a:rPr lang="zh-TW" altLang="en-US" smtClean="0"/>
-              <a:t>2022/11/10</a:t>
+              <a:t>2022/11/11</a:t>
             </a:fld>
             <a:endParaRPr lang="zh-TW" altLang="en-US"/>
           </a:p>
@@ -1945,7 +1945,7 @@
           <a:p>
             <a:fld id="{ABB345C4-D81E-4C8D-86A1-B639E123A710}" type="datetimeFigureOut">
               <a:rPr lang="zh-TW" altLang="en-US" smtClean="0"/>
-              <a:t>2022/11/10</a:t>
+              <a:t>2022/11/11</a:t>
             </a:fld>
             <a:endParaRPr lang="zh-TW" altLang="en-US"/>
           </a:p>
@@ -2125,7 +2125,7 @@
           <a:p>
             <a:fld id="{ABB345C4-D81E-4C8D-86A1-B639E123A710}" type="datetimeFigureOut">
               <a:rPr lang="zh-TW" altLang="en-US" smtClean="0"/>
-              <a:t>2022/11/10</a:t>
+              <a:t>2022/11/11</a:t>
             </a:fld>
             <a:endParaRPr lang="zh-TW" altLang="en-US"/>
           </a:p>
@@ -2295,7 +2295,7 @@
           <a:p>
             <a:fld id="{ABB345C4-D81E-4C8D-86A1-B639E123A710}" type="datetimeFigureOut">
               <a:rPr lang="zh-TW" altLang="en-US" smtClean="0"/>
-              <a:t>2022/11/10</a:t>
+              <a:t>2022/11/11</a:t>
             </a:fld>
             <a:endParaRPr lang="zh-TW" altLang="en-US"/>
           </a:p>
@@ -2541,7 +2541,7 @@
           <a:p>
             <a:fld id="{ABB345C4-D81E-4C8D-86A1-B639E123A710}" type="datetimeFigureOut">
               <a:rPr lang="zh-TW" altLang="en-US" smtClean="0"/>
-              <a:t>2022/11/10</a:t>
+              <a:t>2022/11/11</a:t>
             </a:fld>
             <a:endParaRPr lang="zh-TW" altLang="en-US"/>
           </a:p>
@@ -2773,7 +2773,7 @@
           <a:p>
             <a:fld id="{ABB345C4-D81E-4C8D-86A1-B639E123A710}" type="datetimeFigureOut">
               <a:rPr lang="zh-TW" altLang="en-US" smtClean="0"/>
-              <a:t>2022/11/10</a:t>
+              <a:t>2022/11/11</a:t>
             </a:fld>
             <a:endParaRPr lang="zh-TW" altLang="en-US"/>
           </a:p>
@@ -3140,7 +3140,7 @@
           <a:p>
             <a:fld id="{ABB345C4-D81E-4C8D-86A1-B639E123A710}" type="datetimeFigureOut">
               <a:rPr lang="zh-TW" altLang="en-US" smtClean="0"/>
-              <a:t>2022/11/10</a:t>
+              <a:t>2022/11/11</a:t>
             </a:fld>
             <a:endParaRPr lang="zh-TW" altLang="en-US"/>
           </a:p>
@@ -3258,7 +3258,7 @@
           <a:p>
             <a:fld id="{ABB345C4-D81E-4C8D-86A1-B639E123A710}" type="datetimeFigureOut">
               <a:rPr lang="zh-TW" altLang="en-US" smtClean="0"/>
-              <a:t>2022/11/10</a:t>
+              <a:t>2022/11/11</a:t>
             </a:fld>
             <a:endParaRPr lang="zh-TW" altLang="en-US"/>
           </a:p>
@@ -3353,7 +3353,7 @@
           <a:p>
             <a:fld id="{ABB345C4-D81E-4C8D-86A1-B639E123A710}" type="datetimeFigureOut">
               <a:rPr lang="zh-TW" altLang="en-US" smtClean="0"/>
-              <a:t>2022/11/10</a:t>
+              <a:t>2022/11/11</a:t>
             </a:fld>
             <a:endParaRPr lang="zh-TW" altLang="en-US"/>
           </a:p>
@@ -3630,7 +3630,7 @@
           <a:p>
             <a:fld id="{ABB345C4-D81E-4C8D-86A1-B639E123A710}" type="datetimeFigureOut">
               <a:rPr lang="zh-TW" altLang="en-US" smtClean="0"/>
-              <a:t>2022/11/10</a:t>
+              <a:t>2022/11/11</a:t>
             </a:fld>
             <a:endParaRPr lang="zh-TW" altLang="en-US"/>
           </a:p>
@@ -3887,7 +3887,7 @@
           <a:p>
             <a:fld id="{ABB345C4-D81E-4C8D-86A1-B639E123A710}" type="datetimeFigureOut">
               <a:rPr lang="zh-TW" altLang="en-US" smtClean="0"/>
-              <a:t>2022/11/10</a:t>
+              <a:t>2022/11/11</a:t>
             </a:fld>
             <a:endParaRPr lang="zh-TW" altLang="en-US"/>
           </a:p>
@@ -4100,7 +4100,7 @@
           <a:p>
             <a:fld id="{ABB345C4-D81E-4C8D-86A1-B639E123A710}" type="datetimeFigureOut">
               <a:rPr lang="zh-TW" altLang="en-US" smtClean="0"/>
-              <a:t>2022/11/10</a:t>
+              <a:t>2022/11/11</a:t>
             </a:fld>
             <a:endParaRPr lang="zh-TW" altLang="en-US"/>
           </a:p>
@@ -25100,8 +25100,8 @@
           </a:p>
         </p:txBody>
       </p:sp>
-      <mc:AlternateContent xmlns:mc="http://schemas.openxmlformats.org/markup-compatibility/2006">
-        <mc:Choice xmlns:p14="http://schemas.microsoft.com/office/powerpoint/2010/main" Requires="p14">
+      <mc:AlternateContent xmlns:mc="http://schemas.openxmlformats.org/markup-compatibility/2006" xmlns:p14="http://schemas.microsoft.com/office/powerpoint/2010/main">
+        <mc:Choice Requires="p14">
           <p:contentPart p14:bwMode="auto" r:id="rId2">
             <p14:nvContentPartPr>
               <p14:cNvPr id="9" name="筆跡 8">
@@ -25120,7 +25120,7 @@
             </p14:xfrm>
           </p:contentPart>
         </mc:Choice>
-        <mc:Fallback>
+        <mc:Fallback xmlns="">
           <p:pic>
             <p:nvPicPr>
               <p:cNvPr id="9" name="筆跡 8">

--- a/Ch1/Ch1-basic.pptx
+++ b/Ch1/Ch1-basic.pptx
@@ -308,7 +308,7 @@
           <a:p>
             <a:fld id="{5CA1DE25-5FDD-4627-8F1B-8C59CC04B9FE}" type="datetimeFigureOut">
               <a:rPr lang="zh-TW" altLang="en-US" smtClean="0"/>
-              <a:t>2022/11/15</a:t>
+              <a:t>2022/11/17</a:t>
             </a:fld>
             <a:endParaRPr lang="zh-TW" altLang="en-US"/>
           </a:p>
@@ -621,35 +621,7 @@
           <a:p>
             <a:r>
               <a:rPr lang="zh-TW" altLang="en-US" dirty="0"/>
-              <a:t>第一件要講的是</a:t>
-            </a:r>
-            <a:r>
-              <a:rPr lang="en-US" altLang="zh-TW" dirty="0"/>
-              <a:t>915</a:t>
-            </a:r>
-            <a:r>
-              <a:rPr lang="zh-TW" altLang="en-US" dirty="0"/>
-              <a:t>給的</a:t>
-            </a:r>
-            <a:r>
-              <a:rPr lang="en-US" altLang="zh-TW" dirty="0"/>
-              <a:t>c/</a:t>
-            </a:r>
-            <a:r>
-              <a:rPr lang="en-US" altLang="zh-TW" dirty="0" err="1"/>
-              <a:t>c++</a:t>
-            </a:r>
-            <a:r>
-              <a:rPr lang="zh-TW" altLang="en-US" dirty="0"/>
-              <a:t> </a:t>
-            </a:r>
-            <a:r>
-              <a:rPr lang="en-US" altLang="zh-TW" dirty="0"/>
-              <a:t>IDE</a:t>
-            </a:r>
-            <a:r>
-              <a:rPr lang="zh-TW" altLang="en-US" dirty="0"/>
-              <a:t>。</a:t>
+              <a:t>感謝這麼多同學參加這次的課程</a:t>
             </a:r>
           </a:p>
         </p:txBody>
@@ -671,7 +643,7 @@
           <a:p>
             <a:fld id="{87ADF86C-EF33-4B2D-AB8D-9458098BBA93}" type="slidenum">
               <a:rPr lang="zh-TW" altLang="en-US" smtClean="0"/>
-              <a:t>5</a:t>
+              <a:t>1</a:t>
             </a:fld>
             <a:endParaRPr lang="zh-TW" altLang="en-US"/>
           </a:p>
@@ -680,7 +652,7 @@
     </p:spTree>
     <p:extLst>
       <p:ext uri="{BB962C8B-B14F-4D97-AF65-F5344CB8AC3E}">
-        <p14:creationId xmlns:p14="http://schemas.microsoft.com/office/powerpoint/2010/main" val="2391434028"/>
+        <p14:creationId xmlns:p14="http://schemas.microsoft.com/office/powerpoint/2010/main" val="1091838289"/>
       </p:ext>
     </p:extLst>
   </p:cSld>
@@ -736,8 +708,13 @@
           <a:p>
             <a:r>
               <a:rPr lang="zh-TW" altLang="en-US" dirty="0"/>
-              <a:t>程式演示</a:t>
-            </a:r>
+              <a:t>前言結束了，開始進入正題，</a:t>
+            </a:r>
+            <a:r>
+              <a:rPr lang="en-US" altLang="zh-TW" dirty="0"/>
+              <a:t>IO</a:t>
+            </a:r>
+            <a:endParaRPr lang="zh-TW" altLang="en-US" dirty="0"/>
           </a:p>
         </p:txBody>
       </p:sp>
@@ -758,7 +735,7 @@
           <a:p>
             <a:fld id="{87ADF86C-EF33-4B2D-AB8D-9458098BBA93}" type="slidenum">
               <a:rPr lang="zh-TW" altLang="en-US" smtClean="0"/>
-              <a:t>22</a:t>
+              <a:t>11</a:t>
             </a:fld>
             <a:endParaRPr lang="zh-TW" altLang="en-US"/>
           </a:p>
@@ -767,7 +744,7 @@
     </p:spTree>
     <p:extLst>
       <p:ext uri="{BB962C8B-B14F-4D97-AF65-F5344CB8AC3E}">
-        <p14:creationId xmlns:p14="http://schemas.microsoft.com/office/powerpoint/2010/main" val="3306528335"/>
+        <p14:creationId xmlns:p14="http://schemas.microsoft.com/office/powerpoint/2010/main" val="181460422"/>
       </p:ext>
     </p:extLst>
   </p:cSld>
@@ -821,7 +798,89 @@
           <a:bodyPr/>
           <a:lstStyle/>
           <a:p>
-            <a:endParaRPr lang="zh-TW" altLang="en-US" dirty="0"/>
+            <a:r>
+              <a:rPr lang="en-US" altLang="zh-TW" dirty="0"/>
+              <a:t>[]</a:t>
+            </a:r>
+            <a:r>
+              <a:rPr lang="zh-TW" altLang="en-US" dirty="0"/>
+              <a:t>是吃什麼字元，比如</a:t>
+            </a:r>
+            <a:r>
+              <a:rPr lang="en-US" altLang="zh-TW" dirty="0"/>
+              <a:t>%[</a:t>
+            </a:r>
+            <a:r>
+              <a:rPr lang="en-US" altLang="zh-TW" dirty="0" err="1"/>
+              <a:t>abc</a:t>
+            </a:r>
+            <a:r>
+              <a:rPr lang="en-US" altLang="zh-TW" dirty="0"/>
+              <a:t>]s</a:t>
+            </a:r>
+            <a:r>
+              <a:rPr lang="zh-TW" altLang="en-US" dirty="0"/>
+              <a:t>就只吃</a:t>
+            </a:r>
+            <a:r>
+              <a:rPr lang="en-US" altLang="zh-TW" dirty="0" err="1"/>
+              <a:t>abc</a:t>
+            </a:r>
+            <a:r>
+              <a:rPr lang="zh-TW" altLang="en-US" dirty="0"/>
+              <a:t>這三種字元，</a:t>
+            </a:r>
+            <a:r>
+              <a:rPr lang="en-US" altLang="zh-TW" dirty="0"/>
+              <a:t>%[0-9]</a:t>
+            </a:r>
+            <a:r>
+              <a:rPr lang="zh-TW" altLang="en-US" dirty="0"/>
+              <a:t>就只吃數字。</a:t>
+            </a:r>
+            <a:endParaRPr lang="en-US" altLang="zh-TW" dirty="0"/>
+          </a:p>
+          <a:p>
+            <a:r>
+              <a:rPr lang="en-US" altLang="zh-TW" dirty="0"/>
+              <a:t>[^]</a:t>
+            </a:r>
+            <a:r>
+              <a:rPr lang="zh-TW" altLang="en-US" dirty="0"/>
+              <a:t>是不吃甚麼字元，比如</a:t>
+            </a:r>
+            <a:r>
+              <a:rPr lang="en-US" altLang="zh-TW" dirty="0"/>
+              <a:t>%[^\n]s</a:t>
+            </a:r>
+            <a:r>
+              <a:rPr lang="zh-TW" altLang="en-US" dirty="0"/>
+              <a:t>就是除了</a:t>
+            </a:r>
+            <a:r>
+              <a:rPr lang="en-US" altLang="zh-TW" dirty="0"/>
+              <a:t>’\n’</a:t>
+            </a:r>
+            <a:r>
+              <a:rPr lang="zh-TW" altLang="en-US" dirty="0"/>
+              <a:t>其他都吃，</a:t>
+            </a:r>
+            <a:r>
+              <a:rPr lang="en-US" altLang="zh-TW" dirty="0"/>
+              <a:t>%[^0-9]s</a:t>
+            </a:r>
+            <a:r>
+              <a:rPr lang="zh-TW" altLang="en-US" dirty="0"/>
+              <a:t>就是除了數字其他都吃，</a:t>
+            </a:r>
+            <a:r>
+              <a:rPr lang="en-US" altLang="zh-TW" dirty="0"/>
+              <a:t>%[^a-z]s</a:t>
+            </a:r>
+            <a:r>
+              <a:rPr lang="zh-TW" altLang="en-US" dirty="0"/>
+              <a:t>就是除了小寫字母其他都吃。</a:t>
+            </a:r>
           </a:p>
         </p:txBody>
       </p:sp>
@@ -842,7 +901,7 @@
           <a:p>
             <a:fld id="{87ADF86C-EF33-4B2D-AB8D-9458098BBA93}" type="slidenum">
               <a:rPr lang="zh-TW" altLang="en-US" smtClean="0"/>
-              <a:t>23</a:t>
+              <a:t>14</a:t>
             </a:fld>
             <a:endParaRPr lang="zh-TW" altLang="en-US"/>
           </a:p>
@@ -851,7 +910,7 @@
     </p:spTree>
     <p:extLst>
       <p:ext uri="{BB962C8B-B14F-4D97-AF65-F5344CB8AC3E}">
-        <p14:creationId xmlns:p14="http://schemas.microsoft.com/office/powerpoint/2010/main" val="1013186740"/>
+        <p14:creationId xmlns:p14="http://schemas.microsoft.com/office/powerpoint/2010/main" val="665931322"/>
       </p:ext>
     </p:extLst>
   </p:cSld>
@@ -907,83 +966,18 @@
           <a:p>
             <a:r>
               <a:rPr lang="zh-TW" altLang="en-US" dirty="0"/>
-              <a:t>為什麼</a:t>
-            </a:r>
-            <a:r>
-              <a:rPr lang="en-US" altLang="zh-TW" dirty="0"/>
-              <a:t>~EOF=0</a:t>
-            </a:r>
+              <a:t>第一個迴圈處理一行的輸入，第二個處理那行輸入。</a:t>
+            </a:r>
+            <a:endParaRPr lang="en-US" altLang="zh-TW" dirty="0"/>
+          </a:p>
+          <a:p>
             <a:r>
               <a:rPr lang="zh-TW" altLang="en-US" dirty="0"/>
-              <a:t>，看</a:t>
-            </a:r>
-            <a:r>
-              <a:rPr lang="en-US" altLang="zh-TW" dirty="0"/>
-              <a:t>include header</a:t>
-            </a:r>
-            <a:r>
-              <a:rPr lang="zh-TW" altLang="en-US" dirty="0"/>
-              <a:t>。</a:t>
-            </a:r>
-            <a:r>
-              <a:rPr lang="en-US" altLang="zh-TW" dirty="0"/>
-              <a:t>EOF</a:t>
-            </a:r>
-            <a:r>
-              <a:rPr lang="zh-TW" altLang="en-US" dirty="0"/>
-              <a:t>的值其實是廠商們自己</a:t>
-            </a:r>
-            <a:r>
-              <a:rPr lang="en-US" altLang="zh-TW" dirty="0"/>
-              <a:t>define</a:t>
-            </a:r>
-            <a:r>
-              <a:rPr lang="zh-TW" altLang="en-US" dirty="0"/>
-              <a:t>的。</a:t>
-            </a:r>
-            <a:r>
-              <a:rPr lang="en-US" altLang="zh-TW" dirty="0"/>
-              <a:t>ANSI</a:t>
-            </a:r>
-            <a:r>
-              <a:rPr lang="zh-TW" altLang="en-US" dirty="0"/>
-              <a:t>制定</a:t>
-            </a:r>
-            <a:r>
-              <a:rPr lang="en-US" altLang="zh-TW" dirty="0"/>
-              <a:t>C</a:t>
-            </a:r>
-            <a:r>
-              <a:rPr lang="zh-TW" altLang="en-US" dirty="0"/>
-              <a:t>標準</a:t>
-            </a:r>
-            <a:r>
-              <a:rPr lang="en-US" altLang="zh-TW" dirty="0"/>
-              <a:t>-&gt;</a:t>
-            </a:r>
-            <a:r>
-              <a:rPr lang="zh-TW" altLang="en-US" dirty="0"/>
-              <a:t>各組織</a:t>
-            </a:r>
-            <a:r>
-              <a:rPr lang="en-US" altLang="zh-TW" dirty="0"/>
-              <a:t>/</a:t>
-            </a:r>
-            <a:r>
-              <a:rPr lang="zh-TW" altLang="en-US" dirty="0"/>
-              <a:t>個人依據標準撰寫</a:t>
-            </a:r>
-            <a:r>
-              <a:rPr lang="en-US" altLang="zh-TW" dirty="0"/>
-              <a:t>C compiler, e.g., gun </a:t>
+              <a:t>特別講一下</a:t>
             </a:r>
             <a:r>
               <a:rPr lang="en-US" altLang="zh-TW" dirty="0" err="1"/>
-              <a:t>gcc</a:t>
-            </a:r>
-            <a:r>
-              <a:rPr lang="en-US" altLang="zh-TW" dirty="0"/>
-              <a:t>, MSVC, clang, turbo c</a:t>
+              <a:t>s+offset</a:t>
             </a:r>
             <a:endParaRPr lang="zh-TW" altLang="en-US" dirty="0"/>
           </a:p>
@@ -1006,7 +1000,7 @@
           <a:p>
             <a:fld id="{87ADF86C-EF33-4B2D-AB8D-9458098BBA93}" type="slidenum">
               <a:rPr lang="zh-TW" altLang="en-US" smtClean="0"/>
-              <a:t>24</a:t>
+              <a:t>17</a:t>
             </a:fld>
             <a:endParaRPr lang="zh-TW" altLang="en-US"/>
           </a:p>
@@ -1015,7 +1009,7 @@
     </p:spTree>
     <p:extLst>
       <p:ext uri="{BB962C8B-B14F-4D97-AF65-F5344CB8AC3E}">
-        <p14:creationId xmlns:p14="http://schemas.microsoft.com/office/powerpoint/2010/main" val="1188325278"/>
+        <p14:creationId xmlns:p14="http://schemas.microsoft.com/office/powerpoint/2010/main" val="707070701"/>
       </p:ext>
     </p:extLst>
   </p:cSld>
@@ -1070,9 +1064,18 @@
           <a:lstStyle/>
           <a:p>
             <a:r>
+              <a:rPr lang="en-US" altLang="zh-TW" dirty="0"/>
+              <a:t>(</a:t>
+            </a:r>
+            <a:r>
               <a:rPr lang="zh-TW" altLang="en-US" dirty="0"/>
-              <a:t>程式演示</a:t>
-            </a:r>
+              <a:t>依時間程式講解</a:t>
+            </a:r>
+            <a:r>
+              <a:rPr lang="en-US" altLang="zh-TW" dirty="0"/>
+              <a:t>)</a:t>
+            </a:r>
+            <a:endParaRPr lang="zh-TW" altLang="en-US" dirty="0"/>
           </a:p>
         </p:txBody>
       </p:sp>
@@ -1093,7 +1096,7 @@
           <a:p>
             <a:fld id="{87ADF86C-EF33-4B2D-AB8D-9458098BBA93}" type="slidenum">
               <a:rPr lang="zh-TW" altLang="en-US" smtClean="0"/>
-              <a:t>25</a:t>
+              <a:t>19</a:t>
             </a:fld>
             <a:endParaRPr lang="zh-TW" altLang="en-US"/>
           </a:p>
@@ -1102,7 +1105,7 @@
     </p:spTree>
     <p:extLst>
       <p:ext uri="{BB962C8B-B14F-4D97-AF65-F5344CB8AC3E}">
-        <p14:creationId xmlns:p14="http://schemas.microsoft.com/office/powerpoint/2010/main" val="549212782"/>
+        <p14:creationId xmlns:p14="http://schemas.microsoft.com/office/powerpoint/2010/main" val="1468201492"/>
       </p:ext>
     </p:extLst>
   </p:cSld>
@@ -1157,12 +1160,16 @@
           <a:lstStyle/>
           <a:p>
             <a:r>
+              <a:rPr lang="en-US" altLang="zh-TW" dirty="0"/>
+              <a:t>(</a:t>
+            </a:r>
+            <a:r>
               <a:rPr lang="zh-TW" altLang="en-US" dirty="0"/>
-              <a:t>示範怎麼</a:t>
+              <a:t>依時間程式講解</a:t>
             </a:r>
             <a:r>
               <a:rPr lang="en-US" altLang="zh-TW" dirty="0"/>
-              <a:t>call C preprocessor</a:t>
+              <a:t>)</a:t>
             </a:r>
             <a:endParaRPr lang="zh-TW" altLang="en-US" dirty="0"/>
           </a:p>
@@ -1185,7 +1192,7 @@
           <a:p>
             <a:fld id="{87ADF86C-EF33-4B2D-AB8D-9458098BBA93}" type="slidenum">
               <a:rPr lang="zh-TW" altLang="en-US" smtClean="0"/>
-              <a:t>29</a:t>
+              <a:t>20</a:t>
             </a:fld>
             <a:endParaRPr lang="zh-TW" altLang="en-US"/>
           </a:p>
@@ -1194,7 +1201,7 @@
     </p:spTree>
     <p:extLst>
       <p:ext uri="{BB962C8B-B14F-4D97-AF65-F5344CB8AC3E}">
-        <p14:creationId xmlns:p14="http://schemas.microsoft.com/office/powerpoint/2010/main" val="3133688329"/>
+        <p14:creationId xmlns:p14="http://schemas.microsoft.com/office/powerpoint/2010/main" val="263008912"/>
       </p:ext>
     </p:extLst>
   </p:cSld>
@@ -1248,10 +1255,38 @@
           <a:bodyPr/>
           <a:lstStyle/>
           <a:p>
+            <a:pPr marL="0" marR="0" lvl="0" indent="0" algn="l" defTabSz="914400" rtl="0" eaLnBrk="1" fontAlgn="auto" latinLnBrk="0" hangingPunct="1">
+              <a:lnSpc>
+                <a:spcPct val="100000"/>
+              </a:lnSpc>
+              <a:spcBef>
+                <a:spcPts val="0"/>
+              </a:spcBef>
+              <a:spcAft>
+                <a:spcPts val="0"/>
+              </a:spcAft>
+              <a:buClrTx/>
+              <a:buSzTx/>
+              <a:buFontTx/>
+              <a:buNone/>
+              <a:tabLst/>
+              <a:defRPr/>
+            </a:pPr>
             <a:r>
               <a:rPr lang="en-US" altLang="zh-TW" dirty="0"/>
-              <a:t>Directives=instruction</a:t>
-            </a:r>
+              <a:t>(</a:t>
+            </a:r>
+            <a:r>
+              <a:rPr lang="zh-TW" altLang="en-US" dirty="0"/>
+              <a:t>依時間程式講解</a:t>
+            </a:r>
+            <a:r>
+              <a:rPr lang="en-US" altLang="zh-TW" dirty="0"/>
+              <a:t>)</a:t>
+            </a:r>
+            <a:endParaRPr lang="zh-TW" altLang="en-US" dirty="0"/>
+          </a:p>
+          <a:p>
             <a:endParaRPr lang="zh-TW" altLang="en-US" dirty="0"/>
           </a:p>
         </p:txBody>
@@ -1273,7 +1308,7 @@
           <a:p>
             <a:fld id="{87ADF86C-EF33-4B2D-AB8D-9458098BBA93}" type="slidenum">
               <a:rPr lang="zh-TW" altLang="en-US" smtClean="0"/>
-              <a:t>30</a:t>
+              <a:t>21</a:t>
             </a:fld>
             <a:endParaRPr lang="zh-TW" altLang="en-US"/>
           </a:p>
@@ -1282,7 +1317,7 @@
     </p:spTree>
     <p:extLst>
       <p:ext uri="{BB962C8B-B14F-4D97-AF65-F5344CB8AC3E}">
-        <p14:creationId xmlns:p14="http://schemas.microsoft.com/office/powerpoint/2010/main" val="3461894708"/>
+        <p14:creationId xmlns:p14="http://schemas.microsoft.com/office/powerpoint/2010/main" val="1989071583"/>
       </p:ext>
     </p:extLst>
   </p:cSld>
@@ -1338,13 +1373,8 @@
           <a:p>
             <a:r>
               <a:rPr lang="zh-TW" altLang="en-US" dirty="0"/>
-              <a:t>稍微講一下</a:t>
-            </a:r>
-            <a:r>
-              <a:rPr lang="en-US" altLang="zh-TW" dirty="0"/>
-              <a:t>include guard</a:t>
-            </a:r>
-            <a:endParaRPr lang="zh-TW" altLang="en-US" dirty="0"/>
+              <a:t>程式演示</a:t>
+            </a:r>
           </a:p>
         </p:txBody>
       </p:sp>
@@ -1365,7 +1395,7 @@
           <a:p>
             <a:fld id="{87ADF86C-EF33-4B2D-AB8D-9458098BBA93}" type="slidenum">
               <a:rPr lang="zh-TW" altLang="en-US" smtClean="0"/>
-              <a:t>31</a:t>
+              <a:t>22</a:t>
             </a:fld>
             <a:endParaRPr lang="zh-TW" altLang="en-US"/>
           </a:p>
@@ -1374,7 +1404,7 @@
     </p:spTree>
     <p:extLst>
       <p:ext uri="{BB962C8B-B14F-4D97-AF65-F5344CB8AC3E}">
-        <p14:creationId xmlns:p14="http://schemas.microsoft.com/office/powerpoint/2010/main" val="1037955547"/>
+        <p14:creationId xmlns:p14="http://schemas.microsoft.com/office/powerpoint/2010/main" val="3306528335"/>
       </p:ext>
     </p:extLst>
   </p:cSld>
@@ -1428,34 +1458,6 @@
           <a:bodyPr/>
           <a:lstStyle/>
           <a:p>
-            <a:r>
-              <a:rPr lang="en-US" altLang="zh-TW" dirty="0"/>
-              <a:t>__</a:t>
-            </a:r>
-            <a:r>
-              <a:rPr lang="en-US" altLang="zh-TW" dirty="0" err="1"/>
-              <a:t>typeof</a:t>
-            </a:r>
-            <a:r>
-              <a:rPr lang="en-US" altLang="zh-TW" dirty="0"/>
-              <a:t>__ -&gt; </a:t>
-            </a:r>
-            <a:r>
-              <a:rPr lang="zh-TW" altLang="en-US" dirty="0"/>
-              <a:t>賦值擴展 </a:t>
-            </a:r>
-            <a:r>
-              <a:rPr lang="en-US" altLang="zh-TW" dirty="0"/>
-              <a:t>-&gt; </a:t>
-            </a:r>
-            <a:r>
-              <a:rPr lang="zh-TW" altLang="en-US" dirty="0"/>
-              <a:t>既然看起來像函式，</a:t>
-            </a:r>
-            <a:r>
-              <a:rPr lang="en-US" altLang="zh-TW" dirty="0"/>
-              <a:t>why use macro?</a:t>
-            </a:r>
             <a:endParaRPr lang="zh-TW" altLang="en-US" dirty="0"/>
           </a:p>
         </p:txBody>
@@ -1477,7 +1479,7 @@
           <a:p>
             <a:fld id="{87ADF86C-EF33-4B2D-AB8D-9458098BBA93}" type="slidenum">
               <a:rPr lang="zh-TW" altLang="en-US" smtClean="0"/>
-              <a:t>48</a:t>
+              <a:t>23</a:t>
             </a:fld>
             <a:endParaRPr lang="zh-TW" altLang="en-US"/>
           </a:p>
@@ -1486,7 +1488,7 @@
     </p:spTree>
     <p:extLst>
       <p:ext uri="{BB962C8B-B14F-4D97-AF65-F5344CB8AC3E}">
-        <p14:creationId xmlns:p14="http://schemas.microsoft.com/office/powerpoint/2010/main" val="1719994845"/>
+        <p14:creationId xmlns:p14="http://schemas.microsoft.com/office/powerpoint/2010/main" val="1013186740"/>
       </p:ext>
     </p:extLst>
   </p:cSld>
@@ -1542,16 +1544,85 @@
           <a:p>
             <a:r>
               <a:rPr lang="zh-TW" altLang="en-US" dirty="0"/>
-              <a:t>這裡是講</a:t>
+              <a:t>為什麼</a:t>
             </a:r>
             <a:r>
               <a:rPr lang="en-US" altLang="zh-TW" dirty="0"/>
-              <a:t>do…while</a:t>
+              <a:t>~EOF=0</a:t>
             </a:r>
             <a:r>
               <a:rPr lang="zh-TW" altLang="en-US" dirty="0"/>
-              <a:t>的用途，不是範例</a:t>
-            </a:r>
+              <a:t>，看</a:t>
+            </a:r>
+            <a:r>
+              <a:rPr lang="en-US" altLang="zh-TW" dirty="0"/>
+              <a:t>include header</a:t>
+            </a:r>
+            <a:r>
+              <a:rPr lang="zh-TW" altLang="en-US" dirty="0"/>
+              <a:t>。</a:t>
+            </a:r>
+            <a:r>
+              <a:rPr lang="en-US" altLang="zh-TW" dirty="0"/>
+              <a:t>EOF</a:t>
+            </a:r>
+            <a:r>
+              <a:rPr lang="zh-TW" altLang="en-US" dirty="0"/>
+              <a:t>的值其實是廠商們自己</a:t>
+            </a:r>
+            <a:r>
+              <a:rPr lang="en-US" altLang="zh-TW" dirty="0"/>
+              <a:t>define</a:t>
+            </a:r>
+            <a:r>
+              <a:rPr lang="zh-TW" altLang="en-US" dirty="0"/>
+              <a:t>的。</a:t>
+            </a:r>
+            <a:r>
+              <a:rPr lang="en-US" altLang="zh-TW" dirty="0"/>
+              <a:t>ANSI</a:t>
+            </a:r>
+            <a:r>
+              <a:rPr lang="zh-TW" altLang="en-US" dirty="0"/>
+              <a:t>制定</a:t>
+            </a:r>
+            <a:r>
+              <a:rPr lang="en-US" altLang="zh-TW" dirty="0"/>
+              <a:t>C</a:t>
+            </a:r>
+            <a:r>
+              <a:rPr lang="zh-TW" altLang="en-US" dirty="0"/>
+              <a:t>標準</a:t>
+            </a:r>
+            <a:r>
+              <a:rPr lang="en-US" altLang="zh-TW" dirty="0"/>
+              <a:t>-&gt;</a:t>
+            </a:r>
+            <a:r>
+              <a:rPr lang="zh-TW" altLang="en-US" dirty="0"/>
+              <a:t>各組織</a:t>
+            </a:r>
+            <a:r>
+              <a:rPr lang="en-US" altLang="zh-TW" dirty="0"/>
+              <a:t>/</a:t>
+            </a:r>
+            <a:r>
+              <a:rPr lang="zh-TW" altLang="en-US" dirty="0"/>
+              <a:t>個人依據標準撰寫</a:t>
+            </a:r>
+            <a:r>
+              <a:rPr lang="en-US" altLang="zh-TW" dirty="0"/>
+              <a:t>C compiler, e.g., </a:t>
+            </a:r>
+            <a:r>
+              <a:rPr lang="en-US" altLang="zh-TW" dirty="0" err="1"/>
+              <a:t>gcc</a:t>
+            </a:r>
+            <a:r>
+              <a:rPr lang="en-US" altLang="zh-TW" dirty="0"/>
+              <a:t>, MSVC, clang, turbo c</a:t>
+            </a:r>
+            <a:endParaRPr lang="zh-TW" altLang="en-US" dirty="0"/>
           </a:p>
         </p:txBody>
       </p:sp>
@@ -1572,7 +1643,7 @@
           <a:p>
             <a:fld id="{87ADF86C-EF33-4B2D-AB8D-9458098BBA93}" type="slidenum">
               <a:rPr lang="zh-TW" altLang="en-US" smtClean="0"/>
-              <a:t>49</a:t>
+              <a:t>24</a:t>
             </a:fld>
             <a:endParaRPr lang="zh-TW" altLang="en-US"/>
           </a:p>
@@ -1581,7 +1652,7 @@
     </p:spTree>
     <p:extLst>
       <p:ext uri="{BB962C8B-B14F-4D97-AF65-F5344CB8AC3E}">
-        <p14:creationId xmlns:p14="http://schemas.microsoft.com/office/powerpoint/2010/main" val="3393505391"/>
+        <p14:creationId xmlns:p14="http://schemas.microsoft.com/office/powerpoint/2010/main" val="1188325278"/>
       </p:ext>
     </p:extLst>
   </p:cSld>
@@ -1637,11 +1708,7 @@
           <a:p>
             <a:r>
               <a:rPr lang="zh-TW" altLang="en-US" dirty="0"/>
-              <a:t>如果有相同的身高</a:t>
-            </a:r>
-            <a:r>
-              <a:rPr lang="en-US" altLang="zh-TW" dirty="0"/>
-              <a:t>?</a:t>
+              <a:t>程式演示</a:t>
             </a:r>
           </a:p>
         </p:txBody>
@@ -1663,7 +1730,7 @@
           <a:p>
             <a:fld id="{87ADF86C-EF33-4B2D-AB8D-9458098BBA93}" type="slidenum">
               <a:rPr lang="zh-TW" altLang="en-US" smtClean="0"/>
-              <a:t>68</a:t>
+              <a:t>25</a:t>
             </a:fld>
             <a:endParaRPr lang="zh-TW" altLang="en-US"/>
           </a:p>
@@ -1672,7 +1739,7 @@
     </p:spTree>
     <p:extLst>
       <p:ext uri="{BB962C8B-B14F-4D97-AF65-F5344CB8AC3E}">
-        <p14:creationId xmlns:p14="http://schemas.microsoft.com/office/powerpoint/2010/main" val="1004682607"/>
+        <p14:creationId xmlns:p14="http://schemas.microsoft.com/office/powerpoint/2010/main" val="549212782"/>
       </p:ext>
     </p:extLst>
   </p:cSld>
@@ -1727,41 +1794,33 @@
           <a:lstStyle/>
           <a:p>
             <a:r>
+              <a:rPr lang="zh-TW" altLang="en-US" dirty="0"/>
+              <a:t>開這堂課的目的是為了幫助同學提升基本的</a:t>
+            </a:r>
+            <a:r>
               <a:rPr lang="en-US" altLang="zh-TW" dirty="0"/>
-              <a:t>IDE</a:t>
+              <a:t>C</a:t>
             </a:r>
             <a:r>
               <a:rPr lang="zh-TW" altLang="en-US" dirty="0"/>
-              <a:t>就是把編輯器、檔案管理、編譯器、</a:t>
+              <a:t>語言能力，要很了解</a:t>
             </a:r>
             <a:r>
               <a:rPr lang="en-US" altLang="zh-TW" dirty="0"/>
-              <a:t>debugger</a:t>
+              <a:t>C</a:t>
             </a:r>
             <a:r>
               <a:rPr lang="zh-TW" altLang="en-US" dirty="0"/>
-              <a:t>、執行環境全部整合在一起的軟體。</a:t>
-            </a:r>
-            <a:endParaRPr lang="en-US" altLang="zh-TW" dirty="0"/>
-          </a:p>
-          <a:p>
+              <a:t>語言的話，其實需要很多先備知識，我當時在學習的過程中，很多東西都不了解，花了很多時間去找資料，而且找了很多資料才學會</a:t>
+            </a:r>
             <a:r>
               <a:rPr lang="en-US" altLang="zh-TW" dirty="0"/>
-              <a:t>(Dev </a:t>
-            </a:r>
-            <a:r>
-              <a:rPr lang="en-US" altLang="zh-TW" dirty="0" err="1"/>
-              <a:t>c++</a:t>
+              <a:t>C</a:t>
             </a:r>
             <a:r>
               <a:rPr lang="zh-TW" altLang="en-US" dirty="0"/>
-              <a:t>演示。</a:t>
-            </a:r>
-            <a:r>
-              <a:rPr lang="en-US" altLang="zh-TW" dirty="0"/>
-              <a:t>)</a:t>
-            </a:r>
-            <a:endParaRPr lang="zh-TW" altLang="en-US" dirty="0"/>
+              <a:t>，所以我希望我可以幫助同學，少走一點我以前走過的路。</a:t>
+            </a:r>
           </a:p>
         </p:txBody>
       </p:sp>
@@ -1782,7 +1841,7 @@
           <a:p>
             <a:fld id="{87ADF86C-EF33-4B2D-AB8D-9458098BBA93}" type="slidenum">
               <a:rPr lang="zh-TW" altLang="en-US" smtClean="0"/>
-              <a:t>6</a:t>
+              <a:t>2</a:t>
             </a:fld>
             <a:endParaRPr lang="zh-TW" altLang="en-US"/>
           </a:p>
@@ -1791,7 +1850,577 @@
     </p:spTree>
     <p:extLst>
       <p:ext uri="{BB962C8B-B14F-4D97-AF65-F5344CB8AC3E}">
-        <p14:creationId xmlns:p14="http://schemas.microsoft.com/office/powerpoint/2010/main" val="3895625923"/>
+        <p14:creationId xmlns:p14="http://schemas.microsoft.com/office/powerpoint/2010/main" val="614588992"/>
+      </p:ext>
+    </p:extLst>
+  </p:cSld>
+  <p:clrMapOvr>
+    <a:masterClrMapping/>
+  </p:clrMapOvr>
+</p:notes>
+</file>
+
+<file path=ppt/notesSlides/notesSlide20.xml><?xml version="1.0" encoding="utf-8"?>
+<p:notes xmlns:a="http://schemas.openxmlformats.org/drawingml/2006/main" xmlns:r="http://schemas.openxmlformats.org/officeDocument/2006/relationships" xmlns:p="http://schemas.openxmlformats.org/presentationml/2006/main">
+  <p:cSld>
+    <p:spTree>
+      <p:nvGrpSpPr>
+        <p:cNvPr id="1" name=""/>
+        <p:cNvGrpSpPr/>
+        <p:nvPr/>
+      </p:nvGrpSpPr>
+      <p:grpSpPr>
+        <a:xfrm>
+          <a:off x="0" y="0"/>
+          <a:ext cx="0" cy="0"/>
+          <a:chOff x="0" y="0"/>
+          <a:chExt cx="0" cy="0"/>
+        </a:xfrm>
+      </p:grpSpPr>
+      <p:sp>
+        <p:nvSpPr>
+          <p:cNvPr id="2" name="投影片影像版面配置區 1"/>
+          <p:cNvSpPr>
+            <a:spLocks noGrp="1" noRot="1" noChangeAspect="1"/>
+          </p:cNvSpPr>
+          <p:nvPr>
+            <p:ph type="sldImg"/>
+          </p:nvPr>
+        </p:nvSpPr>
+        <p:spPr/>
+      </p:sp>
+      <p:sp>
+        <p:nvSpPr>
+          <p:cNvPr id="3" name="備忘稿版面配置區 2"/>
+          <p:cNvSpPr>
+            <a:spLocks noGrp="1"/>
+          </p:cNvSpPr>
+          <p:nvPr>
+            <p:ph type="body" idx="1"/>
+          </p:nvPr>
+        </p:nvSpPr>
+        <p:spPr/>
+        <p:txBody>
+          <a:bodyPr/>
+          <a:lstStyle/>
+          <a:p>
+            <a:r>
+              <a:rPr lang="zh-TW" altLang="en-US" dirty="0"/>
+              <a:t>示範怎麼</a:t>
+            </a:r>
+            <a:r>
+              <a:rPr lang="en-US" altLang="zh-TW" dirty="0"/>
+              <a:t>call C preprocessor</a:t>
+            </a:r>
+            <a:endParaRPr lang="zh-TW" altLang="en-US" dirty="0"/>
+          </a:p>
+        </p:txBody>
+      </p:sp>
+      <p:sp>
+        <p:nvSpPr>
+          <p:cNvPr id="4" name="投影片編號版面配置區 3"/>
+          <p:cNvSpPr>
+            <a:spLocks noGrp="1"/>
+          </p:cNvSpPr>
+          <p:nvPr>
+            <p:ph type="sldNum" sz="quarter" idx="5"/>
+          </p:nvPr>
+        </p:nvSpPr>
+        <p:spPr/>
+        <p:txBody>
+          <a:bodyPr/>
+          <a:lstStyle/>
+          <a:p>
+            <a:fld id="{87ADF86C-EF33-4B2D-AB8D-9458098BBA93}" type="slidenum">
+              <a:rPr lang="zh-TW" altLang="en-US" smtClean="0"/>
+              <a:t>29</a:t>
+            </a:fld>
+            <a:endParaRPr lang="zh-TW" altLang="en-US"/>
+          </a:p>
+        </p:txBody>
+      </p:sp>
+    </p:spTree>
+    <p:extLst>
+      <p:ext uri="{BB962C8B-B14F-4D97-AF65-F5344CB8AC3E}">
+        <p14:creationId xmlns:p14="http://schemas.microsoft.com/office/powerpoint/2010/main" val="3133688329"/>
+      </p:ext>
+    </p:extLst>
+  </p:cSld>
+  <p:clrMapOvr>
+    <a:masterClrMapping/>
+  </p:clrMapOvr>
+</p:notes>
+</file>
+
+<file path=ppt/notesSlides/notesSlide21.xml><?xml version="1.0" encoding="utf-8"?>
+<p:notes xmlns:a="http://schemas.openxmlformats.org/drawingml/2006/main" xmlns:r="http://schemas.openxmlformats.org/officeDocument/2006/relationships" xmlns:p="http://schemas.openxmlformats.org/presentationml/2006/main">
+  <p:cSld>
+    <p:spTree>
+      <p:nvGrpSpPr>
+        <p:cNvPr id="1" name=""/>
+        <p:cNvGrpSpPr/>
+        <p:nvPr/>
+      </p:nvGrpSpPr>
+      <p:grpSpPr>
+        <a:xfrm>
+          <a:off x="0" y="0"/>
+          <a:ext cx="0" cy="0"/>
+          <a:chOff x="0" y="0"/>
+          <a:chExt cx="0" cy="0"/>
+        </a:xfrm>
+      </p:grpSpPr>
+      <p:sp>
+        <p:nvSpPr>
+          <p:cNvPr id="2" name="投影片影像版面配置區 1"/>
+          <p:cNvSpPr>
+            <a:spLocks noGrp="1" noRot="1" noChangeAspect="1"/>
+          </p:cNvSpPr>
+          <p:nvPr>
+            <p:ph type="sldImg"/>
+          </p:nvPr>
+        </p:nvSpPr>
+        <p:spPr/>
+      </p:sp>
+      <p:sp>
+        <p:nvSpPr>
+          <p:cNvPr id="3" name="備忘稿版面配置區 2"/>
+          <p:cNvSpPr>
+            <a:spLocks noGrp="1"/>
+          </p:cNvSpPr>
+          <p:nvPr>
+            <p:ph type="body" idx="1"/>
+          </p:nvPr>
+        </p:nvSpPr>
+        <p:spPr/>
+        <p:txBody>
+          <a:bodyPr/>
+          <a:lstStyle/>
+          <a:p>
+            <a:r>
+              <a:rPr lang="en-US" altLang="zh-TW" dirty="0"/>
+              <a:t>Directives=instruction</a:t>
+            </a:r>
+            <a:endParaRPr lang="zh-TW" altLang="en-US" dirty="0"/>
+          </a:p>
+        </p:txBody>
+      </p:sp>
+      <p:sp>
+        <p:nvSpPr>
+          <p:cNvPr id="4" name="投影片編號版面配置區 3"/>
+          <p:cNvSpPr>
+            <a:spLocks noGrp="1"/>
+          </p:cNvSpPr>
+          <p:nvPr>
+            <p:ph type="sldNum" sz="quarter" idx="5"/>
+          </p:nvPr>
+        </p:nvSpPr>
+        <p:spPr/>
+        <p:txBody>
+          <a:bodyPr/>
+          <a:lstStyle/>
+          <a:p>
+            <a:fld id="{87ADF86C-EF33-4B2D-AB8D-9458098BBA93}" type="slidenum">
+              <a:rPr lang="zh-TW" altLang="en-US" smtClean="0"/>
+              <a:t>30</a:t>
+            </a:fld>
+            <a:endParaRPr lang="zh-TW" altLang="en-US"/>
+          </a:p>
+        </p:txBody>
+      </p:sp>
+    </p:spTree>
+    <p:extLst>
+      <p:ext uri="{BB962C8B-B14F-4D97-AF65-F5344CB8AC3E}">
+        <p14:creationId xmlns:p14="http://schemas.microsoft.com/office/powerpoint/2010/main" val="3461894708"/>
+      </p:ext>
+    </p:extLst>
+  </p:cSld>
+  <p:clrMapOvr>
+    <a:masterClrMapping/>
+  </p:clrMapOvr>
+</p:notes>
+</file>
+
+<file path=ppt/notesSlides/notesSlide22.xml><?xml version="1.0" encoding="utf-8"?>
+<p:notes xmlns:a="http://schemas.openxmlformats.org/drawingml/2006/main" xmlns:r="http://schemas.openxmlformats.org/officeDocument/2006/relationships" xmlns:p="http://schemas.openxmlformats.org/presentationml/2006/main">
+  <p:cSld>
+    <p:spTree>
+      <p:nvGrpSpPr>
+        <p:cNvPr id="1" name=""/>
+        <p:cNvGrpSpPr/>
+        <p:nvPr/>
+      </p:nvGrpSpPr>
+      <p:grpSpPr>
+        <a:xfrm>
+          <a:off x="0" y="0"/>
+          <a:ext cx="0" cy="0"/>
+          <a:chOff x="0" y="0"/>
+          <a:chExt cx="0" cy="0"/>
+        </a:xfrm>
+      </p:grpSpPr>
+      <p:sp>
+        <p:nvSpPr>
+          <p:cNvPr id="2" name="投影片影像版面配置區 1"/>
+          <p:cNvSpPr>
+            <a:spLocks noGrp="1" noRot="1" noChangeAspect="1"/>
+          </p:cNvSpPr>
+          <p:nvPr>
+            <p:ph type="sldImg"/>
+          </p:nvPr>
+        </p:nvSpPr>
+        <p:spPr/>
+      </p:sp>
+      <p:sp>
+        <p:nvSpPr>
+          <p:cNvPr id="3" name="備忘稿版面配置區 2"/>
+          <p:cNvSpPr>
+            <a:spLocks noGrp="1"/>
+          </p:cNvSpPr>
+          <p:nvPr>
+            <p:ph type="body" idx="1"/>
+          </p:nvPr>
+        </p:nvSpPr>
+        <p:spPr/>
+        <p:txBody>
+          <a:bodyPr/>
+          <a:lstStyle/>
+          <a:p>
+            <a:r>
+              <a:rPr lang="zh-TW" altLang="en-US" dirty="0"/>
+              <a:t>稍微講一下</a:t>
+            </a:r>
+            <a:r>
+              <a:rPr lang="en-US" altLang="zh-TW" dirty="0"/>
+              <a:t>include guard</a:t>
+            </a:r>
+            <a:endParaRPr lang="zh-TW" altLang="en-US" dirty="0"/>
+          </a:p>
+        </p:txBody>
+      </p:sp>
+      <p:sp>
+        <p:nvSpPr>
+          <p:cNvPr id="4" name="投影片編號版面配置區 3"/>
+          <p:cNvSpPr>
+            <a:spLocks noGrp="1"/>
+          </p:cNvSpPr>
+          <p:nvPr>
+            <p:ph type="sldNum" sz="quarter" idx="5"/>
+          </p:nvPr>
+        </p:nvSpPr>
+        <p:spPr/>
+        <p:txBody>
+          <a:bodyPr/>
+          <a:lstStyle/>
+          <a:p>
+            <a:fld id="{87ADF86C-EF33-4B2D-AB8D-9458098BBA93}" type="slidenum">
+              <a:rPr lang="zh-TW" altLang="en-US" smtClean="0"/>
+              <a:t>31</a:t>
+            </a:fld>
+            <a:endParaRPr lang="zh-TW" altLang="en-US"/>
+          </a:p>
+        </p:txBody>
+      </p:sp>
+    </p:spTree>
+    <p:extLst>
+      <p:ext uri="{BB962C8B-B14F-4D97-AF65-F5344CB8AC3E}">
+        <p14:creationId xmlns:p14="http://schemas.microsoft.com/office/powerpoint/2010/main" val="1037955547"/>
+      </p:ext>
+    </p:extLst>
+  </p:cSld>
+  <p:clrMapOvr>
+    <a:masterClrMapping/>
+  </p:clrMapOvr>
+</p:notes>
+</file>
+
+<file path=ppt/notesSlides/notesSlide23.xml><?xml version="1.0" encoding="utf-8"?>
+<p:notes xmlns:a="http://schemas.openxmlformats.org/drawingml/2006/main" xmlns:r="http://schemas.openxmlformats.org/officeDocument/2006/relationships" xmlns:p="http://schemas.openxmlformats.org/presentationml/2006/main">
+  <p:cSld>
+    <p:spTree>
+      <p:nvGrpSpPr>
+        <p:cNvPr id="1" name=""/>
+        <p:cNvGrpSpPr/>
+        <p:nvPr/>
+      </p:nvGrpSpPr>
+      <p:grpSpPr>
+        <a:xfrm>
+          <a:off x="0" y="0"/>
+          <a:ext cx="0" cy="0"/>
+          <a:chOff x="0" y="0"/>
+          <a:chExt cx="0" cy="0"/>
+        </a:xfrm>
+      </p:grpSpPr>
+      <p:sp>
+        <p:nvSpPr>
+          <p:cNvPr id="2" name="投影片影像版面配置區 1"/>
+          <p:cNvSpPr>
+            <a:spLocks noGrp="1" noRot="1" noChangeAspect="1"/>
+          </p:cNvSpPr>
+          <p:nvPr>
+            <p:ph type="sldImg"/>
+          </p:nvPr>
+        </p:nvSpPr>
+        <p:spPr/>
+      </p:sp>
+      <p:sp>
+        <p:nvSpPr>
+          <p:cNvPr id="3" name="備忘稿版面配置區 2"/>
+          <p:cNvSpPr>
+            <a:spLocks noGrp="1"/>
+          </p:cNvSpPr>
+          <p:nvPr>
+            <p:ph type="body" idx="1"/>
+          </p:nvPr>
+        </p:nvSpPr>
+        <p:spPr/>
+        <p:txBody>
+          <a:bodyPr/>
+          <a:lstStyle/>
+          <a:p>
+            <a:r>
+              <a:rPr lang="en-US" altLang="zh-TW" dirty="0"/>
+              <a:t>__</a:t>
+            </a:r>
+            <a:r>
+              <a:rPr lang="en-US" altLang="zh-TW" dirty="0" err="1"/>
+              <a:t>typeof</a:t>
+            </a:r>
+            <a:r>
+              <a:rPr lang="en-US" altLang="zh-TW" dirty="0"/>
+              <a:t>__ -&gt; </a:t>
+            </a:r>
+            <a:r>
+              <a:rPr lang="zh-TW" altLang="en-US" dirty="0"/>
+              <a:t>賦值擴展 </a:t>
+            </a:r>
+            <a:r>
+              <a:rPr lang="en-US" altLang="zh-TW" dirty="0"/>
+              <a:t>-&gt; </a:t>
+            </a:r>
+            <a:r>
+              <a:rPr lang="zh-TW" altLang="en-US" dirty="0"/>
+              <a:t>既然看起來像函式，</a:t>
+            </a:r>
+            <a:r>
+              <a:rPr lang="en-US" altLang="zh-TW" dirty="0"/>
+              <a:t>why use macro?</a:t>
+            </a:r>
+            <a:endParaRPr lang="zh-TW" altLang="en-US" dirty="0"/>
+          </a:p>
+        </p:txBody>
+      </p:sp>
+      <p:sp>
+        <p:nvSpPr>
+          <p:cNvPr id="4" name="投影片編號版面配置區 3"/>
+          <p:cNvSpPr>
+            <a:spLocks noGrp="1"/>
+          </p:cNvSpPr>
+          <p:nvPr>
+            <p:ph type="sldNum" sz="quarter" idx="5"/>
+          </p:nvPr>
+        </p:nvSpPr>
+        <p:spPr/>
+        <p:txBody>
+          <a:bodyPr/>
+          <a:lstStyle/>
+          <a:p>
+            <a:fld id="{87ADF86C-EF33-4B2D-AB8D-9458098BBA93}" type="slidenum">
+              <a:rPr lang="zh-TW" altLang="en-US" smtClean="0"/>
+              <a:t>48</a:t>
+            </a:fld>
+            <a:endParaRPr lang="zh-TW" altLang="en-US"/>
+          </a:p>
+        </p:txBody>
+      </p:sp>
+    </p:spTree>
+    <p:extLst>
+      <p:ext uri="{BB962C8B-B14F-4D97-AF65-F5344CB8AC3E}">
+        <p14:creationId xmlns:p14="http://schemas.microsoft.com/office/powerpoint/2010/main" val="1719994845"/>
+      </p:ext>
+    </p:extLst>
+  </p:cSld>
+  <p:clrMapOvr>
+    <a:masterClrMapping/>
+  </p:clrMapOvr>
+</p:notes>
+</file>
+
+<file path=ppt/notesSlides/notesSlide24.xml><?xml version="1.0" encoding="utf-8"?>
+<p:notes xmlns:a="http://schemas.openxmlformats.org/drawingml/2006/main" xmlns:r="http://schemas.openxmlformats.org/officeDocument/2006/relationships" xmlns:p="http://schemas.openxmlformats.org/presentationml/2006/main">
+  <p:cSld>
+    <p:spTree>
+      <p:nvGrpSpPr>
+        <p:cNvPr id="1" name=""/>
+        <p:cNvGrpSpPr/>
+        <p:nvPr/>
+      </p:nvGrpSpPr>
+      <p:grpSpPr>
+        <a:xfrm>
+          <a:off x="0" y="0"/>
+          <a:ext cx="0" cy="0"/>
+          <a:chOff x="0" y="0"/>
+          <a:chExt cx="0" cy="0"/>
+        </a:xfrm>
+      </p:grpSpPr>
+      <p:sp>
+        <p:nvSpPr>
+          <p:cNvPr id="2" name="投影片影像版面配置區 1"/>
+          <p:cNvSpPr>
+            <a:spLocks noGrp="1" noRot="1" noChangeAspect="1"/>
+          </p:cNvSpPr>
+          <p:nvPr>
+            <p:ph type="sldImg"/>
+          </p:nvPr>
+        </p:nvSpPr>
+        <p:spPr/>
+      </p:sp>
+      <p:sp>
+        <p:nvSpPr>
+          <p:cNvPr id="3" name="備忘稿版面配置區 2"/>
+          <p:cNvSpPr>
+            <a:spLocks noGrp="1"/>
+          </p:cNvSpPr>
+          <p:nvPr>
+            <p:ph type="body" idx="1"/>
+          </p:nvPr>
+        </p:nvSpPr>
+        <p:spPr/>
+        <p:txBody>
+          <a:bodyPr/>
+          <a:lstStyle/>
+          <a:p>
+            <a:r>
+              <a:rPr lang="zh-TW" altLang="en-US" dirty="0"/>
+              <a:t>這裡是講</a:t>
+            </a:r>
+            <a:r>
+              <a:rPr lang="en-US" altLang="zh-TW" dirty="0"/>
+              <a:t>do…while</a:t>
+            </a:r>
+            <a:r>
+              <a:rPr lang="zh-TW" altLang="en-US" dirty="0"/>
+              <a:t>的用途，不是範例</a:t>
+            </a:r>
+          </a:p>
+        </p:txBody>
+      </p:sp>
+      <p:sp>
+        <p:nvSpPr>
+          <p:cNvPr id="4" name="投影片編號版面配置區 3"/>
+          <p:cNvSpPr>
+            <a:spLocks noGrp="1"/>
+          </p:cNvSpPr>
+          <p:nvPr>
+            <p:ph type="sldNum" sz="quarter" idx="5"/>
+          </p:nvPr>
+        </p:nvSpPr>
+        <p:spPr/>
+        <p:txBody>
+          <a:bodyPr/>
+          <a:lstStyle/>
+          <a:p>
+            <a:fld id="{87ADF86C-EF33-4B2D-AB8D-9458098BBA93}" type="slidenum">
+              <a:rPr lang="zh-TW" altLang="en-US" smtClean="0"/>
+              <a:t>49</a:t>
+            </a:fld>
+            <a:endParaRPr lang="zh-TW" altLang="en-US"/>
+          </a:p>
+        </p:txBody>
+      </p:sp>
+    </p:spTree>
+    <p:extLst>
+      <p:ext uri="{BB962C8B-B14F-4D97-AF65-F5344CB8AC3E}">
+        <p14:creationId xmlns:p14="http://schemas.microsoft.com/office/powerpoint/2010/main" val="3393505391"/>
+      </p:ext>
+    </p:extLst>
+  </p:cSld>
+  <p:clrMapOvr>
+    <a:masterClrMapping/>
+  </p:clrMapOvr>
+</p:notes>
+</file>
+
+<file path=ppt/notesSlides/notesSlide25.xml><?xml version="1.0" encoding="utf-8"?>
+<p:notes xmlns:a="http://schemas.openxmlformats.org/drawingml/2006/main" xmlns:r="http://schemas.openxmlformats.org/officeDocument/2006/relationships" xmlns:p="http://schemas.openxmlformats.org/presentationml/2006/main">
+  <p:cSld>
+    <p:spTree>
+      <p:nvGrpSpPr>
+        <p:cNvPr id="1" name=""/>
+        <p:cNvGrpSpPr/>
+        <p:nvPr/>
+      </p:nvGrpSpPr>
+      <p:grpSpPr>
+        <a:xfrm>
+          <a:off x="0" y="0"/>
+          <a:ext cx="0" cy="0"/>
+          <a:chOff x="0" y="0"/>
+          <a:chExt cx="0" cy="0"/>
+        </a:xfrm>
+      </p:grpSpPr>
+      <p:sp>
+        <p:nvSpPr>
+          <p:cNvPr id="2" name="投影片影像版面配置區 1"/>
+          <p:cNvSpPr>
+            <a:spLocks noGrp="1" noRot="1" noChangeAspect="1"/>
+          </p:cNvSpPr>
+          <p:nvPr>
+            <p:ph type="sldImg"/>
+          </p:nvPr>
+        </p:nvSpPr>
+        <p:spPr/>
+      </p:sp>
+      <p:sp>
+        <p:nvSpPr>
+          <p:cNvPr id="3" name="備忘稿版面配置區 2"/>
+          <p:cNvSpPr>
+            <a:spLocks noGrp="1"/>
+          </p:cNvSpPr>
+          <p:nvPr>
+            <p:ph type="body" idx="1"/>
+          </p:nvPr>
+        </p:nvSpPr>
+        <p:spPr/>
+        <p:txBody>
+          <a:bodyPr/>
+          <a:lstStyle/>
+          <a:p>
+            <a:r>
+              <a:rPr lang="zh-TW" altLang="en-US" dirty="0"/>
+              <a:t>如果有相同的身高</a:t>
+            </a:r>
+            <a:r>
+              <a:rPr lang="en-US" altLang="zh-TW" dirty="0"/>
+              <a:t>?</a:t>
+            </a:r>
+          </a:p>
+        </p:txBody>
+      </p:sp>
+      <p:sp>
+        <p:nvSpPr>
+          <p:cNvPr id="4" name="投影片編號版面配置區 3"/>
+          <p:cNvSpPr>
+            <a:spLocks noGrp="1"/>
+          </p:cNvSpPr>
+          <p:nvPr>
+            <p:ph type="sldNum" sz="quarter" idx="5"/>
+          </p:nvPr>
+        </p:nvSpPr>
+        <p:spPr/>
+        <p:txBody>
+          <a:bodyPr/>
+          <a:lstStyle/>
+          <a:p>
+            <a:fld id="{87ADF86C-EF33-4B2D-AB8D-9458098BBA93}" type="slidenum">
+              <a:rPr lang="zh-TW" altLang="en-US" smtClean="0"/>
+              <a:t>68</a:t>
+            </a:fld>
+            <a:endParaRPr lang="zh-TW" altLang="en-US"/>
+          </a:p>
+        </p:txBody>
+      </p:sp>
+    </p:spTree>
+    <p:extLst>
+      <p:ext uri="{BB962C8B-B14F-4D97-AF65-F5344CB8AC3E}">
+        <p14:creationId xmlns:p14="http://schemas.microsoft.com/office/powerpoint/2010/main" val="1004682607"/>
       </p:ext>
     </p:extLst>
   </p:cSld>
@@ -1866,7 +2495,7 @@
           <a:p>
             <a:fld id="{87ADF86C-EF33-4B2D-AB8D-9458098BBA93}" type="slidenum">
               <a:rPr lang="zh-TW" altLang="en-US" smtClean="0"/>
-              <a:t>7</a:t>
+              <a:t>3</a:t>
             </a:fld>
             <a:endParaRPr lang="zh-TW" altLang="en-US"/>
           </a:p>
@@ -1875,7 +2504,7 @@
     </p:spTree>
     <p:extLst>
       <p:ext uri="{BB962C8B-B14F-4D97-AF65-F5344CB8AC3E}">
-        <p14:creationId xmlns:p14="http://schemas.microsoft.com/office/powerpoint/2010/main" val="1222831664"/>
+        <p14:creationId xmlns:p14="http://schemas.microsoft.com/office/powerpoint/2010/main" val="2630192991"/>
       </p:ext>
     </p:extLst>
   </p:cSld>
@@ -1930,22 +2559,9 @@
           <a:lstStyle/>
           <a:p>
             <a:r>
-              <a:rPr lang="en-US" altLang="zh-TW" dirty="0"/>
-              <a:t>-Wall –</a:t>
-            </a:r>
-            <a:r>
-              <a:rPr lang="en-US" altLang="zh-TW" dirty="0" err="1"/>
-              <a:t>Wextra</a:t>
-            </a:r>
-            <a:r>
-              <a:rPr lang="en-US" altLang="zh-TW" dirty="0"/>
-              <a:t> -</a:t>
-            </a:r>
-            <a:r>
-              <a:rPr lang="en-US" altLang="zh-TW" dirty="0" err="1"/>
-              <a:t>Werror</a:t>
-            </a:r>
-            <a:endParaRPr lang="zh-TW" altLang="en-US" dirty="0"/>
+              <a:rPr lang="zh-TW" altLang="en-US" dirty="0"/>
+              <a:t>我第一章的東西會比較雜一點，比較有主題性的東西會在之後的課程，今天這堂課主要算是引導，然後講一點寫程式的小陷阱跟函式庫。</a:t>
+            </a:r>
           </a:p>
         </p:txBody>
       </p:sp>
@@ -1966,7 +2582,7 @@
           <a:p>
             <a:fld id="{87ADF86C-EF33-4B2D-AB8D-9458098BBA93}" type="slidenum">
               <a:rPr lang="zh-TW" altLang="en-US" smtClean="0"/>
-              <a:t>8</a:t>
+              <a:t>4</a:t>
             </a:fld>
             <a:endParaRPr lang="zh-TW" altLang="en-US"/>
           </a:p>
@@ -1975,7 +2591,7 @@
     </p:spTree>
     <p:extLst>
       <p:ext uri="{BB962C8B-B14F-4D97-AF65-F5344CB8AC3E}">
-        <p14:creationId xmlns:p14="http://schemas.microsoft.com/office/powerpoint/2010/main" val="3664922964"/>
+        <p14:creationId xmlns:p14="http://schemas.microsoft.com/office/powerpoint/2010/main" val="982979191"/>
       </p:ext>
     </p:extLst>
   </p:cSld>
@@ -2030,34 +2646,49 @@
           <a:lstStyle/>
           <a:p>
             <a:r>
+              <a:rPr lang="zh-TW" altLang="en-US" dirty="0"/>
+              <a:t>第一件要講的是</a:t>
+            </a:r>
+            <a:r>
               <a:rPr lang="en-US" altLang="zh-TW" dirty="0"/>
-              <a:t>(</a:t>
+              <a:t>915</a:t>
             </a:r>
             <a:r>
               <a:rPr lang="zh-TW" altLang="en-US" dirty="0"/>
-              <a:t>演示</a:t>
+              <a:t>給的</a:t>
             </a:r>
             <a:r>
               <a:rPr lang="en-US" altLang="zh-TW" dirty="0"/>
-              <a:t>floating point</a:t>
+              <a:t>c/</a:t>
+            </a:r>
+            <a:r>
+              <a:rPr lang="en-US" altLang="zh-TW" dirty="0" err="1"/>
+              <a:t>c++</a:t>
             </a:r>
             <a:r>
               <a:rPr lang="zh-TW" altLang="en-US" dirty="0"/>
-              <a:t>在</a:t>
+              <a:t> </a:t>
             </a:r>
             <a:r>
               <a:rPr lang="en-US" altLang="zh-TW" dirty="0"/>
-              <a:t>optimization</a:t>
+              <a:t>IDE</a:t>
             </a:r>
             <a:r>
               <a:rPr lang="zh-TW" altLang="en-US" dirty="0"/>
-              <a:t>下的問題</a:t>
+              <a:t>。</a:t>
+            </a:r>
+            <a:r>
+              <a:rPr lang="en-US" altLang="zh-TW" dirty="0" err="1"/>
+              <a:t>devC</a:t>
             </a:r>
             <a:r>
               <a:rPr lang="en-US" altLang="zh-TW" dirty="0"/>
-              <a:t>)</a:t>
-            </a:r>
-            <a:endParaRPr lang="zh-TW" altLang="en-US" dirty="0"/>
+              <a:t>++</a:t>
+            </a:r>
+            <a:r>
+              <a:rPr lang="zh-TW" altLang="en-US" dirty="0"/>
+              <a:t>不是編譯器。</a:t>
+            </a:r>
           </a:p>
         </p:txBody>
       </p:sp>
@@ -2078,7 +2709,7 @@
           <a:p>
             <a:fld id="{87ADF86C-EF33-4B2D-AB8D-9458098BBA93}" type="slidenum">
               <a:rPr lang="zh-TW" altLang="en-US" smtClean="0"/>
-              <a:t>9</a:t>
+              <a:t>5</a:t>
             </a:fld>
             <a:endParaRPr lang="zh-TW" altLang="en-US"/>
           </a:p>
@@ -2087,7 +2718,7 @@
     </p:spTree>
     <p:extLst>
       <p:ext uri="{BB962C8B-B14F-4D97-AF65-F5344CB8AC3E}">
-        <p14:creationId xmlns:p14="http://schemas.microsoft.com/office/powerpoint/2010/main" val="2570696564"/>
+        <p14:creationId xmlns:p14="http://schemas.microsoft.com/office/powerpoint/2010/main" val="2391434028"/>
       </p:ext>
     </p:extLst>
   </p:cSld>
@@ -2143,87 +2774,48 @@
           <a:p>
             <a:r>
               <a:rPr lang="en-US" altLang="zh-TW" dirty="0"/>
-              <a:t>[]</a:t>
+              <a:t>IDE(</a:t>
             </a:r>
             <a:r>
               <a:rPr lang="zh-TW" altLang="en-US" dirty="0"/>
-              <a:t>是吃什麼字元，比如</a:t>
+              <a:t>集成開發環境</a:t>
             </a:r>
             <a:r>
               <a:rPr lang="en-US" altLang="zh-TW" dirty="0"/>
-              <a:t>%[</a:t>
+              <a:t>)</a:t>
+            </a:r>
+            <a:r>
+              <a:rPr lang="zh-TW" altLang="en-US" dirty="0"/>
+              <a:t>就是把編輯器、檔案管理、編譯器、</a:t>
+            </a:r>
+            <a:r>
+              <a:rPr lang="en-US" altLang="zh-TW" dirty="0"/>
+              <a:t>debugger</a:t>
+            </a:r>
+            <a:r>
+              <a:rPr lang="zh-TW" altLang="en-US" dirty="0"/>
+              <a:t>、執行環境全部整合在一起的軟體。</a:t>
+            </a:r>
+            <a:endParaRPr lang="en-US" altLang="zh-TW" dirty="0"/>
+          </a:p>
+          <a:p>
+            <a:r>
+              <a:rPr lang="en-US" altLang="zh-TW" dirty="0"/>
+              <a:t>(Dev </a:t>
             </a:r>
             <a:r>
               <a:rPr lang="en-US" altLang="zh-TW" dirty="0" err="1"/>
-              <a:t>abc</a:t>
+              <a:t>c++</a:t>
+            </a:r>
+            <a:r>
+              <a:rPr lang="zh-TW" altLang="en-US" dirty="0"/>
+              <a:t>演示。</a:t>
             </a:r>
             <a:r>
               <a:rPr lang="en-US" altLang="zh-TW" dirty="0"/>
-              <a:t>]s</a:t>
-            </a:r>
-            <a:r>
-              <a:rPr lang="zh-TW" altLang="en-US" dirty="0"/>
-              <a:t>就只吃</a:t>
-            </a:r>
-            <a:r>
-              <a:rPr lang="en-US" altLang="zh-TW" dirty="0" err="1"/>
-              <a:t>abc</a:t>
-            </a:r>
-            <a:r>
-              <a:rPr lang="zh-TW" altLang="en-US" dirty="0"/>
-              <a:t>這三種字元，</a:t>
-            </a:r>
-            <a:r>
-              <a:rPr lang="en-US" altLang="zh-TW" dirty="0"/>
-              <a:t>%[0-9]</a:t>
-            </a:r>
-            <a:r>
-              <a:rPr lang="zh-TW" altLang="en-US" dirty="0"/>
-              <a:t>就只吃數字。</a:t>
-            </a:r>
-            <a:endParaRPr lang="en-US" altLang="zh-TW" dirty="0"/>
-          </a:p>
-          <a:p>
-            <a:r>
-              <a:rPr lang="en-US" altLang="zh-TW" dirty="0"/>
-              <a:t>[^]</a:t>
-            </a:r>
-            <a:r>
-              <a:rPr lang="zh-TW" altLang="en-US" dirty="0"/>
-              <a:t>是不吃甚麼字元，比如</a:t>
-            </a:r>
-            <a:r>
-              <a:rPr lang="en-US" altLang="zh-TW" dirty="0"/>
-              <a:t>%[^\n]s</a:t>
-            </a:r>
-            <a:r>
-              <a:rPr lang="zh-TW" altLang="en-US" dirty="0"/>
-              <a:t>就是除了</a:t>
-            </a:r>
-            <a:r>
-              <a:rPr lang="en-US" altLang="zh-TW" dirty="0"/>
-              <a:t>’\n’</a:t>
-            </a:r>
-            <a:r>
-              <a:rPr lang="zh-TW" altLang="en-US" dirty="0"/>
-              <a:t>其他都吃，</a:t>
-            </a:r>
-            <a:r>
-              <a:rPr lang="en-US" altLang="zh-TW" dirty="0"/>
-              <a:t>%[^0-9]s</a:t>
-            </a:r>
-            <a:r>
-              <a:rPr lang="zh-TW" altLang="en-US" dirty="0"/>
-              <a:t>就是除了數字其他都吃，</a:t>
-            </a:r>
-            <a:r>
-              <a:rPr lang="en-US" altLang="zh-TW" dirty="0"/>
-              <a:t>%[^a-z]s</a:t>
-            </a:r>
-            <a:r>
-              <a:rPr lang="zh-TW" altLang="en-US" dirty="0"/>
-              <a:t>就是除了小寫字母其他都吃。</a:t>
-            </a:r>
+              <a:t>)</a:t>
+            </a:r>
+            <a:endParaRPr lang="zh-TW" altLang="en-US" dirty="0"/>
           </a:p>
         </p:txBody>
       </p:sp>
@@ -2244,7 +2836,7 @@
           <a:p>
             <a:fld id="{87ADF86C-EF33-4B2D-AB8D-9458098BBA93}" type="slidenum">
               <a:rPr lang="zh-TW" altLang="en-US" smtClean="0"/>
-              <a:t>14</a:t>
+              <a:t>6</a:t>
             </a:fld>
             <a:endParaRPr lang="zh-TW" altLang="en-US"/>
           </a:p>
@@ -2253,7 +2845,7 @@
     </p:spTree>
     <p:extLst>
       <p:ext uri="{BB962C8B-B14F-4D97-AF65-F5344CB8AC3E}">
-        <p14:creationId xmlns:p14="http://schemas.microsoft.com/office/powerpoint/2010/main" val="665931322"/>
+        <p14:creationId xmlns:p14="http://schemas.microsoft.com/office/powerpoint/2010/main" val="3895625923"/>
       </p:ext>
     </p:extLst>
   </p:cSld>
@@ -2309,47 +2901,31 @@
           <a:p>
             <a:r>
               <a:rPr lang="zh-TW" altLang="en-US" dirty="0"/>
-              <a:t>先講</a:t>
+              <a:t>我沒有很喜歡</a:t>
             </a:r>
             <a:r>
               <a:rPr lang="en-US" altLang="zh-TW" dirty="0"/>
-              <a:t>~</a:t>
-            </a:r>
-            <a:r>
-              <a:rPr lang="en-US" altLang="zh-TW" dirty="0" err="1"/>
-              <a:t>scanf</a:t>
+              <a:t>IDE</a:t>
+            </a:r>
+            <a:r>
+              <a:rPr lang="zh-TW" altLang="en-US" dirty="0"/>
+              <a:t>，為甚麼呢</a:t>
             </a:r>
             <a:r>
               <a:rPr lang="en-US" altLang="zh-TW" dirty="0"/>
-              <a:t>()</a:t>
+              <a:t>?</a:t>
             </a:r>
             <a:r>
               <a:rPr lang="zh-TW" altLang="en-US" dirty="0"/>
-              <a:t>，</a:t>
-            </a:r>
-            <a:r>
-              <a:rPr lang="en-US" altLang="zh-TW" dirty="0" err="1"/>
-              <a:t>scanf</a:t>
+              <a:t> 雖然</a:t>
+            </a:r>
+            <a:r>
+              <a:rPr lang="en-US" altLang="zh-TW" dirty="0"/>
+              <a:t>IDE</a:t>
             </a:r>
             <a:r>
               <a:rPr lang="zh-TW" altLang="en-US" dirty="0"/>
-              <a:t>回傳</a:t>
-            </a:r>
-            <a:r>
-              <a:rPr lang="en-US" altLang="zh-TW" dirty="0"/>
-              <a:t>1.</a:t>
-            </a:r>
-            <a:r>
-              <a:rPr lang="zh-TW" altLang="en-US" dirty="0"/>
-              <a:t>成功賦值的變數 </a:t>
-            </a:r>
-            <a:r>
-              <a:rPr lang="en-US" altLang="zh-TW" dirty="0"/>
-              <a:t>2.EOF if can’t read anymore</a:t>
-            </a:r>
-            <a:r>
-              <a:rPr lang="zh-TW" altLang="en-US" dirty="0"/>
-              <a:t>。</a:t>
+              <a:t>對新手很友善，但是他隱藏太多細節了。</a:t>
             </a:r>
           </a:p>
         </p:txBody>
@@ -2371,7 +2947,7 @@
           <a:p>
             <a:fld id="{87ADF86C-EF33-4B2D-AB8D-9458098BBA93}" type="slidenum">
               <a:rPr lang="zh-TW" altLang="en-US" smtClean="0"/>
-              <a:t>17</a:t>
+              <a:t>7</a:t>
             </a:fld>
             <a:endParaRPr lang="zh-TW" altLang="en-US"/>
           </a:p>
@@ -2380,7 +2956,7 @@
     </p:spTree>
     <p:extLst>
       <p:ext uri="{BB962C8B-B14F-4D97-AF65-F5344CB8AC3E}">
-        <p14:creationId xmlns:p14="http://schemas.microsoft.com/office/powerpoint/2010/main" val="707070701"/>
+        <p14:creationId xmlns:p14="http://schemas.microsoft.com/office/powerpoint/2010/main" val="1222831664"/>
       </p:ext>
     </p:extLst>
   </p:cSld>
@@ -2435,9 +3011,22 @@
           <a:lstStyle/>
           <a:p>
             <a:r>
-              <a:rPr lang="zh-TW" altLang="en-US" dirty="0"/>
-              <a:t>程式講解</a:t>
-            </a:r>
+              <a:rPr lang="en-US" altLang="zh-TW" dirty="0"/>
+              <a:t>-Wall –</a:t>
+            </a:r>
+            <a:r>
+              <a:rPr lang="en-US" altLang="zh-TW" dirty="0" err="1"/>
+              <a:t>Wextra</a:t>
+            </a:r>
+            <a:r>
+              <a:rPr lang="en-US" altLang="zh-TW" dirty="0"/>
+              <a:t> -</a:t>
+            </a:r>
+            <a:r>
+              <a:rPr lang="en-US" altLang="zh-TW" dirty="0" err="1"/>
+              <a:t>Werror</a:t>
+            </a:r>
+            <a:endParaRPr lang="zh-TW" altLang="en-US" dirty="0"/>
           </a:p>
         </p:txBody>
       </p:sp>
@@ -2458,7 +3047,7 @@
           <a:p>
             <a:fld id="{87ADF86C-EF33-4B2D-AB8D-9458098BBA93}" type="slidenum">
               <a:rPr lang="zh-TW" altLang="en-US" smtClean="0"/>
-              <a:t>19</a:t>
+              <a:t>8</a:t>
             </a:fld>
             <a:endParaRPr lang="zh-TW" altLang="en-US"/>
           </a:p>
@@ -2467,7 +3056,7 @@
     </p:spTree>
     <p:extLst>
       <p:ext uri="{BB962C8B-B14F-4D97-AF65-F5344CB8AC3E}">
-        <p14:creationId xmlns:p14="http://schemas.microsoft.com/office/powerpoint/2010/main" val="1468201492"/>
+        <p14:creationId xmlns:p14="http://schemas.microsoft.com/office/powerpoint/2010/main" val="3664922964"/>
       </p:ext>
     </p:extLst>
   </p:cSld>
@@ -2521,27 +3110,96 @@
           <a:bodyPr/>
           <a:lstStyle/>
           <a:p>
-            <a:pPr marL="0" marR="0" lvl="0" indent="0" algn="l" defTabSz="914400" rtl="0" eaLnBrk="1" fontAlgn="auto" latinLnBrk="0" hangingPunct="1">
-              <a:lnSpc>
-                <a:spcPct val="100000"/>
-              </a:lnSpc>
-              <a:spcBef>
-                <a:spcPts val="0"/>
-              </a:spcBef>
-              <a:spcAft>
-                <a:spcPts val="0"/>
-              </a:spcAft>
-              <a:buClrTx/>
-              <a:buSzTx/>
-              <a:buFontTx/>
-              <a:buNone/>
-              <a:tabLst/>
-              <a:defRPr/>
-            </a:pPr>
             <a:r>
               <a:rPr lang="zh-TW" altLang="en-US" dirty="0"/>
-              <a:t>程式講解</a:t>
-            </a:r>
+              <a:t>當今天把細節都隱藏起來，對新手是友善沒錯，但是這也會讓人看不到問題、沒辦法了解背後程式怎麼產生的、運作的原理是甚麼。</a:t>
+            </a:r>
+            <a:endParaRPr lang="en-US" altLang="zh-TW" dirty="0"/>
+          </a:p>
+          <a:p>
+            <a:r>
+              <a:rPr lang="zh-TW" altLang="en-US" dirty="0"/>
+              <a:t>而這些細節正好就是</a:t>
+            </a:r>
+            <a:r>
+              <a:rPr lang="en-US" altLang="zh-TW" dirty="0"/>
+              <a:t>senior programmer</a:t>
+            </a:r>
+            <a:r>
+              <a:rPr lang="zh-TW" altLang="en-US" dirty="0"/>
+              <a:t>與</a:t>
+            </a:r>
+            <a:r>
+              <a:rPr lang="en-US" altLang="zh-TW" dirty="0"/>
+              <a:t>junior programmer</a:t>
+            </a:r>
+            <a:r>
+              <a:rPr lang="zh-TW" altLang="en-US" dirty="0"/>
+              <a:t>的差別。</a:t>
+            </a:r>
+            <a:endParaRPr lang="en-US" altLang="zh-TW" dirty="0"/>
+          </a:p>
+          <a:p>
+            <a:r>
+              <a:rPr lang="zh-TW" altLang="en-US" dirty="0"/>
+              <a:t>舉個例子</a:t>
+            </a:r>
+            <a:r>
+              <a:rPr lang="en-US" altLang="zh-TW" dirty="0"/>
+              <a:t>:</a:t>
+            </a:r>
+            <a:r>
+              <a:rPr lang="zh-TW" altLang="en-US" dirty="0"/>
+              <a:t> </a:t>
+            </a:r>
+            <a:r>
+              <a:rPr lang="en-US" altLang="zh-TW" dirty="0"/>
+              <a:t>floating point</a:t>
+            </a:r>
+            <a:r>
+              <a:rPr lang="zh-TW" altLang="en-US" dirty="0"/>
+              <a:t>在</a:t>
+            </a:r>
+            <a:r>
+              <a:rPr lang="en-US" altLang="zh-TW" dirty="0"/>
+              <a:t>optimization</a:t>
+            </a:r>
+            <a:r>
+              <a:rPr lang="zh-TW" altLang="en-US" dirty="0"/>
+              <a:t>下的問題。</a:t>
+            </a:r>
+            <a:endParaRPr lang="en-US" altLang="zh-TW" dirty="0"/>
+          </a:p>
+          <a:p>
+            <a:r>
+              <a:rPr lang="en-US" altLang="zh-TW" dirty="0"/>
+              <a:t>(</a:t>
+            </a:r>
+            <a:r>
+              <a:rPr lang="zh-TW" altLang="en-US" dirty="0"/>
+              <a:t>演示</a:t>
+            </a:r>
+            <a:r>
+              <a:rPr lang="en-US" altLang="zh-TW" dirty="0"/>
+              <a:t>floating point</a:t>
+            </a:r>
+            <a:r>
+              <a:rPr lang="zh-TW" altLang="en-US" dirty="0"/>
+              <a:t>在</a:t>
+            </a:r>
+            <a:r>
+              <a:rPr lang="en-US" altLang="zh-TW" dirty="0"/>
+              <a:t>optimization</a:t>
+            </a:r>
+            <a:r>
+              <a:rPr lang="zh-TW" altLang="en-US" dirty="0"/>
+              <a:t>下的問題</a:t>
+            </a:r>
+            <a:r>
+              <a:rPr lang="en-US" altLang="zh-TW" dirty="0"/>
+              <a:t>)</a:t>
+            </a:r>
+            <a:endParaRPr lang="zh-TW" altLang="en-US" dirty="0"/>
           </a:p>
         </p:txBody>
       </p:sp>
@@ -2562,7 +3220,7 @@
           <a:p>
             <a:fld id="{87ADF86C-EF33-4B2D-AB8D-9458098BBA93}" type="slidenum">
               <a:rPr lang="zh-TW" altLang="en-US" smtClean="0"/>
-              <a:t>20</a:t>
+              <a:t>9</a:t>
             </a:fld>
             <a:endParaRPr lang="zh-TW" altLang="en-US"/>
           </a:p>
@@ -2571,7 +3229,7 @@
     </p:spTree>
     <p:extLst>
       <p:ext uri="{BB962C8B-B14F-4D97-AF65-F5344CB8AC3E}">
-        <p14:creationId xmlns:p14="http://schemas.microsoft.com/office/powerpoint/2010/main" val="263008912"/>
+        <p14:creationId xmlns:p14="http://schemas.microsoft.com/office/powerpoint/2010/main" val="2570696564"/>
       </p:ext>
     </p:extLst>
   </p:cSld>
@@ -2712,7 +3370,7 @@
           <a:p>
             <a:fld id="{ABB345C4-D81E-4C8D-86A1-B639E123A710}" type="datetimeFigureOut">
               <a:rPr lang="zh-TW" altLang="en-US" smtClean="0"/>
-              <a:t>2022/11/15</a:t>
+              <a:t>2022/11/17</a:t>
             </a:fld>
             <a:endParaRPr lang="zh-TW" altLang="en-US"/>
           </a:p>
@@ -2882,7 +3540,7 @@
           <a:p>
             <a:fld id="{ABB345C4-D81E-4C8D-86A1-B639E123A710}" type="datetimeFigureOut">
               <a:rPr lang="zh-TW" altLang="en-US" smtClean="0"/>
-              <a:t>2022/11/15</a:t>
+              <a:t>2022/11/17</a:t>
             </a:fld>
             <a:endParaRPr lang="zh-TW" altLang="en-US"/>
           </a:p>
@@ -3062,7 +3720,7 @@
           <a:p>
             <a:fld id="{ABB345C4-D81E-4C8D-86A1-B639E123A710}" type="datetimeFigureOut">
               <a:rPr lang="zh-TW" altLang="en-US" smtClean="0"/>
-              <a:t>2022/11/15</a:t>
+              <a:t>2022/11/17</a:t>
             </a:fld>
             <a:endParaRPr lang="zh-TW" altLang="en-US"/>
           </a:p>
@@ -3232,7 +3890,7 @@
           <a:p>
             <a:fld id="{ABB345C4-D81E-4C8D-86A1-B639E123A710}" type="datetimeFigureOut">
               <a:rPr lang="zh-TW" altLang="en-US" smtClean="0"/>
-              <a:t>2022/11/15</a:t>
+              <a:t>2022/11/17</a:t>
             </a:fld>
             <a:endParaRPr lang="zh-TW" altLang="en-US"/>
           </a:p>
@@ -3478,7 +4136,7 @@
           <a:p>
             <a:fld id="{ABB345C4-D81E-4C8D-86A1-B639E123A710}" type="datetimeFigureOut">
               <a:rPr lang="zh-TW" altLang="en-US" smtClean="0"/>
-              <a:t>2022/11/15</a:t>
+              <a:t>2022/11/17</a:t>
             </a:fld>
             <a:endParaRPr lang="zh-TW" altLang="en-US"/>
           </a:p>
@@ -3710,7 +4368,7 @@
           <a:p>
             <a:fld id="{ABB345C4-D81E-4C8D-86A1-B639E123A710}" type="datetimeFigureOut">
               <a:rPr lang="zh-TW" altLang="en-US" smtClean="0"/>
-              <a:t>2022/11/15</a:t>
+              <a:t>2022/11/17</a:t>
             </a:fld>
             <a:endParaRPr lang="zh-TW" altLang="en-US"/>
           </a:p>
@@ -4077,7 +4735,7 @@
           <a:p>
             <a:fld id="{ABB345C4-D81E-4C8D-86A1-B639E123A710}" type="datetimeFigureOut">
               <a:rPr lang="zh-TW" altLang="en-US" smtClean="0"/>
-              <a:t>2022/11/15</a:t>
+              <a:t>2022/11/17</a:t>
             </a:fld>
             <a:endParaRPr lang="zh-TW" altLang="en-US"/>
           </a:p>
@@ -4195,7 +4853,7 @@
           <a:p>
             <a:fld id="{ABB345C4-D81E-4C8D-86A1-B639E123A710}" type="datetimeFigureOut">
               <a:rPr lang="zh-TW" altLang="en-US" smtClean="0"/>
-              <a:t>2022/11/15</a:t>
+              <a:t>2022/11/17</a:t>
             </a:fld>
             <a:endParaRPr lang="zh-TW" altLang="en-US"/>
           </a:p>
@@ -4290,7 +4948,7 @@
           <a:p>
             <a:fld id="{ABB345C4-D81E-4C8D-86A1-B639E123A710}" type="datetimeFigureOut">
               <a:rPr lang="zh-TW" altLang="en-US" smtClean="0"/>
-              <a:t>2022/11/15</a:t>
+              <a:t>2022/11/17</a:t>
             </a:fld>
             <a:endParaRPr lang="zh-TW" altLang="en-US"/>
           </a:p>
@@ -4567,7 +5225,7 @@
           <a:p>
             <a:fld id="{ABB345C4-D81E-4C8D-86A1-B639E123A710}" type="datetimeFigureOut">
               <a:rPr lang="zh-TW" altLang="en-US" smtClean="0"/>
-              <a:t>2022/11/15</a:t>
+              <a:t>2022/11/17</a:t>
             </a:fld>
             <a:endParaRPr lang="zh-TW" altLang="en-US"/>
           </a:p>
@@ -4824,7 +5482,7 @@
           <a:p>
             <a:fld id="{ABB345C4-D81E-4C8D-86A1-B639E123A710}" type="datetimeFigureOut">
               <a:rPr lang="zh-TW" altLang="en-US" smtClean="0"/>
-              <a:t>2022/11/15</a:t>
+              <a:t>2022/11/17</a:t>
             </a:fld>
             <a:endParaRPr lang="zh-TW" altLang="en-US"/>
           </a:p>
@@ -5037,7 +5695,7 @@
           <a:p>
             <a:fld id="{ABB345C4-D81E-4C8D-86A1-B639E123A710}" type="datetimeFigureOut">
               <a:rPr lang="zh-TW" altLang="en-US" smtClean="0"/>
-              <a:t>2022/11/15</a:t>
+              <a:t>2022/11/17</a:t>
             </a:fld>
             <a:endParaRPr lang="zh-TW" altLang="en-US"/>
           </a:p>
@@ -6006,6 +6664,20 @@
               </a:rPr>
               <a:t>?</a:t>
             </a:r>
+          </a:p>
+          <a:p>
+            <a:r>
+              <a:rPr lang="en-US" altLang="zh-TW" dirty="0" err="1">
+                <a:latin typeface="Consolas" panose="020B0609020204030204" pitchFamily="49" charset="0"/>
+              </a:rPr>
+              <a:t>scanf</a:t>
+            </a:r>
+            <a:r>
+              <a:rPr lang="en-US" altLang="zh-TW" dirty="0">
+                <a:latin typeface="Consolas" panose="020B0609020204030204" pitchFamily="49" charset="0"/>
+              </a:rPr>
+              <a:t> trap</a:t>
+            </a:r>
             <a:endParaRPr lang="zh-TW" altLang="en-US" dirty="0">
               <a:latin typeface="Consolas" panose="020B0609020204030204" pitchFamily="49" charset="0"/>
             </a:endParaRPr>
@@ -15495,18 +16167,11 @@
               <a:t>可以用來替換字串、字串串接、展開</a:t>
             </a:r>
             <a:r>
-              <a:rPr lang="en-US" altLang="zh-TW" dirty="0" err="1">
-                <a:latin typeface="Consolas" panose="020B0609020204030204" pitchFamily="49" charset="0"/>
-                <a:ea typeface="微軟正黑體" panose="020B0604030504040204" pitchFamily="34" charset="-120"/>
-              </a:rPr>
-              <a:t>marco</a:t>
-            </a:r>
-            <a:r>
               <a:rPr lang="en-US" altLang="zh-TW" dirty="0">
                 <a:latin typeface="Consolas" panose="020B0609020204030204" pitchFamily="49" charset="0"/>
                 <a:ea typeface="微軟正黑體" panose="020B0604030504040204" pitchFamily="34" charset="-120"/>
               </a:rPr>
-              <a:t>	</a:t>
+              <a:t>macro	</a:t>
             </a:r>
             <a:r>
               <a:rPr lang="zh-TW" altLang="en-US" dirty="0">
@@ -15715,8 +16380,16 @@
               <a:rPr lang="zh-TW" altLang="en-US" dirty="0">
                 <a:latin typeface="Consolas" panose="020B0609020204030204" pitchFamily="49" charset="0"/>
                 <a:ea typeface="微軟正黑體" panose="020B0604030504040204" pitchFamily="34" charset="-120"/>
-              </a:rPr>
-              <a:t>打過高中競程</a:t>
+                <a:hlinkClick r:id="rId3"/>
+              </a:rPr>
+              <a:t>嘉中競程培訓講義</a:t>
+            </a:r>
+            <a:r>
+              <a:rPr lang="zh-TW" altLang="en-US" dirty="0">
+                <a:latin typeface="Consolas" panose="020B0609020204030204" pitchFamily="49" charset="0"/>
+                <a:ea typeface="微軟正黑體" panose="020B0604030504040204" pitchFamily="34" charset="-120"/>
+              </a:rPr>
+              <a:t>共同作者</a:t>
             </a:r>
             <a:endParaRPr lang="en-US" altLang="zh-TW" dirty="0">
               <a:latin typeface="Consolas" panose="020B0609020204030204" pitchFamily="49" charset="0"/>
@@ -15728,16 +16401,36 @@
               <a:rPr lang="zh-TW" altLang="en-US" dirty="0">
                 <a:latin typeface="Consolas" panose="020B0609020204030204" pitchFamily="49" charset="0"/>
                 <a:ea typeface="微軟正黑體" panose="020B0604030504040204" pitchFamily="34" charset="-120"/>
-                <a:hlinkClick r:id="rId2"/>
-              </a:rPr>
-              <a:t>嘉中競程培訓講義</a:t>
+              </a:rPr>
+              <a:t>抵免上下學期的</a:t>
+            </a:r>
+            <a:r>
+              <a:rPr lang="en-US" altLang="zh-TW" dirty="0">
+                <a:latin typeface="Consolas" panose="020B0609020204030204" pitchFamily="49" charset="0"/>
+                <a:ea typeface="微軟正黑體" panose="020B0604030504040204" pitchFamily="34" charset="-120"/>
+              </a:rPr>
+              <a:t>C</a:t>
             </a:r>
             <a:r>
               <a:rPr lang="zh-TW" altLang="en-US" dirty="0">
                 <a:latin typeface="Consolas" panose="020B0609020204030204" pitchFamily="49" charset="0"/>
                 <a:ea typeface="微軟正黑體" panose="020B0604030504040204" pitchFamily="34" charset="-120"/>
               </a:rPr>
-              <a:t>共同作者</a:t>
+              <a:t>程</a:t>
+            </a:r>
+            <a:r>
+              <a:rPr lang="en-US" altLang="zh-TW" dirty="0">
+                <a:latin typeface="Consolas" panose="020B0609020204030204" pitchFamily="49" charset="0"/>
+                <a:ea typeface="微軟正黑體" panose="020B0604030504040204" pitchFamily="34" charset="-120"/>
+              </a:rPr>
+              <a:t>/C</a:t>
+            </a:r>
+            <a:r>
+              <a:rPr lang="zh-TW" altLang="en-US" dirty="0">
+                <a:latin typeface="Consolas" panose="020B0609020204030204" pitchFamily="49" charset="0"/>
+                <a:ea typeface="微軟正黑體" panose="020B0604030504040204" pitchFamily="34" charset="-120"/>
+              </a:rPr>
+              <a:t>程實驗</a:t>
             </a:r>
             <a:endParaRPr lang="en-US" altLang="zh-TW" dirty="0">
               <a:latin typeface="Consolas" panose="020B0609020204030204" pitchFamily="49" charset="0"/>
@@ -15746,39 +16439,60 @@
           </a:p>
           <a:p>
             <a:r>
+              <a:rPr lang="en-US" altLang="zh-TW" dirty="0">
+                <a:latin typeface="Consolas" panose="020B0609020204030204" pitchFamily="49" charset="0"/>
+                <a:ea typeface="微軟正黑體" panose="020B0604030504040204" pitchFamily="34" charset="-120"/>
+              </a:rPr>
+              <a:t>2021</a:t>
+            </a:r>
+            <a:r>
               <a:rPr lang="zh-TW" altLang="en-US" dirty="0">
                 <a:latin typeface="Consolas" panose="020B0609020204030204" pitchFamily="49" charset="0"/>
                 <a:ea typeface="微軟正黑體" panose="020B0604030504040204" pitchFamily="34" charset="-120"/>
               </a:rPr>
-              <a:t>抵免上下學期的</a:t>
+              <a:t>年</a:t>
             </a:r>
             <a:r>
               <a:rPr lang="en-US" altLang="zh-TW" dirty="0">
                 <a:latin typeface="Consolas" panose="020B0609020204030204" pitchFamily="49" charset="0"/>
                 <a:ea typeface="微軟正黑體" panose="020B0604030504040204" pitchFamily="34" charset="-120"/>
               </a:rPr>
-              <a:t>C</a:t>
+              <a:t>ICPC</a:t>
             </a:r>
             <a:r>
               <a:rPr lang="zh-TW" altLang="en-US" dirty="0">
                 <a:latin typeface="Consolas" panose="020B0609020204030204" pitchFamily="49" charset="0"/>
                 <a:ea typeface="微軟正黑體" panose="020B0604030504040204" pitchFamily="34" charset="-120"/>
               </a:rPr>
-              <a:t>程</a:t>
+              <a:t>選手、</a:t>
             </a:r>
             <a:r>
               <a:rPr lang="en-US" altLang="zh-TW" dirty="0">
                 <a:latin typeface="Consolas" panose="020B0609020204030204" pitchFamily="49" charset="0"/>
                 <a:ea typeface="微軟正黑體" panose="020B0604030504040204" pitchFamily="34" charset="-120"/>
               </a:rPr>
-              <a:t>/C</a:t>
+              <a:t>2022</a:t>
             </a:r>
             <a:r>
               <a:rPr lang="zh-TW" altLang="en-US" dirty="0">
                 <a:latin typeface="Consolas" panose="020B0609020204030204" pitchFamily="49" charset="0"/>
                 <a:ea typeface="微軟正黑體" panose="020B0604030504040204" pitchFamily="34" charset="-120"/>
               </a:rPr>
-              <a:t>程實驗</a:t>
+              <a:t>年</a:t>
+            </a:r>
+            <a:r>
+              <a:rPr lang="en-US" altLang="zh-TW" dirty="0">
+                <a:latin typeface="Consolas" panose="020B0609020204030204" pitchFamily="49" charset="0"/>
+                <a:ea typeface="微軟正黑體" panose="020B0604030504040204" pitchFamily="34" charset="-120"/>
+              </a:rPr>
+              <a:t>ICPC</a:t>
+            </a:r>
+            <a:r>
+              <a:rPr lang="zh-TW" altLang="en-US" dirty="0">
+                <a:latin typeface="Consolas" panose="020B0609020204030204" pitchFamily="49" charset="0"/>
+                <a:ea typeface="微軟正黑體" panose="020B0604030504040204" pitchFamily="34" charset="-120"/>
+              </a:rPr>
+              <a:t>選手</a:t>
             </a:r>
             <a:endParaRPr lang="en-US" altLang="zh-TW" dirty="0">
               <a:latin typeface="Consolas" panose="020B0609020204030204" pitchFamily="49" charset="0"/>
@@ -15787,60 +16501,26 @@
           </a:p>
           <a:p>
             <a:r>
-              <a:rPr lang="en-US" altLang="zh-TW" dirty="0">
-                <a:latin typeface="Consolas" panose="020B0609020204030204" pitchFamily="49" charset="0"/>
-                <a:ea typeface="微軟正黑體" panose="020B0604030504040204" pitchFamily="34" charset="-120"/>
-              </a:rPr>
-              <a:t>2021</a:t>
-            </a:r>
-            <a:r>
               <a:rPr lang="zh-TW" altLang="en-US" dirty="0">
                 <a:latin typeface="Consolas" panose="020B0609020204030204" pitchFamily="49" charset="0"/>
                 <a:ea typeface="微軟正黑體" panose="020B0604030504040204" pitchFamily="34" charset="-120"/>
               </a:rPr>
-              <a:t>年</a:t>
-            </a:r>
-            <a:r>
-              <a:rPr lang="en-US" altLang="zh-TW" dirty="0">
-                <a:latin typeface="Consolas" panose="020B0609020204030204" pitchFamily="49" charset="0"/>
-                <a:ea typeface="微軟正黑體" panose="020B0604030504040204" pitchFamily="34" charset="-120"/>
-              </a:rPr>
-              <a:t>ICPC</a:t>
+              <a:t>有自己的</a:t>
             </a:r>
             <a:r>
               <a:rPr lang="zh-TW" altLang="en-US" dirty="0">
                 <a:latin typeface="Consolas" panose="020B0609020204030204" pitchFamily="49" charset="0"/>
                 <a:ea typeface="微軟正黑體" panose="020B0604030504040204" pitchFamily="34" charset="-120"/>
-              </a:rPr>
-              <a:t>選手、</a:t>
-            </a:r>
-            <a:r>
-              <a:rPr lang="en-US" altLang="zh-TW" dirty="0">
-                <a:latin typeface="Consolas" panose="020B0609020204030204" pitchFamily="49" charset="0"/>
-                <a:ea typeface="微軟正黑體" panose="020B0604030504040204" pitchFamily="34" charset="-120"/>
-              </a:rPr>
-              <a:t>2022</a:t>
+                <a:hlinkClick r:id="rId4"/>
+              </a:rPr>
+              <a:t>部落格</a:t>
             </a:r>
             <a:r>
               <a:rPr lang="zh-TW" altLang="en-US" dirty="0">
                 <a:latin typeface="Consolas" panose="020B0609020204030204" pitchFamily="49" charset="0"/>
                 <a:ea typeface="微軟正黑體" panose="020B0604030504040204" pitchFamily="34" charset="-120"/>
               </a:rPr>
-              <a:t>年</a:t>
-            </a:r>
-            <a:r>
-              <a:rPr lang="en-US" altLang="zh-TW" dirty="0">
-                <a:latin typeface="Consolas" panose="020B0609020204030204" pitchFamily="49" charset="0"/>
-                <a:ea typeface="微軟正黑體" panose="020B0604030504040204" pitchFamily="34" charset="-120"/>
-              </a:rPr>
-              <a:t>ICPC</a:t>
-            </a:r>
-            <a:r>
-              <a:rPr lang="zh-TW" altLang="en-US" dirty="0">
-                <a:latin typeface="Consolas" panose="020B0609020204030204" pitchFamily="49" charset="0"/>
-                <a:ea typeface="微軟正黑體" panose="020B0604030504040204" pitchFamily="34" charset="-120"/>
-              </a:rPr>
-              <a:t>選手</a:t>
+              <a:t>，上面有各種稀奇古怪的研究</a:t>
             </a:r>
             <a:endParaRPr lang="en-US" altLang="zh-TW" dirty="0">
               <a:latin typeface="Consolas" panose="020B0609020204030204" pitchFamily="49" charset="0"/>
@@ -15853,56 +16533,28 @@
                 <a:latin typeface="Consolas" panose="020B0609020204030204" pitchFamily="49" charset="0"/>
                 <a:ea typeface="微軟正黑體" panose="020B0604030504040204" pitchFamily="34" charset="-120"/>
               </a:rPr>
-              <a:t>有自己的</a:t>
+              <a:t>還有頗完整的</a:t>
             </a:r>
             <a:r>
               <a:rPr lang="zh-TW" altLang="en-US" dirty="0">
                 <a:latin typeface="Consolas" panose="020B0609020204030204" pitchFamily="49" charset="0"/>
                 <a:ea typeface="微軟正黑體" panose="020B0604030504040204" pitchFamily="34" charset="-120"/>
-                <a:hlinkClick r:id="rId3"/>
-              </a:rPr>
-              <a:t>部落格</a:t>
+                <a:hlinkClick r:id="rId5"/>
+              </a:rPr>
+              <a:t>資工筆記</a:t>
             </a:r>
             <a:r>
               <a:rPr lang="zh-TW" altLang="en-US" dirty="0">
                 <a:latin typeface="Consolas" panose="020B0609020204030204" pitchFamily="49" charset="0"/>
                 <a:ea typeface="微軟正黑體" panose="020B0604030504040204" pitchFamily="34" charset="-120"/>
               </a:rPr>
-              <a:t>，上面有各種稀奇古怪的研究</a:t>
-            </a:r>
-            <a:endParaRPr lang="en-US" altLang="zh-TW" dirty="0">
-              <a:latin typeface="Consolas" panose="020B0609020204030204" pitchFamily="49" charset="0"/>
-              <a:ea typeface="微軟正黑體" panose="020B0604030504040204" pitchFamily="34" charset="-120"/>
-            </a:endParaRPr>
-          </a:p>
-          <a:p>
-            <a:r>
-              <a:rPr lang="zh-TW" altLang="en-US" dirty="0">
-                <a:latin typeface="Consolas" panose="020B0609020204030204" pitchFamily="49" charset="0"/>
-                <a:ea typeface="微軟正黑體" panose="020B0604030504040204" pitchFamily="34" charset="-120"/>
-              </a:rPr>
-              <a:t>還有頗完整的</a:t>
-            </a:r>
-            <a:r>
-              <a:rPr lang="zh-TW" altLang="en-US" dirty="0">
-                <a:latin typeface="Consolas" panose="020B0609020204030204" pitchFamily="49" charset="0"/>
-                <a:ea typeface="微軟正黑體" panose="020B0604030504040204" pitchFamily="34" charset="-120"/>
-                <a:hlinkClick r:id="rId4"/>
-              </a:rPr>
-              <a:t>資工筆記</a:t>
-            </a:r>
-            <a:r>
-              <a:rPr lang="zh-TW" altLang="en-US" dirty="0">
-                <a:latin typeface="Consolas" panose="020B0609020204030204" pitchFamily="49" charset="0"/>
-                <a:ea typeface="微軟正黑體" panose="020B0604030504040204" pitchFamily="34" charset="-120"/>
-              </a:rPr>
               <a:t>跟</a:t>
             </a:r>
             <a:r>
               <a:rPr lang="en-US" altLang="zh-TW" dirty="0" err="1">
                 <a:latin typeface="Consolas" panose="020B0609020204030204" pitchFamily="49" charset="0"/>
                 <a:ea typeface="微軟正黑體" panose="020B0604030504040204" pitchFamily="34" charset="-120"/>
-                <a:hlinkClick r:id="rId5"/>
+                <a:hlinkClick r:id="rId6"/>
               </a:rPr>
               <a:t>github</a:t>
             </a:r>
@@ -16677,7 +17329,7 @@
                 </a:solidFill>
                 <a:latin typeface="Consolas" panose="020B0609020204030204" pitchFamily="49" charset="0"/>
               </a:rPr>
-              <a:t>#define min(x, y) x&lt;y ? X:y</a:t>
+              <a:t>#define min(x, y) x&lt;y ? x:y</a:t>
             </a:r>
           </a:p>
           <a:p>
@@ -16688,8 +17340,121 @@
                 </a:solidFill>
                 <a:latin typeface="Consolas" panose="020B0609020204030204" pitchFamily="49" charset="0"/>
               </a:rPr>
-              <a:t>#define max(x, y) x&gt;y ? X:y</a:t>
-            </a:r>
+              <a:t>#define max(x, y) x&gt;y ? x:y</a:t>
+            </a:r>
+          </a:p>
+          <a:p>
+            <a:r>
+              <a:rPr lang="en-US" altLang="zh-TW" dirty="0" err="1">
+                <a:solidFill>
+                  <a:srgbClr val="DCDCCC"/>
+                </a:solidFill>
+                <a:latin typeface="Consolas" panose="020B0609020204030204" pitchFamily="49" charset="0"/>
+              </a:rPr>
+              <a:t>printf</a:t>
+            </a:r>
+            <a:r>
+              <a:rPr lang="en-US" altLang="zh-TW" b="1" dirty="0">
+                <a:solidFill>
+                  <a:srgbClr val="9F9D6D"/>
+                </a:solidFill>
+                <a:latin typeface="Consolas" panose="020B0609020204030204" pitchFamily="49" charset="0"/>
+              </a:rPr>
+              <a:t>(</a:t>
+            </a:r>
+            <a:r>
+              <a:rPr lang="en-US" altLang="zh-TW" b="0" dirty="0">
+                <a:solidFill>
+                  <a:srgbClr val="CC9393"/>
+                </a:solidFill>
+                <a:latin typeface="Consolas" panose="020B0609020204030204" pitchFamily="49" charset="0"/>
+              </a:rPr>
+              <a:t>"%d"</a:t>
+            </a:r>
+            <a:r>
+              <a:rPr lang="en-US" altLang="zh-TW" b="1" dirty="0">
+                <a:solidFill>
+                  <a:srgbClr val="9F9D6D"/>
+                </a:solidFill>
+                <a:latin typeface="Consolas" panose="020B0609020204030204" pitchFamily="49" charset="0"/>
+              </a:rPr>
+              <a:t>,</a:t>
+            </a:r>
+            <a:r>
+              <a:rPr lang="en-US" altLang="zh-TW" b="0" dirty="0">
+                <a:solidFill>
+                  <a:srgbClr val="DCDCCC"/>
+                </a:solidFill>
+                <a:latin typeface="Consolas" panose="020B0609020204030204" pitchFamily="49" charset="0"/>
+              </a:rPr>
+              <a:t> </a:t>
+            </a:r>
+            <a:r>
+              <a:rPr lang="en-US" altLang="zh-TW" b="0">
+                <a:solidFill>
+                  <a:srgbClr val="DCDCCC"/>
+                </a:solidFill>
+                <a:latin typeface="Consolas" panose="020B0609020204030204" pitchFamily="49" charset="0"/>
+              </a:rPr>
+              <a:t>min</a:t>
+            </a:r>
+            <a:r>
+              <a:rPr lang="en-US" altLang="zh-TW" b="1">
+                <a:solidFill>
+                  <a:srgbClr val="9F9D6D"/>
+                </a:solidFill>
+                <a:latin typeface="Consolas" panose="020B0609020204030204" pitchFamily="49" charset="0"/>
+              </a:rPr>
+              <a:t>(</a:t>
+            </a:r>
+            <a:r>
+              <a:rPr lang="en-US" altLang="zh-TW">
+                <a:solidFill>
+                  <a:srgbClr val="DCDCCC"/>
+                </a:solidFill>
+                <a:latin typeface="Consolas" panose="020B0609020204030204" pitchFamily="49" charset="0"/>
+              </a:rPr>
+              <a:t>a</a:t>
+            </a:r>
+            <a:r>
+              <a:rPr lang="en-US" altLang="zh-TW" b="1">
+                <a:solidFill>
+                  <a:srgbClr val="9F9D6D"/>
+                </a:solidFill>
+                <a:latin typeface="Consolas" panose="020B0609020204030204" pitchFamily="49" charset="0"/>
+              </a:rPr>
+              <a:t>,</a:t>
+            </a:r>
+            <a:r>
+              <a:rPr lang="en-US" altLang="zh-TW" b="0">
+                <a:solidFill>
+                  <a:srgbClr val="DCDCCC"/>
+                </a:solidFill>
+                <a:latin typeface="Consolas" panose="020B0609020204030204" pitchFamily="49" charset="0"/>
+              </a:rPr>
+              <a:t> </a:t>
+            </a:r>
+            <a:r>
+              <a:rPr lang="en-US" altLang="zh-TW">
+                <a:solidFill>
+                  <a:srgbClr val="DCDCCC"/>
+                </a:solidFill>
+                <a:latin typeface="Consolas" panose="020B0609020204030204" pitchFamily="49" charset="0"/>
+              </a:rPr>
+              <a:t>b</a:t>
+            </a:r>
+            <a:r>
+              <a:rPr lang="en-US" altLang="zh-TW" b="1">
+                <a:solidFill>
+                  <a:srgbClr val="9F9D6D"/>
+                </a:solidFill>
+                <a:latin typeface="Consolas" panose="020B0609020204030204" pitchFamily="49" charset="0"/>
+              </a:rPr>
+              <a:t>));</a:t>
+            </a:r>
+            <a:endParaRPr lang="es-ES" altLang="zh-TW" sz="4000" dirty="0">
+              <a:latin typeface="Consolas" panose="020B0609020204030204" pitchFamily="49" charset="0"/>
+            </a:endParaRPr>
           </a:p>
           <a:p>
             <a:endParaRPr lang="en-US" altLang="zh-TW" dirty="0">
@@ -25428,7 +26193,7 @@
         </p:blipFill>
         <p:spPr>
           <a:xfrm>
-            <a:off x="2034826" y="1660489"/>
+            <a:off x="2034826" y="1690688"/>
             <a:ext cx="8122347" cy="3537022"/>
           </a:xfrm>
           <a:prstGeom prst="rect">
@@ -25436,6 +26201,42 @@
           </a:prstGeom>
         </p:spPr>
       </p:pic>
+      <p:sp>
+        <p:nvSpPr>
+          <p:cNvPr id="2" name="標題 1">
+            <a:extLst>
+              <a:ext uri="{FF2B5EF4-FFF2-40B4-BE49-F238E27FC236}">
+                <a16:creationId xmlns:a16="http://schemas.microsoft.com/office/drawing/2014/main" id="{5206F360-CCB9-656E-E665-15CFECD2ECE5}"/>
+              </a:ext>
+            </a:extLst>
+          </p:cNvPr>
+          <p:cNvSpPr>
+            <a:spLocks noGrp="1"/>
+          </p:cNvSpPr>
+          <p:nvPr>
+            <p:ph type="title"/>
+          </p:nvPr>
+        </p:nvSpPr>
+        <p:spPr>
+          <a:xfrm>
+            <a:off x="838200" y="365125"/>
+            <a:ext cx="10515600" cy="1325563"/>
+          </a:xfrm>
+        </p:spPr>
+        <p:txBody>
+          <a:bodyPr/>
+          <a:lstStyle/>
+          <a:p>
+            <a:r>
+              <a:rPr lang="zh-TW" altLang="en-US" dirty="0">
+                <a:latin typeface="微軟正黑體" panose="020B0604030504040204" pitchFamily="34" charset="-120"/>
+                <a:ea typeface="微軟正黑體" panose="020B0604030504040204" pitchFamily="34" charset="-120"/>
+              </a:rPr>
+              <a:t>前言</a:t>
+            </a:r>
+          </a:p>
+        </p:txBody>
+      </p:sp>
     </p:spTree>
     <p:extLst>
       <p:ext uri="{BB962C8B-B14F-4D97-AF65-F5344CB8AC3E}">

--- a/Ch1/Ch1-basic.pptx
+++ b/Ch1/Ch1-basic.pptx
@@ -308,7 +308,7 @@
           <a:p>
             <a:fld id="{5CA1DE25-5FDD-4627-8F1B-8C59CC04B9FE}" type="datetimeFigureOut">
               <a:rPr lang="zh-TW" altLang="en-US" smtClean="0"/>
-              <a:t>2022/11/17</a:t>
+              <a:t>2022/11/23</a:t>
             </a:fld>
             <a:endParaRPr lang="zh-TW" altLang="en-US"/>
           </a:p>
@@ -3370,7 +3370,7 @@
           <a:p>
             <a:fld id="{ABB345C4-D81E-4C8D-86A1-B639E123A710}" type="datetimeFigureOut">
               <a:rPr lang="zh-TW" altLang="en-US" smtClean="0"/>
-              <a:t>2022/11/17</a:t>
+              <a:t>2022/11/23</a:t>
             </a:fld>
             <a:endParaRPr lang="zh-TW" altLang="en-US"/>
           </a:p>
@@ -3540,7 +3540,7 @@
           <a:p>
             <a:fld id="{ABB345C4-D81E-4C8D-86A1-B639E123A710}" type="datetimeFigureOut">
               <a:rPr lang="zh-TW" altLang="en-US" smtClean="0"/>
-              <a:t>2022/11/17</a:t>
+              <a:t>2022/11/23</a:t>
             </a:fld>
             <a:endParaRPr lang="zh-TW" altLang="en-US"/>
           </a:p>
@@ -3720,7 +3720,7 @@
           <a:p>
             <a:fld id="{ABB345C4-D81E-4C8D-86A1-B639E123A710}" type="datetimeFigureOut">
               <a:rPr lang="zh-TW" altLang="en-US" smtClean="0"/>
-              <a:t>2022/11/17</a:t>
+              <a:t>2022/11/23</a:t>
             </a:fld>
             <a:endParaRPr lang="zh-TW" altLang="en-US"/>
           </a:p>
@@ -3890,7 +3890,7 @@
           <a:p>
             <a:fld id="{ABB345C4-D81E-4C8D-86A1-B639E123A710}" type="datetimeFigureOut">
               <a:rPr lang="zh-TW" altLang="en-US" smtClean="0"/>
-              <a:t>2022/11/17</a:t>
+              <a:t>2022/11/23</a:t>
             </a:fld>
             <a:endParaRPr lang="zh-TW" altLang="en-US"/>
           </a:p>
@@ -4136,7 +4136,7 @@
           <a:p>
             <a:fld id="{ABB345C4-D81E-4C8D-86A1-B639E123A710}" type="datetimeFigureOut">
               <a:rPr lang="zh-TW" altLang="en-US" smtClean="0"/>
-              <a:t>2022/11/17</a:t>
+              <a:t>2022/11/23</a:t>
             </a:fld>
             <a:endParaRPr lang="zh-TW" altLang="en-US"/>
           </a:p>
@@ -4368,7 +4368,7 @@
           <a:p>
             <a:fld id="{ABB345C4-D81E-4C8D-86A1-B639E123A710}" type="datetimeFigureOut">
               <a:rPr lang="zh-TW" altLang="en-US" smtClean="0"/>
-              <a:t>2022/11/17</a:t>
+              <a:t>2022/11/23</a:t>
             </a:fld>
             <a:endParaRPr lang="zh-TW" altLang="en-US"/>
           </a:p>
@@ -4735,7 +4735,7 @@
           <a:p>
             <a:fld id="{ABB345C4-D81E-4C8D-86A1-B639E123A710}" type="datetimeFigureOut">
               <a:rPr lang="zh-TW" altLang="en-US" smtClean="0"/>
-              <a:t>2022/11/17</a:t>
+              <a:t>2022/11/23</a:t>
             </a:fld>
             <a:endParaRPr lang="zh-TW" altLang="en-US"/>
           </a:p>
@@ -4853,7 +4853,7 @@
           <a:p>
             <a:fld id="{ABB345C4-D81E-4C8D-86A1-B639E123A710}" type="datetimeFigureOut">
               <a:rPr lang="zh-TW" altLang="en-US" smtClean="0"/>
-              <a:t>2022/11/17</a:t>
+              <a:t>2022/11/23</a:t>
             </a:fld>
             <a:endParaRPr lang="zh-TW" altLang="en-US"/>
           </a:p>
@@ -4948,7 +4948,7 @@
           <a:p>
             <a:fld id="{ABB345C4-D81E-4C8D-86A1-B639E123A710}" type="datetimeFigureOut">
               <a:rPr lang="zh-TW" altLang="en-US" smtClean="0"/>
-              <a:t>2022/11/17</a:t>
+              <a:t>2022/11/23</a:t>
             </a:fld>
             <a:endParaRPr lang="zh-TW" altLang="en-US"/>
           </a:p>
@@ -5225,7 +5225,7 @@
           <a:p>
             <a:fld id="{ABB345C4-D81E-4C8D-86A1-B639E123A710}" type="datetimeFigureOut">
               <a:rPr lang="zh-TW" altLang="en-US" smtClean="0"/>
-              <a:t>2022/11/17</a:t>
+              <a:t>2022/11/23</a:t>
             </a:fld>
             <a:endParaRPr lang="zh-TW" altLang="en-US"/>
           </a:p>
@@ -5482,7 +5482,7 @@
           <a:p>
             <a:fld id="{ABB345C4-D81E-4C8D-86A1-B639E123A710}" type="datetimeFigureOut">
               <a:rPr lang="zh-TW" altLang="en-US" smtClean="0"/>
-              <a:t>2022/11/17</a:t>
+              <a:t>2022/11/23</a:t>
             </a:fld>
             <a:endParaRPr lang="zh-TW" altLang="en-US"/>
           </a:p>
@@ -5695,7 +5695,7 @@
           <a:p>
             <a:fld id="{ABB345C4-D81E-4C8D-86A1-B639E123A710}" type="datetimeFigureOut">
               <a:rPr lang="zh-TW" altLang="en-US" smtClean="0"/>
-              <a:t>2022/11/17</a:t>
+              <a:t>2022/11/23</a:t>
             </a:fld>
             <a:endParaRPr lang="zh-TW" altLang="en-US"/>
           </a:p>
@@ -6140,8 +6140,19 @@
                 <a:latin typeface="Consolas" panose="020B0609020204030204" pitchFamily="49" charset="0"/>
                 <a:ea typeface="微軟正黑體" panose="020B0604030504040204" pitchFamily="34" charset="-120"/>
               </a:rPr>
-              <a:t>程不教的東西</a:t>
-            </a:r>
+              <a:t>程不</a:t>
+            </a:r>
+            <a:r>
+              <a:rPr lang="zh-TW" altLang="en-US">
+                <a:latin typeface="Consolas" panose="020B0609020204030204" pitchFamily="49" charset="0"/>
+                <a:ea typeface="微軟正黑體" panose="020B0604030504040204" pitchFamily="34" charset="-120"/>
+              </a:rPr>
+              <a:t>教的事</a:t>
+            </a:r>
+            <a:endParaRPr lang="zh-TW" altLang="en-US" dirty="0">
+              <a:latin typeface="Consolas" panose="020B0609020204030204" pitchFamily="49" charset="0"/>
+              <a:ea typeface="微軟正黑體" panose="020B0604030504040204" pitchFamily="34" charset="-120"/>
+            </a:endParaRPr>
           </a:p>
         </p:txBody>
       </p:sp>
